--- a/答辩ppt.pptx
+++ b/答辩ppt.pptx
@@ -5,10 +5,10 @@
     <p:sldMasterId id="2147483648" r:id="rId2"/>
   </p:sldMasterIdLst>
   <p:notesMasterIdLst>
-    <p:notesMasterId r:id="rId19"/>
+    <p:notesMasterId r:id="rId21"/>
   </p:notesMasterIdLst>
   <p:handoutMasterIdLst>
-    <p:handoutMasterId r:id="rId20"/>
+    <p:handoutMasterId r:id="rId22"/>
   </p:handoutMasterIdLst>
   <p:sldIdLst>
     <p:sldId id="256" r:id="rId3"/>
@@ -19,27 +19,33 @@
     <p:sldId id="262" r:id="rId8"/>
     <p:sldId id="275" r:id="rId9"/>
     <p:sldId id="287" r:id="rId10"/>
-    <p:sldId id="265" r:id="rId11"/>
-    <p:sldId id="282" r:id="rId12"/>
-    <p:sldId id="266" r:id="rId13"/>
-    <p:sldId id="284" r:id="rId14"/>
-    <p:sldId id="285" r:id="rId15"/>
-    <p:sldId id="268" r:id="rId16"/>
-    <p:sldId id="269" r:id="rId17"/>
-    <p:sldId id="270" r:id="rId18"/>
+    <p:sldId id="288" r:id="rId11"/>
+    <p:sldId id="265" r:id="rId12"/>
+    <p:sldId id="282" r:id="rId13"/>
+    <p:sldId id="289" r:id="rId14"/>
+    <p:sldId id="268" r:id="rId15"/>
+    <p:sldId id="290" r:id="rId16"/>
+    <p:sldId id="291" r:id="rId17"/>
+    <p:sldId id="292" r:id="rId18"/>
+    <p:sldId id="294" r:id="rId19"/>
+    <p:sldId id="270" r:id="rId20"/>
   </p:sldIdLst>
   <p:sldSz cx="12192000" cy="6858000"/>
   <p:notesSz cx="6858000" cy="9144000"/>
   <p:embeddedFontLst>
     <p:embeddedFont>
       <p:font typeface="等线" panose="02010600030101010101" pitchFamily="2" charset="-122"/>
-      <p:regular r:id="rId21"/>
-      <p:bold r:id="rId22"/>
+      <p:regular r:id="rId23"/>
+      <p:bold r:id="rId24"/>
     </p:embeddedFont>
     <p:embeddedFont>
       <p:font typeface="微软雅黑" panose="020B0503020204020204" pitchFamily="34" charset="-122"/>
-      <p:regular r:id="rId23"/>
-      <p:bold r:id="rId24"/>
+      <p:regular r:id="rId25"/>
+      <p:bold r:id="rId26"/>
+    </p:embeddedFont>
+    <p:embeddedFont>
+      <p:font typeface="Cambria Math" panose="02040503050406030204" pitchFamily="18" charset="0"/>
+      <p:regular r:id="rId27"/>
     </p:embeddedFont>
   </p:embeddedFontLst>
   <p:defaultTextStyle>
@@ -250,7 +256,7 @@
                 <a:latin typeface="微软雅黑" panose="020B0503020204020204" charset="-122"/>
                 <a:ea typeface="微软雅黑" panose="020B0503020204020204" charset="-122"/>
               </a:rPr>
-              <a:t>2022/6/2</a:t>
+              <a:t>2022/6/22</a:t>
             </a:fld>
             <a:endParaRPr lang="zh-CN" altLang="en-US">
               <a:latin typeface="微软雅黑" panose="020B0503020204020204" charset="-122"/>
@@ -433,7 +439,7 @@
           <a:p>
             <a:fld id="{1AC49D05-6128-4D0D-A32A-06A5E73B386C}" type="datetimeFigureOut">
               <a:rPr lang="zh-CN" altLang="en-US" smtClean="0"/>
-              <a:t>2022/6/2</a:t>
+              <a:t>2022/6/22</a:t>
             </a:fld>
             <a:endParaRPr lang="zh-CN" altLang="en-US"/>
           </a:p>
@@ -1010,6 +1016,11 @@
         </p:txBody>
       </p:sp>
     </p:spTree>
+    <p:extLst>
+      <p:ext uri="{BB962C8B-B14F-4D97-AF65-F5344CB8AC3E}">
+        <p14:creationId xmlns:p14="http://schemas.microsoft.com/office/powerpoint/2010/main" val="3021795756"/>
+      </p:ext>
+    </p:extLst>
   </p:cSld>
   <p:clrMapOvr>
     <a:masterClrMapping/>
@@ -1168,6 +1179,11 @@
         </p:txBody>
       </p:sp>
     </p:spTree>
+    <p:extLst>
+      <p:ext uri="{BB962C8B-B14F-4D97-AF65-F5344CB8AC3E}">
+        <p14:creationId xmlns:p14="http://schemas.microsoft.com/office/powerpoint/2010/main" val="3214423935"/>
+      </p:ext>
+    </p:extLst>
   </p:cSld>
   <p:clrMapOvr>
     <a:masterClrMapping/>
@@ -1247,6 +1263,11 @@
         </p:txBody>
       </p:sp>
     </p:spTree>
+    <p:extLst>
+      <p:ext uri="{BB962C8B-B14F-4D97-AF65-F5344CB8AC3E}">
+        <p14:creationId xmlns:p14="http://schemas.microsoft.com/office/powerpoint/2010/main" val="202505889"/>
+      </p:ext>
+    </p:extLst>
   </p:cSld>
   <p:clrMapOvr>
     <a:masterClrMapping/>
@@ -1320,6 +1341,174 @@
             <a:fld id="{85D0DACE-38E0-42D2-9336-2B707D34BC6D}" type="slidenum">
               <a:rPr lang="zh-CN" altLang="en-US" smtClean="0"/>
               <a:t>16</a:t>
+            </a:fld>
+            <a:endParaRPr lang="zh-CN" altLang="en-US"/>
+          </a:p>
+        </p:txBody>
+      </p:sp>
+    </p:spTree>
+    <p:extLst>
+      <p:ext uri="{BB962C8B-B14F-4D97-AF65-F5344CB8AC3E}">
+        <p14:creationId xmlns:p14="http://schemas.microsoft.com/office/powerpoint/2010/main" val="3031302927"/>
+      </p:ext>
+    </p:extLst>
+  </p:cSld>
+  <p:clrMapOvr>
+    <a:masterClrMapping/>
+  </p:clrMapOvr>
+</p:notes>
+</file>
+
+<file path=ppt/notesSlides/notesSlide17.xml><?xml version="1.0" encoding="utf-8"?>
+<p:notes xmlns:a="http://schemas.openxmlformats.org/drawingml/2006/main" xmlns:r="http://schemas.openxmlformats.org/officeDocument/2006/relationships" xmlns:p="http://schemas.openxmlformats.org/presentationml/2006/main">
+  <p:cSld>
+    <p:spTree>
+      <p:nvGrpSpPr>
+        <p:cNvPr id="1" name=""/>
+        <p:cNvGrpSpPr/>
+        <p:nvPr/>
+      </p:nvGrpSpPr>
+      <p:grpSpPr>
+        <a:xfrm>
+          <a:off x="0" y="0"/>
+          <a:ext cx="0" cy="0"/>
+          <a:chOff x="0" y="0"/>
+          <a:chExt cx="0" cy="0"/>
+        </a:xfrm>
+      </p:grpSpPr>
+      <p:sp>
+        <p:nvSpPr>
+          <p:cNvPr id="2" name="幻灯片图像占位符 1"/>
+          <p:cNvSpPr>
+            <a:spLocks noGrp="1" noRot="1" noChangeAspect="1"/>
+          </p:cNvSpPr>
+          <p:nvPr>
+            <p:ph type="sldImg"/>
+          </p:nvPr>
+        </p:nvSpPr>
+        <p:spPr/>
+      </p:sp>
+      <p:sp>
+        <p:nvSpPr>
+          <p:cNvPr id="3" name="备注占位符 2"/>
+          <p:cNvSpPr>
+            <a:spLocks noGrp="1"/>
+          </p:cNvSpPr>
+          <p:nvPr>
+            <p:ph type="body" idx="1"/>
+          </p:nvPr>
+        </p:nvSpPr>
+        <p:spPr/>
+        <p:txBody>
+          <a:bodyPr/>
+          <a:lstStyle/>
+          <a:p>
+            <a:endParaRPr lang="zh-CN" altLang="en-US"/>
+          </a:p>
+        </p:txBody>
+      </p:sp>
+      <p:sp>
+        <p:nvSpPr>
+          <p:cNvPr id="4" name="灯片编号占位符 3"/>
+          <p:cNvSpPr>
+            <a:spLocks noGrp="1"/>
+          </p:cNvSpPr>
+          <p:nvPr>
+            <p:ph type="sldNum" sz="quarter" idx="10"/>
+          </p:nvPr>
+        </p:nvSpPr>
+        <p:spPr/>
+        <p:txBody>
+          <a:bodyPr/>
+          <a:lstStyle/>
+          <a:p>
+            <a:fld id="{85D0DACE-38E0-42D2-9336-2B707D34BC6D}" type="slidenum">
+              <a:rPr lang="zh-CN" altLang="en-US" smtClean="0"/>
+              <a:t>17</a:t>
+            </a:fld>
+            <a:endParaRPr lang="zh-CN" altLang="en-US"/>
+          </a:p>
+        </p:txBody>
+      </p:sp>
+    </p:spTree>
+    <p:extLst>
+      <p:ext uri="{BB962C8B-B14F-4D97-AF65-F5344CB8AC3E}">
+        <p14:creationId xmlns:p14="http://schemas.microsoft.com/office/powerpoint/2010/main" val="1549764088"/>
+      </p:ext>
+    </p:extLst>
+  </p:cSld>
+  <p:clrMapOvr>
+    <a:masterClrMapping/>
+  </p:clrMapOvr>
+</p:notes>
+</file>
+
+<file path=ppt/notesSlides/notesSlide18.xml><?xml version="1.0" encoding="utf-8"?>
+<p:notes xmlns:a="http://schemas.openxmlformats.org/drawingml/2006/main" xmlns:r="http://schemas.openxmlformats.org/officeDocument/2006/relationships" xmlns:p="http://schemas.openxmlformats.org/presentationml/2006/main">
+  <p:cSld>
+    <p:spTree>
+      <p:nvGrpSpPr>
+        <p:cNvPr id="1" name=""/>
+        <p:cNvGrpSpPr/>
+        <p:nvPr/>
+      </p:nvGrpSpPr>
+      <p:grpSpPr>
+        <a:xfrm>
+          <a:off x="0" y="0"/>
+          <a:ext cx="0" cy="0"/>
+          <a:chOff x="0" y="0"/>
+          <a:chExt cx="0" cy="0"/>
+        </a:xfrm>
+      </p:grpSpPr>
+      <p:sp>
+        <p:nvSpPr>
+          <p:cNvPr id="2" name="幻灯片图像占位符 1"/>
+          <p:cNvSpPr>
+            <a:spLocks noGrp="1" noRot="1" noChangeAspect="1"/>
+          </p:cNvSpPr>
+          <p:nvPr>
+            <p:ph type="sldImg"/>
+          </p:nvPr>
+        </p:nvSpPr>
+        <p:spPr/>
+      </p:sp>
+      <p:sp>
+        <p:nvSpPr>
+          <p:cNvPr id="3" name="备注占位符 2"/>
+          <p:cNvSpPr>
+            <a:spLocks noGrp="1"/>
+          </p:cNvSpPr>
+          <p:nvPr>
+            <p:ph type="body" idx="1"/>
+          </p:nvPr>
+        </p:nvSpPr>
+        <p:spPr/>
+        <p:txBody>
+          <a:bodyPr/>
+          <a:lstStyle/>
+          <a:p>
+            <a:endParaRPr lang="zh-CN" altLang="en-US"/>
+          </a:p>
+        </p:txBody>
+      </p:sp>
+      <p:sp>
+        <p:nvSpPr>
+          <p:cNvPr id="4" name="灯片编号占位符 3"/>
+          <p:cNvSpPr>
+            <a:spLocks noGrp="1"/>
+          </p:cNvSpPr>
+          <p:nvPr>
+            <p:ph type="sldNum" sz="quarter" idx="10"/>
+          </p:nvPr>
+        </p:nvSpPr>
+        <p:spPr/>
+        <p:txBody>
+          <a:bodyPr/>
+          <a:lstStyle/>
+          <a:p>
+            <a:fld id="{85D0DACE-38E0-42D2-9336-2B707D34BC6D}" type="slidenum">
+              <a:rPr lang="zh-CN" altLang="en-US" smtClean="0"/>
+              <a:t>18</a:t>
             </a:fld>
             <a:endParaRPr lang="zh-CN" altLang="en-US"/>
           </a:p>
@@ -1968,6 +2157,11 @@
         </p:txBody>
       </p:sp>
     </p:spTree>
+    <p:extLst>
+      <p:ext uri="{BB962C8B-B14F-4D97-AF65-F5344CB8AC3E}">
+        <p14:creationId xmlns:p14="http://schemas.microsoft.com/office/powerpoint/2010/main" val="4207252728"/>
+      </p:ext>
+    </p:extLst>
   </p:cSld>
   <p:clrMapOvr>
     <a:masterClrMapping/>
@@ -2133,7 +2327,7 @@
           <a:p>
             <a:fld id="{760FBDFE-C587-4B4C-A407-44438C67B59E}" type="datetimeFigureOut">
               <a:rPr lang="zh-CN" altLang="en-US" smtClean="0"/>
-              <a:t>2022/6/2</a:t>
+              <a:t>2022/6/22</a:t>
             </a:fld>
             <a:endParaRPr lang="zh-CN" altLang="en-US"/>
           </a:p>
@@ -2232,7 +2426,7 @@
           <a:p>
             <a:fld id="{760FBDFE-C587-4B4C-A407-44438C67B59E}" type="datetimeFigureOut">
               <a:rPr lang="zh-CN" altLang="en-US" smtClean="0"/>
-              <a:t>2022/6/2</a:t>
+              <a:t>2022/6/22</a:t>
             </a:fld>
             <a:endParaRPr lang="zh-CN" altLang="en-US"/>
           </a:p>
@@ -2441,7 +2635,7 @@
           <a:p>
             <a:fld id="{760FBDFE-C587-4B4C-A407-44438C67B59E}" type="datetimeFigureOut">
               <a:rPr lang="zh-CN" altLang="en-US" smtClean="0"/>
-              <a:t>2022/6/2</a:t>
+              <a:t>2022/6/22</a:t>
             </a:fld>
             <a:endParaRPr lang="zh-CN" altLang="en-US"/>
           </a:p>
@@ -2856,7 +3050,7 @@
           <a:p>
             <a:fld id="{760FBDFE-C587-4B4C-A407-44438C67B59E}" type="datetimeFigureOut">
               <a:rPr lang="zh-CN" altLang="en-US" smtClean="0"/>
-              <a:t>2022/6/2</a:t>
+              <a:t>2022/6/22</a:t>
             </a:fld>
             <a:endParaRPr lang="zh-CN" altLang="en-US"/>
           </a:p>
@@ -3130,7 +3324,7 @@
           <a:p>
             <a:fld id="{760FBDFE-C587-4B4C-A407-44438C67B59E}" type="datetimeFigureOut">
               <a:rPr lang="zh-CN" altLang="en-US" smtClean="0"/>
-              <a:t>2022/6/2</a:t>
+              <a:t>2022/6/22</a:t>
             </a:fld>
             <a:endParaRPr lang="zh-CN" altLang="en-US"/>
           </a:p>
@@ -3598,7 +3792,7 @@
           <a:p>
             <a:fld id="{760FBDFE-C587-4B4C-A407-44438C67B59E}" type="datetimeFigureOut">
               <a:rPr lang="zh-CN" altLang="en-US" smtClean="0"/>
-              <a:t>2022/6/2</a:t>
+              <a:t>2022/6/22</a:t>
             </a:fld>
             <a:endParaRPr lang="zh-CN" altLang="en-US"/>
           </a:p>
@@ -4331,7 +4525,7 @@
           <a:p>
             <a:fld id="{760FBDFE-C587-4B4C-A407-44438C67B59E}" type="datetimeFigureOut">
               <a:rPr lang="zh-CN" altLang="en-US" smtClean="0"/>
-              <a:t>2022/6/2</a:t>
+              <a:t>2022/6/22</a:t>
             </a:fld>
             <a:endParaRPr lang="zh-CN" altLang="en-US"/>
           </a:p>
@@ -4477,7 +4671,7 @@
           <a:p>
             <a:fld id="{760FBDFE-C587-4B4C-A407-44438C67B59E}" type="datetimeFigureOut">
               <a:rPr lang="zh-CN" altLang="en-US" smtClean="0"/>
-              <a:t>2022/6/2</a:t>
+              <a:t>2022/6/22</a:t>
             </a:fld>
             <a:endParaRPr lang="zh-CN" altLang="en-US"/>
           </a:p>
@@ -4576,7 +4770,7 @@
           <a:p>
             <a:fld id="{760FBDFE-C587-4B4C-A407-44438C67B59E}" type="datetimeFigureOut">
               <a:rPr lang="zh-CN" altLang="en-US" smtClean="0"/>
-              <a:t>2022/6/2</a:t>
+              <a:t>2022/6/22</a:t>
             </a:fld>
             <a:endParaRPr lang="zh-CN" altLang="en-US"/>
           </a:p>
@@ -4891,7 +5085,7 @@
           <a:p>
             <a:fld id="{9EFD9D74-47D9-4702-A33C-335B63B48DBF}" type="datetimeFigureOut">
               <a:rPr lang="zh-CN" altLang="en-US" smtClean="0"/>
-              <a:t>2022/6/2</a:t>
+              <a:t>2022/6/22</a:t>
             </a:fld>
             <a:endParaRPr lang="zh-CN" altLang="en-US" dirty="0"/>
           </a:p>
@@ -5180,7 +5374,7 @@
           <a:p>
             <a:fld id="{760FBDFE-C587-4B4C-A407-44438C67B59E}" type="datetimeFigureOut">
               <a:rPr lang="zh-CN" altLang="en-US" smtClean="0"/>
-              <a:t>2022/6/2</a:t>
+              <a:t>2022/6/22</a:t>
             </a:fld>
             <a:endParaRPr lang="zh-CN" altLang="en-US"/>
           </a:p>
@@ -5414,7 +5608,7 @@
           <a:p>
             <a:fld id="{760FBDFE-C587-4B4C-A407-44438C67B59E}" type="datetimeFigureOut">
               <a:rPr lang="zh-CN" altLang="en-US" smtClean="0"/>
-              <a:t>2022/6/2</a:t>
+              <a:t>2022/6/22</a:t>
             </a:fld>
             <a:endParaRPr lang="zh-CN" altLang="en-US"/>
           </a:p>
@@ -6069,9 +6263,6 @@
   <p:clrMapOvr>
     <a:masterClrMapping/>
   </p:clrMapOvr>
-  <p:transition>
-    <p:blinds/>
-  </p:transition>
 </p:sld>
 </file>
 
@@ -6100,30 +6291,219 @@
           <a:chExt cx="0" cy="0"/>
         </a:xfrm>
       </p:grpSpPr>
+      <p:cxnSp>
+        <p:nvCxnSpPr>
+          <p:cNvPr id="2" name="直接连接符 1"/>
+          <p:cNvCxnSpPr/>
+          <p:nvPr/>
+        </p:nvCxnSpPr>
+        <p:spPr>
+          <a:xfrm flipH="1">
+            <a:off x="-581660" y="1250950"/>
+            <a:ext cx="2432050" cy="1964690"/>
+          </a:xfrm>
+          <a:prstGeom prst="line">
+            <a:avLst/>
+          </a:prstGeom>
+          <a:ln>
+            <a:solidFill>
+              <a:schemeClr val="tx1">
+                <a:lumMod val="95000"/>
+                <a:lumOff val="5000"/>
+              </a:schemeClr>
+            </a:solidFill>
+          </a:ln>
+        </p:spPr>
+        <p:style>
+          <a:lnRef idx="1">
+            <a:schemeClr val="accent1"/>
+          </a:lnRef>
+          <a:fillRef idx="0">
+            <a:schemeClr val="accent1"/>
+          </a:fillRef>
+          <a:effectRef idx="0">
+            <a:schemeClr val="accent1"/>
+          </a:effectRef>
+          <a:fontRef idx="minor">
+            <a:schemeClr val="tx1"/>
+          </a:fontRef>
+        </p:style>
+      </p:cxnSp>
+      <p:cxnSp>
+        <p:nvCxnSpPr>
+          <p:cNvPr id="3" name="直接连接符 2"/>
+          <p:cNvCxnSpPr/>
+          <p:nvPr/>
+        </p:nvCxnSpPr>
+        <p:spPr>
+          <a:xfrm flipH="1">
+            <a:off x="1334135" y="-1107440"/>
+            <a:ext cx="2432050" cy="1964690"/>
+          </a:xfrm>
+          <a:prstGeom prst="line">
+            <a:avLst/>
+          </a:prstGeom>
+          <a:ln>
+            <a:solidFill>
+              <a:schemeClr val="tx1">
+                <a:lumMod val="95000"/>
+                <a:lumOff val="5000"/>
+              </a:schemeClr>
+            </a:solidFill>
+          </a:ln>
+        </p:spPr>
+        <p:style>
+          <a:lnRef idx="1">
+            <a:schemeClr val="accent1"/>
+          </a:lnRef>
+          <a:fillRef idx="0">
+            <a:schemeClr val="accent1"/>
+          </a:fillRef>
+          <a:effectRef idx="0">
+            <a:schemeClr val="accent1"/>
+          </a:effectRef>
+          <a:fontRef idx="minor">
+            <a:schemeClr val="tx1"/>
+          </a:fontRef>
+        </p:style>
+      </p:cxnSp>
+      <p:cxnSp>
+        <p:nvCxnSpPr>
+          <p:cNvPr id="4" name="直接连接符 3"/>
+          <p:cNvCxnSpPr/>
+          <p:nvPr/>
+        </p:nvCxnSpPr>
+        <p:spPr>
+          <a:xfrm flipH="1">
+            <a:off x="9215755" y="5941060"/>
+            <a:ext cx="2432050" cy="1964690"/>
+          </a:xfrm>
+          <a:prstGeom prst="line">
+            <a:avLst/>
+          </a:prstGeom>
+          <a:ln>
+            <a:solidFill>
+              <a:schemeClr val="tx1">
+                <a:lumMod val="95000"/>
+                <a:lumOff val="5000"/>
+              </a:schemeClr>
+            </a:solidFill>
+          </a:ln>
+        </p:spPr>
+        <p:style>
+          <a:lnRef idx="1">
+            <a:schemeClr val="accent1"/>
+          </a:lnRef>
+          <a:fillRef idx="0">
+            <a:schemeClr val="accent1"/>
+          </a:fillRef>
+          <a:effectRef idx="0">
+            <a:schemeClr val="accent1"/>
+          </a:effectRef>
+          <a:fontRef idx="minor">
+            <a:schemeClr val="tx1"/>
+          </a:fontRef>
+        </p:style>
+      </p:cxnSp>
+      <p:cxnSp>
+        <p:nvCxnSpPr>
+          <p:cNvPr id="5" name="直接连接符 4"/>
+          <p:cNvCxnSpPr/>
+          <p:nvPr/>
+        </p:nvCxnSpPr>
+        <p:spPr>
+          <a:xfrm flipH="1">
+            <a:off x="11131550" y="3582670"/>
+            <a:ext cx="2432050" cy="1964690"/>
+          </a:xfrm>
+          <a:prstGeom prst="line">
+            <a:avLst/>
+          </a:prstGeom>
+          <a:ln w="6350">
+            <a:solidFill>
+              <a:schemeClr val="tx1">
+                <a:lumMod val="95000"/>
+                <a:lumOff val="5000"/>
+              </a:schemeClr>
+            </a:solidFill>
+          </a:ln>
+        </p:spPr>
+        <p:style>
+          <a:lnRef idx="1">
+            <a:schemeClr val="accent1"/>
+          </a:lnRef>
+          <a:fillRef idx="0">
+            <a:schemeClr val="accent1"/>
+          </a:fillRef>
+          <a:effectRef idx="0">
+            <a:schemeClr val="accent1"/>
+          </a:effectRef>
+          <a:fontRef idx="minor">
+            <a:schemeClr val="tx1"/>
+          </a:fontRef>
+        </p:style>
+      </p:cxnSp>
+      <p:sp>
+        <p:nvSpPr>
+          <p:cNvPr id="8" name="文本框 7"/>
+          <p:cNvSpPr txBox="1"/>
+          <p:nvPr/>
+        </p:nvSpPr>
+        <p:spPr>
+          <a:xfrm>
+            <a:off x="3906520" y="2056765"/>
+            <a:ext cx="1264920" cy="1014730"/>
+          </a:xfrm>
+          <a:prstGeom prst="rect">
+            <a:avLst/>
+          </a:prstGeom>
+          <a:noFill/>
+        </p:spPr>
+        <p:txBody>
+          <a:bodyPr wrap="square" rtlCol="0">
+            <a:spAutoFit/>
+          </a:bodyPr>
+          <a:lstStyle/>
+          <a:p>
+            <a:pPr algn="l"/>
+            <a:r>
+              <a:rPr lang="en-US" sz="6000">
+                <a:solidFill>
+                  <a:srgbClr val="FF0000"/>
+                </a:solidFill>
+                <a:latin typeface="思源黑体 Light" panose="020B0300000000000000" charset="-122"/>
+                <a:ea typeface="思源黑体 Light" panose="020B0300000000000000" charset="-122"/>
+                <a:cs typeface="思源黑体 Light" panose="020B0300000000000000" charset="-122"/>
+              </a:rPr>
+              <a:t>03</a:t>
+            </a:r>
+          </a:p>
+        </p:txBody>
+      </p:sp>
       <p:grpSp>
         <p:nvGrpSpPr>
-          <p:cNvPr id="6" name="组合 5"/>
+          <p:cNvPr id="9" name="组合 8"/>
           <p:cNvGrpSpPr/>
           <p:nvPr/>
         </p:nvGrpSpPr>
         <p:grpSpPr>
           <a:xfrm>
-            <a:off x="-1484630" y="-1520825"/>
-            <a:ext cx="4347845" cy="4323080"/>
-            <a:chOff x="-916" y="-1744"/>
-            <a:chExt cx="6847" cy="6808"/>
+            <a:off x="4000500" y="2339340"/>
+            <a:ext cx="4215765" cy="1164590"/>
+            <a:chOff x="6300" y="3684"/>
+            <a:chExt cx="6639" cy="1834"/>
           </a:xfrm>
         </p:grpSpPr>
         <p:cxnSp>
           <p:nvCxnSpPr>
-            <p:cNvPr id="22" name="直接连接符 21"/>
+            <p:cNvPr id="15" name="直接连接符 14"/>
             <p:cNvCxnSpPr/>
             <p:nvPr/>
           </p:nvCxnSpPr>
           <p:spPr>
             <a:xfrm flipH="1">
-              <a:off x="-916" y="1970"/>
-              <a:ext cx="3830" cy="3094"/>
+              <a:off x="6300" y="3684"/>
+              <a:ext cx="2266" cy="1834"/>
             </a:xfrm>
             <a:prstGeom prst="line">
               <a:avLst/>
@@ -6152,267 +6532,45 @@
             </a:fontRef>
           </p:style>
         </p:cxnSp>
-        <p:cxnSp>
-          <p:nvCxnSpPr>
-            <p:cNvPr id="7" name="直接连接符 6"/>
-            <p:cNvCxnSpPr/>
+        <p:sp>
+          <p:nvSpPr>
+            <p:cNvPr id="10" name="文本框 9"/>
+            <p:cNvSpPr txBox="1"/>
             <p:nvPr/>
-          </p:nvCxnSpPr>
+          </p:nvSpPr>
           <p:spPr>
-            <a:xfrm flipH="1">
-              <a:off x="2101" y="-1744"/>
-              <a:ext cx="3830" cy="3094"/>
+            <a:xfrm>
+              <a:off x="8144" y="4269"/>
+              <a:ext cx="4795" cy="919"/>
             </a:xfrm>
-            <a:prstGeom prst="line">
+            <a:prstGeom prst="rect">
               <a:avLst/>
             </a:prstGeom>
-            <a:ln>
-              <a:solidFill>
-                <a:schemeClr val="tx1">
-                  <a:lumMod val="95000"/>
-                  <a:lumOff val="5000"/>
-                </a:schemeClr>
-              </a:solidFill>
-            </a:ln>
+            <a:noFill/>
           </p:spPr>
-          <p:style>
-            <a:lnRef idx="1">
-              <a:schemeClr val="accent1"/>
-            </a:lnRef>
-            <a:fillRef idx="0">
-              <a:schemeClr val="accent1"/>
-            </a:fillRef>
-            <a:effectRef idx="0">
-              <a:schemeClr val="accent1"/>
-            </a:effectRef>
-            <a:fontRef idx="minor">
-              <a:schemeClr val="tx1"/>
-            </a:fontRef>
-          </p:style>
-        </p:cxnSp>
+          <p:txBody>
+            <a:bodyPr wrap="square" rtlCol="0">
+              <a:spAutoFit/>
+            </a:bodyPr>
+            <a:lstStyle/>
+            <a:p>
+              <a:pPr algn="l"/>
+              <a:r>
+                <a:rPr lang="zh-CN" altLang="en-US" sz="3200" dirty="0">
+                  <a:solidFill>
+                    <a:schemeClr val="tx1"/>
+                  </a:solidFill>
+                  <a:latin typeface="思源黑体 Light" panose="020B0300000000000000" charset="-122"/>
+                  <a:ea typeface="思源黑体 Light" panose="020B0300000000000000" charset="-122"/>
+                  <a:cs typeface="思源黑体 Light" panose="020B0300000000000000" charset="-122"/>
+                  <a:sym typeface="+mn-ea"/>
+                </a:rPr>
+                <a:t>算法设计</a:t>
+              </a:r>
+            </a:p>
+          </p:txBody>
+        </p:sp>
       </p:grpSp>
-      <p:grpSp>
-        <p:nvGrpSpPr>
-          <p:cNvPr id="12" name="组合 11"/>
-          <p:cNvGrpSpPr/>
-          <p:nvPr/>
-        </p:nvGrpSpPr>
-        <p:grpSpPr>
-          <a:xfrm>
-            <a:off x="9578975" y="4159250"/>
-            <a:ext cx="4347845" cy="4323080"/>
-            <a:chOff x="14513" y="5642"/>
-            <a:chExt cx="6847" cy="6808"/>
-          </a:xfrm>
-        </p:grpSpPr>
-        <p:cxnSp>
-          <p:nvCxnSpPr>
-            <p:cNvPr id="13" name="直接连接符 12"/>
-            <p:cNvCxnSpPr/>
-            <p:nvPr/>
-          </p:nvCxnSpPr>
-          <p:spPr>
-            <a:xfrm flipH="1">
-              <a:off x="14513" y="9356"/>
-              <a:ext cx="3830" cy="3094"/>
-            </a:xfrm>
-            <a:prstGeom prst="line">
-              <a:avLst/>
-            </a:prstGeom>
-            <a:ln>
-              <a:solidFill>
-                <a:schemeClr val="tx1">
-                  <a:lumMod val="95000"/>
-                  <a:lumOff val="5000"/>
-                </a:schemeClr>
-              </a:solidFill>
-            </a:ln>
-          </p:spPr>
-          <p:style>
-            <a:lnRef idx="1">
-              <a:schemeClr val="accent1"/>
-            </a:lnRef>
-            <a:fillRef idx="0">
-              <a:schemeClr val="accent1"/>
-            </a:fillRef>
-            <a:effectRef idx="0">
-              <a:schemeClr val="accent1"/>
-            </a:effectRef>
-            <a:fontRef idx="minor">
-              <a:schemeClr val="tx1"/>
-            </a:fontRef>
-          </p:style>
-        </p:cxnSp>
-        <p:cxnSp>
-          <p:nvCxnSpPr>
-            <p:cNvPr id="14" name="直接连接符 13"/>
-            <p:cNvCxnSpPr/>
-            <p:nvPr/>
-          </p:nvCxnSpPr>
-          <p:spPr>
-            <a:xfrm flipH="1">
-              <a:off x="17530" y="5642"/>
-              <a:ext cx="3830" cy="3094"/>
-            </a:xfrm>
-            <a:prstGeom prst="line">
-              <a:avLst/>
-            </a:prstGeom>
-            <a:ln w="6350">
-              <a:solidFill>
-                <a:schemeClr val="tx1">
-                  <a:lumMod val="95000"/>
-                  <a:lumOff val="5000"/>
-                </a:schemeClr>
-              </a:solidFill>
-            </a:ln>
-          </p:spPr>
-          <p:style>
-            <a:lnRef idx="1">
-              <a:schemeClr val="accent1"/>
-            </a:lnRef>
-            <a:fillRef idx="0">
-              <a:schemeClr val="accent1"/>
-            </a:fillRef>
-            <a:effectRef idx="0">
-              <a:schemeClr val="accent1"/>
-            </a:effectRef>
-            <a:fontRef idx="minor">
-              <a:schemeClr val="tx1"/>
-            </a:fontRef>
-          </p:style>
-        </p:cxnSp>
-      </p:grpSp>
-      <p:sp>
-        <p:nvSpPr>
-          <p:cNvPr id="17" name="文本框 16"/>
-          <p:cNvSpPr txBox="1"/>
-          <p:nvPr/>
-        </p:nvSpPr>
-        <p:spPr>
-          <a:xfrm>
-            <a:off x="640080" y="391160"/>
-            <a:ext cx="1657985" cy="306705"/>
-          </a:xfrm>
-          <a:prstGeom prst="rect">
-            <a:avLst/>
-          </a:prstGeom>
-          <a:noFill/>
-        </p:spPr>
-        <p:txBody>
-          <a:bodyPr wrap="square" rtlCol="0">
-            <a:spAutoFit/>
-          </a:bodyPr>
-          <a:lstStyle/>
-          <a:p>
-            <a:pPr algn="l"/>
-            <a:r>
-              <a:rPr lang="zh-CN" altLang="en-US" sz="1400">
-                <a:solidFill>
-                  <a:schemeClr val="tx1">
-                    <a:lumMod val="95000"/>
-                    <a:lumOff val="5000"/>
-                  </a:schemeClr>
-                </a:solidFill>
-                <a:latin typeface="思源黑體 ExtraLight" panose="020B0200000000000000" charset="-120"/>
-                <a:ea typeface="思源黑體 ExtraLight" panose="020B0200000000000000" charset="-120"/>
-              </a:rPr>
-              <a:t>具体实现思路</a:t>
-            </a:r>
-          </a:p>
-        </p:txBody>
-      </p:sp>
-      <p:sp>
-        <p:nvSpPr>
-          <p:cNvPr id="4" name="文本框 3"/>
-          <p:cNvSpPr txBox="1"/>
-          <p:nvPr/>
-        </p:nvSpPr>
-        <p:spPr>
-          <a:xfrm>
-            <a:off x="4514215" y="391160"/>
-            <a:ext cx="1657985" cy="306705"/>
-          </a:xfrm>
-          <a:prstGeom prst="rect">
-            <a:avLst/>
-          </a:prstGeom>
-          <a:noFill/>
-        </p:spPr>
-        <p:txBody>
-          <a:bodyPr wrap="square" rtlCol="0">
-            <a:spAutoFit/>
-          </a:bodyPr>
-          <a:lstStyle/>
-          <a:p>
-            <a:pPr algn="l"/>
-            <a:r>
-              <a:rPr lang="zh-CN" altLang="en-US" sz="1400">
-                <a:solidFill>
-                  <a:schemeClr val="tx1">
-                    <a:lumMod val="95000"/>
-                    <a:lumOff val="5000"/>
-                  </a:schemeClr>
-                </a:solidFill>
-                <a:latin typeface="思源黑體 ExtraLight" panose="020B0200000000000000" charset="-120"/>
-                <a:ea typeface="思源黑體 ExtraLight" panose="020B0200000000000000" charset="-120"/>
-              </a:rPr>
-              <a:t>类的总体设计</a:t>
-            </a:r>
-          </a:p>
-        </p:txBody>
-      </p:sp>
-      <p:pic>
-        <p:nvPicPr>
-          <p:cNvPr id="2" name="图片 1" descr="UML图"/>
-          <p:cNvPicPr>
-            <a:picLocks noChangeAspect="1"/>
-          </p:cNvPicPr>
-          <p:nvPr/>
-        </p:nvPicPr>
-        <p:blipFill>
-          <a:blip r:embed="rId4"/>
-          <a:stretch>
-            <a:fillRect/>
-          </a:stretch>
-        </p:blipFill>
-        <p:spPr>
-          <a:xfrm>
-            <a:off x="5575935" y="-131445"/>
-            <a:ext cx="6616065" cy="7120890"/>
-          </a:xfrm>
-          <a:prstGeom prst="rect">
-            <a:avLst/>
-          </a:prstGeom>
-        </p:spPr>
-      </p:pic>
-      <p:sp>
-        <p:nvSpPr>
-          <p:cNvPr id="3" name="文本框 2"/>
-          <p:cNvSpPr txBox="1"/>
-          <p:nvPr/>
-        </p:nvSpPr>
-        <p:spPr>
-          <a:xfrm>
-            <a:off x="1741170" y="2829560"/>
-            <a:ext cx="2245360" cy="1198880"/>
-          </a:xfrm>
-          <a:prstGeom prst="rect">
-            <a:avLst/>
-          </a:prstGeom>
-          <a:noFill/>
-        </p:spPr>
-        <p:txBody>
-          <a:bodyPr wrap="square" rtlCol="0">
-            <a:spAutoFit/>
-          </a:bodyPr>
-          <a:lstStyle/>
-          <a:p>
-            <a:r>
-              <a:rPr lang="zh-CN" altLang="en-US"/>
-              <a:t>先根据建议类图完成类的设计，再根据实际情况，添加变量与函数</a:t>
-            </a:r>
-          </a:p>
-        </p:txBody>
-      </p:sp>
     </p:spTree>
     <p:custDataLst>
       <p:tags r:id="rId1"/>
@@ -6421,9 +6579,6 @@
   <p:clrMapOvr>
     <a:masterClrMapping/>
   </p:clrMapOvr>
-  <p:transition>
-    <p:blinds/>
-  </p:transition>
 </p:sld>
 </file>
 
@@ -6642,7 +6797,7 @@
         </p:nvSpPr>
         <p:spPr>
           <a:xfrm>
-            <a:off x="1029335" y="391160"/>
+            <a:off x="9836785" y="543560"/>
             <a:ext cx="1657985" cy="306705"/>
           </a:xfrm>
           <a:prstGeom prst="rect">
@@ -6658,7 +6813,7 @@
           <a:p>
             <a:pPr algn="l"/>
             <a:r>
-              <a:rPr lang="zh-CN" altLang="en-US" sz="1400">
+              <a:rPr lang="zh-CN" altLang="en-US" sz="1400" dirty="0">
                 <a:solidFill>
                   <a:schemeClr val="tx1">
                     <a:lumMod val="95000"/>
@@ -6668,58 +6823,26 @@
                 <a:latin typeface="思源黑體 ExtraLight" panose="020B0200000000000000" charset="-120"/>
                 <a:ea typeface="思源黑體 ExtraLight" panose="020B0200000000000000" charset="-120"/>
               </a:rPr>
-              <a:t>具体实现思路</a:t>
+              <a:t>农场灌溉问题</a:t>
             </a:r>
           </a:p>
         </p:txBody>
       </p:sp>
-      <p:cxnSp>
-        <p:nvCxnSpPr>
-          <p:cNvPr id="18" name="直接连接符 17"/>
-          <p:cNvCxnSpPr/>
+      <p:sp>
+        <p:nvSpPr>
+          <p:cNvPr id="15" name="文本框 14">
+            <a:extLst>
+              <a:ext uri="{FF2B5EF4-FFF2-40B4-BE49-F238E27FC236}">
+                <a16:creationId xmlns:a16="http://schemas.microsoft.com/office/drawing/2014/main" id="{24307317-0A9F-4634-A219-A4BA2601C102}"/>
+              </a:ext>
+            </a:extLst>
+          </p:cNvPr>
+          <p:cNvSpPr txBox="1"/>
           <p:nvPr/>
-        </p:nvCxnSpPr>
+        </p:nvSpPr>
         <p:spPr>
           <a:xfrm>
-            <a:off x="1029335" y="697865"/>
-            <a:ext cx="10401935" cy="0"/>
-          </a:xfrm>
-          <a:prstGeom prst="line">
-            <a:avLst/>
-          </a:prstGeom>
-          <a:ln>
-            <a:solidFill>
-              <a:schemeClr val="tx1">
-                <a:lumMod val="85000"/>
-                <a:lumOff val="15000"/>
-              </a:schemeClr>
-            </a:solidFill>
-          </a:ln>
-        </p:spPr>
-        <p:style>
-          <a:lnRef idx="1">
-            <a:schemeClr val="accent1"/>
-          </a:lnRef>
-          <a:fillRef idx="0">
-            <a:schemeClr val="accent1"/>
-          </a:fillRef>
-          <a:effectRef idx="0">
-            <a:schemeClr val="accent1"/>
-          </a:effectRef>
-          <a:fontRef idx="minor">
-            <a:schemeClr val="tx1"/>
-          </a:fontRef>
-        </p:style>
-      </p:cxnSp>
-      <p:sp>
-        <p:nvSpPr>
-          <p:cNvPr id="4" name="文本框 3"/>
-          <p:cNvSpPr txBox="1"/>
-          <p:nvPr/>
-        </p:nvSpPr>
-        <p:spPr>
-          <a:xfrm>
-            <a:off x="9836785" y="391160"/>
+            <a:off x="792480" y="543560"/>
             <a:ext cx="1657985" cy="306705"/>
           </a:xfrm>
           <a:prstGeom prst="rect">
@@ -6735,7 +6858,7 @@
           <a:p>
             <a:pPr algn="l"/>
             <a:r>
-              <a:rPr lang="zh-CN" altLang="en-US" sz="1400">
+              <a:rPr lang="zh-CN" altLang="en-US" sz="1400" dirty="0">
                 <a:solidFill>
                   <a:schemeClr val="tx1">
                     <a:lumMod val="95000"/>
@@ -6745,651 +6868,71 @@
                 <a:latin typeface="思源黑體 ExtraLight" panose="020B0200000000000000" charset="-120"/>
                 <a:ea typeface="思源黑體 ExtraLight" panose="020B0200000000000000" charset="-120"/>
               </a:rPr>
-              <a:t>槽函数模块</a:t>
+              <a:t>算法设计</a:t>
             </a:r>
           </a:p>
         </p:txBody>
       </p:sp>
       <p:pic>
         <p:nvPicPr>
-          <p:cNvPr id="8" name="图片 7"/>
+          <p:cNvPr id="5122" name="图片 1">
+            <a:extLst>
+              <a:ext uri="{FF2B5EF4-FFF2-40B4-BE49-F238E27FC236}">
+                <a16:creationId xmlns:a16="http://schemas.microsoft.com/office/drawing/2014/main" id="{E1607F3D-0294-4AC2-821A-0A4206FD702A}"/>
+              </a:ext>
+            </a:extLst>
+          </p:cNvPr>
           <p:cNvPicPr>
-            <a:picLocks noChangeAspect="1"/>
+            <a:picLocks noChangeAspect="1" noChangeArrowheads="1"/>
           </p:cNvPicPr>
           <p:nvPr/>
         </p:nvPicPr>
         <p:blipFill>
-          <a:blip r:embed="rId4"/>
+          <a:blip r:embed="rId4">
+            <a:extLst>
+              <a:ext uri="{28A0092B-C50C-407E-A947-70E740481C1C}">
+                <a14:useLocalDpi xmlns:a14="http://schemas.microsoft.com/office/drawing/2010/main" val="0"/>
+              </a:ext>
+            </a:extLst>
+          </a:blip>
+          <a:srcRect/>
           <a:stretch>
             <a:fillRect/>
           </a:stretch>
         </p:blipFill>
-        <p:spPr>
+        <p:spPr bwMode="auto">
           <a:xfrm>
-            <a:off x="1029335" y="1075690"/>
-            <a:ext cx="3043555" cy="2557780"/>
-          </a:xfrm>
-          <a:prstGeom prst="rect">
-            <a:avLst/>
-          </a:prstGeom>
-        </p:spPr>
-      </p:pic>
-      <p:sp>
-        <p:nvSpPr>
-          <p:cNvPr id="9" name="文本框 8"/>
-          <p:cNvSpPr txBox="1"/>
-          <p:nvPr/>
-        </p:nvSpPr>
-        <p:spPr>
-          <a:xfrm>
-            <a:off x="1171575" y="702945"/>
-            <a:ext cx="2536190" cy="368300"/>
+            <a:off x="3422605" y="0"/>
+            <a:ext cx="5346789" cy="6870657"/>
           </a:xfrm>
           <a:prstGeom prst="rect">
             <a:avLst/>
           </a:prstGeom>
           <a:noFill/>
-        </p:spPr>
-        <p:txBody>
-          <a:bodyPr wrap="square" rtlCol="0">
-            <a:spAutoFit/>
-          </a:bodyPr>
-          <a:lstStyle/>
-          <a:p>
-            <a:r>
-              <a:rPr lang="zh-CN" altLang="en-US"/>
-              <a:t>登录界面</a:t>
-            </a:r>
-          </a:p>
-        </p:txBody>
-      </p:sp>
-      <p:sp>
-        <p:nvSpPr>
-          <p:cNvPr id="19" name="文本框 18"/>
-          <p:cNvSpPr txBox="1"/>
-          <p:nvPr/>
-        </p:nvSpPr>
-        <p:spPr>
-          <a:xfrm>
-            <a:off x="5074285" y="1193165"/>
-            <a:ext cx="2710815" cy="1168400"/>
-          </a:xfrm>
-          <a:prstGeom prst="rect">
-            <a:avLst/>
-          </a:prstGeom>
-          <a:noFill/>
-        </p:spPr>
-        <p:txBody>
-          <a:bodyPr wrap="square" rtlCol="0">
-            <a:spAutoFit/>
-          </a:bodyPr>
-          <a:lstStyle/>
-          <a:p>
-            <a:r>
-              <a:rPr lang="zh-CN" altLang="en-US" sz="1000"/>
-              <a:t>点击注册按钮，触发对应槽函数</a:t>
-            </a:r>
-          </a:p>
-          <a:p>
-            <a:r>
-              <a:rPr lang="zh-CN" altLang="en-US" sz="1000"/>
-              <a:t>void Widget::on_registerButton_clicked(){</a:t>
-            </a:r>
-          </a:p>
-          <a:p>
-            <a:r>
-              <a:rPr lang="zh-CN" altLang="en-US" sz="1000"/>
-              <a:t>    Register*a=new Register;</a:t>
-            </a:r>
-          </a:p>
-          <a:p>
-            <a:r>
-              <a:rPr lang="zh-CN" altLang="en-US" sz="1000"/>
-              <a:t>    a-&gt;show();</a:t>
-            </a:r>
-          </a:p>
-          <a:p>
-            <a:r>
-              <a:rPr lang="zh-CN" altLang="en-US" sz="1000"/>
-              <a:t>    this-&gt;close();</a:t>
-            </a:r>
-          </a:p>
-          <a:p>
-            <a:r>
-              <a:rPr lang="zh-CN" altLang="en-US" sz="1000"/>
-              <a:t>}</a:t>
-            </a:r>
-          </a:p>
-          <a:p>
-            <a:r>
-              <a:rPr lang="zh-CN" altLang="en-US" sz="1000"/>
-              <a:t>打开注册界面，关闭登录界面</a:t>
-            </a:r>
-          </a:p>
-        </p:txBody>
-      </p:sp>
-      <p:sp>
-        <p:nvSpPr>
-          <p:cNvPr id="21" name="文本框 20"/>
-          <p:cNvSpPr txBox="1"/>
-          <p:nvPr/>
-        </p:nvSpPr>
-        <p:spPr>
-          <a:xfrm>
-            <a:off x="8987155" y="715010"/>
-            <a:ext cx="1801495" cy="368300"/>
-          </a:xfrm>
-          <a:prstGeom prst="rect">
-            <a:avLst/>
-          </a:prstGeom>
-          <a:noFill/>
-        </p:spPr>
-        <p:txBody>
-          <a:bodyPr wrap="square" rtlCol="0">
-            <a:spAutoFit/>
-          </a:bodyPr>
-          <a:lstStyle/>
-          <a:p>
-            <a:r>
-              <a:rPr lang="zh-CN" altLang="en-US"/>
-              <a:t>注册界面</a:t>
-            </a:r>
-          </a:p>
-        </p:txBody>
-      </p:sp>
-      <p:cxnSp>
-        <p:nvCxnSpPr>
-          <p:cNvPr id="23" name="直接箭头连接符 22"/>
-          <p:cNvCxnSpPr/>
-          <p:nvPr/>
-        </p:nvCxnSpPr>
-        <p:spPr>
-          <a:xfrm flipV="1">
-            <a:off x="3336925" y="1306830"/>
-            <a:ext cx="1737360" cy="1901825"/>
-          </a:xfrm>
-          <a:prstGeom prst="straightConnector1">
-            <a:avLst/>
-          </a:prstGeom>
           <a:ln>
-            <a:tailEnd type="arrow"/>
+            <a:noFill/>
           </a:ln>
-        </p:spPr>
-        <p:style>
-          <a:lnRef idx="1">
-            <a:schemeClr val="accent1"/>
-          </a:lnRef>
-          <a:fillRef idx="0">
-            <a:schemeClr val="accent1"/>
-          </a:fillRef>
-          <a:effectRef idx="0">
-            <a:schemeClr val="accent1"/>
-          </a:effectRef>
-          <a:fontRef idx="minor">
-            <a:schemeClr val="tx1"/>
-          </a:fontRef>
-        </p:style>
-      </p:cxnSp>
-      <p:cxnSp>
-        <p:nvCxnSpPr>
-          <p:cNvPr id="28" name="直接箭头连接符 27"/>
-          <p:cNvCxnSpPr/>
-          <p:nvPr/>
-        </p:nvCxnSpPr>
-        <p:spPr>
-          <a:xfrm flipV="1">
-            <a:off x="6110605" y="1203325"/>
-            <a:ext cx="2811145" cy="589280"/>
-          </a:xfrm>
-          <a:prstGeom prst="straightConnector1">
-            <a:avLst/>
-          </a:prstGeom>
-          <a:ln>
-            <a:tailEnd type="arrow"/>
-          </a:ln>
-        </p:spPr>
-        <p:style>
-          <a:lnRef idx="1">
-            <a:schemeClr val="accent1"/>
-          </a:lnRef>
-          <a:fillRef idx="0">
-            <a:schemeClr val="accent1"/>
-          </a:fillRef>
-          <a:effectRef idx="0">
-            <a:schemeClr val="accent1"/>
-          </a:effectRef>
-          <a:fontRef idx="minor">
-            <a:schemeClr val="tx1"/>
-          </a:fontRef>
-        </p:style>
-      </p:cxnSp>
-      <p:pic>
-        <p:nvPicPr>
-          <p:cNvPr id="29" name="图片 28"/>
-          <p:cNvPicPr>
-            <a:picLocks noChangeAspect="1"/>
-          </p:cNvPicPr>
-          <p:nvPr/>
-        </p:nvPicPr>
-        <p:blipFill>
-          <a:blip r:embed="rId5"/>
-          <a:stretch>
-            <a:fillRect/>
-          </a:stretch>
-        </p:blipFill>
-        <p:spPr>
-          <a:xfrm>
-            <a:off x="8921750" y="1070610"/>
-            <a:ext cx="2033905" cy="2562860"/>
-          </a:xfrm>
-          <a:prstGeom prst="rect">
-            <a:avLst/>
-          </a:prstGeom>
+          <a:extLst>
+            <a:ext uri="{909E8E84-426E-40DD-AFC4-6F175D3DCCD1}">
+              <a14:hiddenFill xmlns:a14="http://schemas.microsoft.com/office/drawing/2010/main">
+                <a:solidFill>
+                  <a:srgbClr val="FFFFFF"/>
+                </a:solidFill>
+              </a14:hiddenFill>
+            </a:ext>
+            <a:ext uri="{91240B29-F687-4F45-9708-019B960494DF}">
+              <a14:hiddenLine xmlns:a14="http://schemas.microsoft.com/office/drawing/2010/main" w="9525">
+                <a:solidFill>
+                  <a:srgbClr val="000000"/>
+                </a:solidFill>
+                <a:miter lim="800000"/>
+                <a:headEnd/>
+                <a:tailEnd/>
+              </a14:hiddenLine>
+            </a:ext>
+          </a:extLst>
         </p:spPr>
       </p:pic>
-      <p:sp>
-        <p:nvSpPr>
-          <p:cNvPr id="31" name="文本框 30"/>
-          <p:cNvSpPr txBox="1"/>
-          <p:nvPr/>
-        </p:nvSpPr>
-        <p:spPr>
-          <a:xfrm>
-            <a:off x="9685655" y="4343400"/>
-            <a:ext cx="2506345" cy="1014730"/>
-          </a:xfrm>
-          <a:prstGeom prst="rect">
-            <a:avLst/>
-          </a:prstGeom>
-          <a:noFill/>
-        </p:spPr>
-        <p:txBody>
-          <a:bodyPr wrap="square" rtlCol="0">
-            <a:spAutoFit/>
-          </a:bodyPr>
-          <a:lstStyle/>
-          <a:p>
-            <a:r>
-              <a:rPr lang="zh-CN" altLang="en-US" sz="1000"/>
-              <a:t>点击注册按钮触发相应槽函数</a:t>
-            </a:r>
-          </a:p>
-          <a:p>
-            <a:r>
-              <a:rPr lang="zh-CN" altLang="en-US" sz="1000"/>
-              <a:t>void Register::on_registerButton_clicked()</a:t>
-            </a:r>
-          </a:p>
-          <a:p>
-            <a:r>
-              <a:rPr lang="zh-CN" altLang="en-US" sz="1000"/>
-              <a:t>{</a:t>
-            </a:r>
-          </a:p>
-          <a:p>
-            <a:r>
-              <a:rPr lang="en-US" altLang="zh-CN" sz="1000"/>
-              <a:t>       ···</a:t>
-            </a:r>
-            <a:endParaRPr lang="zh-CN" altLang="en-US" sz="1000"/>
-          </a:p>
-          <a:p>
-            <a:r>
-              <a:rPr lang="en-US" altLang="zh-CN" sz="1000"/>
-              <a:t>}</a:t>
-            </a:r>
-          </a:p>
-          <a:p>
-            <a:r>
-              <a:rPr lang="zh-CN" altLang="en-US" sz="1000"/>
-              <a:t>该槽函数中有文件读写的部分功能</a:t>
-            </a:r>
-          </a:p>
-        </p:txBody>
-      </p:sp>
-      <p:cxnSp>
-        <p:nvCxnSpPr>
-          <p:cNvPr id="32" name="直接箭头连接符 31"/>
-          <p:cNvCxnSpPr/>
-          <p:nvPr/>
-        </p:nvCxnSpPr>
-        <p:spPr>
-          <a:xfrm>
-            <a:off x="10336530" y="3489325"/>
-            <a:ext cx="0" cy="853440"/>
-          </a:xfrm>
-          <a:prstGeom prst="straightConnector1">
-            <a:avLst/>
-          </a:prstGeom>
-          <a:ln>
-            <a:tailEnd type="arrow"/>
-          </a:ln>
-        </p:spPr>
-        <p:style>
-          <a:lnRef idx="1">
-            <a:schemeClr val="accent1"/>
-          </a:lnRef>
-          <a:fillRef idx="0">
-            <a:schemeClr val="accent1"/>
-          </a:fillRef>
-          <a:effectRef idx="0">
-            <a:schemeClr val="accent1"/>
-          </a:effectRef>
-          <a:fontRef idx="minor">
-            <a:schemeClr val="tx1"/>
-          </a:fontRef>
-        </p:style>
-      </p:cxnSp>
-      <p:sp>
-        <p:nvSpPr>
-          <p:cNvPr id="33" name="文本框 32"/>
-          <p:cNvSpPr txBox="1"/>
-          <p:nvPr/>
-        </p:nvSpPr>
-        <p:spPr>
-          <a:xfrm>
-            <a:off x="7334250" y="4403725"/>
-            <a:ext cx="2405380" cy="1322070"/>
-          </a:xfrm>
-          <a:prstGeom prst="rect">
-            <a:avLst/>
-          </a:prstGeom>
-          <a:noFill/>
-        </p:spPr>
-        <p:txBody>
-          <a:bodyPr wrap="square" rtlCol="0">
-            <a:spAutoFit/>
-          </a:bodyPr>
-          <a:lstStyle/>
-          <a:p>
-            <a:r>
-              <a:rPr lang="zh-CN" altLang="en-US" sz="1000"/>
-              <a:t>点击返回按钮触发相应槽函数</a:t>
-            </a:r>
-          </a:p>
-          <a:p>
-            <a:r>
-              <a:rPr lang="zh-CN" altLang="en-US" sz="1000"/>
-              <a:t>void Register::on_saveButton_clicked()</a:t>
-            </a:r>
-          </a:p>
-          <a:p>
-            <a:r>
-              <a:rPr lang="zh-CN" altLang="en-US" sz="1000"/>
-              <a:t>{</a:t>
-            </a:r>
-          </a:p>
-          <a:p>
-            <a:r>
-              <a:rPr lang="zh-CN" altLang="en-US" sz="1000"/>
-              <a:t>    Widget*a=new Widget;</a:t>
-            </a:r>
-          </a:p>
-          <a:p>
-            <a:r>
-              <a:rPr lang="zh-CN" altLang="en-US" sz="1000"/>
-              <a:t>    a-&gt;show();</a:t>
-            </a:r>
-          </a:p>
-          <a:p>
-            <a:r>
-              <a:rPr lang="zh-CN" altLang="en-US" sz="1000"/>
-              <a:t>    this-&gt;close();</a:t>
-            </a:r>
-          </a:p>
-          <a:p>
-            <a:r>
-              <a:rPr lang="zh-CN" altLang="en-US" sz="1000"/>
-              <a:t>}</a:t>
-            </a:r>
-          </a:p>
-          <a:p>
-            <a:r>
-              <a:rPr lang="zh-CN" altLang="en-US" sz="1000"/>
-              <a:t>返回登录界面，关闭当前界面</a:t>
-            </a:r>
-          </a:p>
-        </p:txBody>
-      </p:sp>
-      <p:cxnSp>
-        <p:nvCxnSpPr>
-          <p:cNvPr id="34" name="直接箭头连接符 33"/>
-          <p:cNvCxnSpPr/>
-          <p:nvPr/>
-        </p:nvCxnSpPr>
-        <p:spPr>
-          <a:xfrm flipH="1">
-            <a:off x="8195310" y="3529965"/>
-            <a:ext cx="1249680" cy="890270"/>
-          </a:xfrm>
-          <a:prstGeom prst="straightConnector1">
-            <a:avLst/>
-          </a:prstGeom>
-          <a:ln>
-            <a:tailEnd type="arrow"/>
-          </a:ln>
-        </p:spPr>
-        <p:style>
-          <a:lnRef idx="1">
-            <a:schemeClr val="accent1"/>
-          </a:lnRef>
-          <a:fillRef idx="0">
-            <a:schemeClr val="accent1"/>
-          </a:fillRef>
-          <a:effectRef idx="0">
-            <a:schemeClr val="accent1"/>
-          </a:effectRef>
-          <a:fontRef idx="minor">
-            <a:schemeClr val="tx1"/>
-          </a:fontRef>
-        </p:style>
-      </p:cxnSp>
-      <p:cxnSp>
-        <p:nvCxnSpPr>
-          <p:cNvPr id="35" name="直接箭头连接符 34"/>
-          <p:cNvCxnSpPr/>
-          <p:nvPr/>
-        </p:nvCxnSpPr>
-        <p:spPr>
-          <a:xfrm flipH="1" flipV="1">
-            <a:off x="4119245" y="3631565"/>
-            <a:ext cx="3393440" cy="1534160"/>
-          </a:xfrm>
-          <a:prstGeom prst="straightConnector1">
-            <a:avLst/>
-          </a:prstGeom>
-          <a:ln>
-            <a:tailEnd type="arrow"/>
-          </a:ln>
-        </p:spPr>
-        <p:style>
-          <a:lnRef idx="1">
-            <a:schemeClr val="accent1"/>
-          </a:lnRef>
-          <a:fillRef idx="0">
-            <a:schemeClr val="accent1"/>
-          </a:fillRef>
-          <a:effectRef idx="0">
-            <a:schemeClr val="accent1"/>
-          </a:effectRef>
-          <a:fontRef idx="minor">
-            <a:schemeClr val="tx1"/>
-          </a:fontRef>
-        </p:style>
-      </p:cxnSp>
-      <p:sp>
-        <p:nvSpPr>
-          <p:cNvPr id="36" name="文本框 35"/>
-          <p:cNvSpPr txBox="1"/>
-          <p:nvPr/>
-        </p:nvSpPr>
-        <p:spPr>
-          <a:xfrm>
-            <a:off x="927735" y="3754120"/>
-            <a:ext cx="2646045" cy="1630045"/>
-          </a:xfrm>
-          <a:prstGeom prst="rect">
-            <a:avLst/>
-          </a:prstGeom>
-          <a:noFill/>
-        </p:spPr>
-        <p:txBody>
-          <a:bodyPr wrap="square" rtlCol="0">
-            <a:spAutoFit/>
-          </a:bodyPr>
-          <a:lstStyle/>
-          <a:p>
-            <a:r>
-              <a:rPr lang="zh-CN" altLang="en-US" sz="1000"/>
-              <a:t>点击按钮触发相应槽函数</a:t>
-            </a:r>
-          </a:p>
-          <a:p>
-            <a:r>
-              <a:rPr lang="zh-CN" altLang="en-US" sz="1000"/>
-              <a:t>void Widget::on_loginButton_clicked()</a:t>
-            </a:r>
-          </a:p>
-          <a:p>
-            <a:r>
-              <a:rPr lang="zh-CN" altLang="en-US" sz="1000"/>
-              <a:t>{</a:t>
-            </a:r>
-          </a:p>
-          <a:p>
-            <a:r>
-              <a:rPr lang="en-US" altLang="zh-CN" sz="1000"/>
-              <a:t>       ···</a:t>
-            </a:r>
-          </a:p>
-          <a:p>
-            <a:r>
-              <a:rPr lang="en-US" altLang="zh-CN" sz="1000"/>
-              <a:t>       mainWindow *win = new mainWindow;</a:t>
-            </a:r>
-          </a:p>
-          <a:p>
-            <a:r>
-              <a:rPr lang="en-US" altLang="zh-CN" sz="1000"/>
-              <a:t>       win-&gt;show();</a:t>
-            </a:r>
-          </a:p>
-          <a:p>
-            <a:r>
-              <a:rPr lang="en-US" altLang="zh-CN" sz="1000"/>
-              <a:t>       this-&gt;close();</a:t>
-            </a:r>
-          </a:p>
-          <a:p>
-            <a:r>
-              <a:rPr lang="en-US" altLang="zh-CN" sz="1000"/>
-              <a:t>       ···</a:t>
-            </a:r>
-          </a:p>
-          <a:p>
-            <a:r>
-              <a:rPr lang="en-US" altLang="zh-CN" sz="1000"/>
-              <a:t>}</a:t>
-            </a:r>
-          </a:p>
-          <a:p>
-            <a:r>
-              <a:rPr lang="zh-CN" altLang="en-US" sz="1000"/>
-              <a:t>打开主界面，关闭当前界面</a:t>
-            </a:r>
-          </a:p>
-        </p:txBody>
-      </p:sp>
-      <p:pic>
-        <p:nvPicPr>
-          <p:cNvPr id="43" name="图片 42"/>
-          <p:cNvPicPr>
-            <a:picLocks noChangeAspect="1"/>
-          </p:cNvPicPr>
-          <p:nvPr/>
-        </p:nvPicPr>
-        <p:blipFill>
-          <a:blip r:embed="rId6"/>
-          <a:stretch>
-            <a:fillRect/>
-          </a:stretch>
-        </p:blipFill>
-        <p:spPr>
-          <a:xfrm>
-            <a:off x="4069715" y="4342765"/>
-            <a:ext cx="1509395" cy="2406015"/>
-          </a:xfrm>
-          <a:prstGeom prst="rect">
-            <a:avLst/>
-          </a:prstGeom>
-        </p:spPr>
-      </p:pic>
-      <p:cxnSp>
-        <p:nvCxnSpPr>
-          <p:cNvPr id="44" name="直接箭头连接符 43"/>
-          <p:cNvCxnSpPr/>
-          <p:nvPr/>
-        </p:nvCxnSpPr>
-        <p:spPr>
-          <a:xfrm>
-            <a:off x="2077085" y="4678045"/>
-            <a:ext cx="2000250" cy="161290"/>
-          </a:xfrm>
-          <a:prstGeom prst="straightConnector1">
-            <a:avLst/>
-          </a:prstGeom>
-          <a:ln>
-            <a:tailEnd type="arrow"/>
-          </a:ln>
-        </p:spPr>
-        <p:style>
-          <a:lnRef idx="1">
-            <a:schemeClr val="accent1"/>
-          </a:lnRef>
-          <a:fillRef idx="0">
-            <a:schemeClr val="accent1"/>
-          </a:fillRef>
-          <a:effectRef idx="0">
-            <a:schemeClr val="accent1"/>
-          </a:effectRef>
-          <a:fontRef idx="minor">
-            <a:schemeClr val="tx1"/>
-          </a:fontRef>
-        </p:style>
-      </p:cxnSp>
-      <p:cxnSp>
-        <p:nvCxnSpPr>
-          <p:cNvPr id="2" name="直接箭头连接符 1"/>
-          <p:cNvCxnSpPr/>
-          <p:nvPr/>
-        </p:nvCxnSpPr>
-        <p:spPr>
-          <a:xfrm>
-            <a:off x="1953895" y="3329305"/>
-            <a:ext cx="0" cy="449580"/>
-          </a:xfrm>
-          <a:prstGeom prst="straightConnector1">
-            <a:avLst/>
-          </a:prstGeom>
-          <a:ln>
-            <a:tailEnd type="arrow"/>
-          </a:ln>
-        </p:spPr>
-        <p:style>
-          <a:lnRef idx="1">
-            <a:schemeClr val="accent1"/>
-          </a:lnRef>
-          <a:fillRef idx="0">
-            <a:schemeClr val="accent1"/>
-          </a:fillRef>
-          <a:effectRef idx="0">
-            <a:schemeClr val="accent1"/>
-          </a:effectRef>
-          <a:fontRef idx="minor">
-            <a:schemeClr val="tx1"/>
-          </a:fontRef>
-        </p:style>
-      </p:cxnSp>
     </p:spTree>
     <p:custDataLst>
       <p:tags r:id="rId1"/>
@@ -7398,23 +6941,12 @@
   <p:clrMapOvr>
     <a:masterClrMapping/>
   </p:clrMapOvr>
-  <p:transition>
-    <p:blinds/>
-  </p:transition>
 </p:sld>
 </file>
 
 <file path=ppt/slides/slide12.xml><?xml version="1.0" encoding="utf-8"?>
 <p:sld xmlns:a="http://schemas.openxmlformats.org/drawingml/2006/main" xmlns:r="http://schemas.openxmlformats.org/officeDocument/2006/relationships" xmlns:p="http://schemas.openxmlformats.org/presentationml/2006/main">
   <p:cSld>
-    <p:bg>
-      <p:bgPr>
-        <a:solidFill>
-          <a:schemeClr val="bg1"/>
-        </a:solidFill>
-        <a:effectLst/>
-      </p:bgPr>
-    </p:bg>
     <p:spTree>
       <p:nvGrpSpPr>
         <p:cNvPr id="1" name=""/>
@@ -7619,7 +7151,7 @@
         </p:nvSpPr>
         <p:spPr>
           <a:xfrm>
-            <a:off x="1029335" y="391160"/>
+            <a:off x="9836785" y="543560"/>
             <a:ext cx="1657985" cy="306705"/>
           </a:xfrm>
           <a:prstGeom prst="rect">
@@ -7635,7 +7167,63 @@
           <a:p>
             <a:pPr algn="l"/>
             <a:r>
-              <a:rPr lang="zh-CN" altLang="en-US" sz="1400">
+              <a:rPr lang="zh-CN" altLang="en-US" sz="1400" dirty="0">
+                <a:solidFill>
+                  <a:schemeClr val="tx1">
+                    <a:lumMod val="95000"/>
+                    <a:lumOff val="5000"/>
+                  </a:schemeClr>
+                </a:solidFill>
+                <a:latin typeface="思源黑體 ExtraLight" panose="020B0200000000000000" charset="-120"/>
+                <a:ea typeface="思源黑体 Light" panose="020B0300000000000000" charset="-122"/>
+                <a:sym typeface="+mn-ea"/>
+              </a:rPr>
+              <a:t>序列模式挖掘问题</a:t>
+            </a:r>
+            <a:endParaRPr lang="zh-CN" altLang="en-US" sz="1400" dirty="0">
+              <a:solidFill>
+                <a:schemeClr val="tx1">
+                  <a:lumMod val="95000"/>
+                  <a:lumOff val="5000"/>
+                </a:schemeClr>
+              </a:solidFill>
+              <a:latin typeface="思源黑體 ExtraLight" panose="020B0200000000000000" charset="-120"/>
+              <a:ea typeface="思源黑體 ExtraLight" panose="020B0200000000000000" charset="-120"/>
+            </a:endParaRPr>
+          </a:p>
+        </p:txBody>
+      </p:sp>
+      <p:sp>
+        <p:nvSpPr>
+          <p:cNvPr id="15" name="文本框 14">
+            <a:extLst>
+              <a:ext uri="{FF2B5EF4-FFF2-40B4-BE49-F238E27FC236}">
+                <a16:creationId xmlns:a16="http://schemas.microsoft.com/office/drawing/2014/main" id="{24307317-0A9F-4634-A219-A4BA2601C102}"/>
+              </a:ext>
+            </a:extLst>
+          </p:cNvPr>
+          <p:cNvSpPr txBox="1"/>
+          <p:nvPr/>
+        </p:nvSpPr>
+        <p:spPr>
+          <a:xfrm>
+            <a:off x="792480" y="543560"/>
+            <a:ext cx="1657985" cy="306705"/>
+          </a:xfrm>
+          <a:prstGeom prst="rect">
+            <a:avLst/>
+          </a:prstGeom>
+          <a:noFill/>
+        </p:spPr>
+        <p:txBody>
+          <a:bodyPr wrap="square" rtlCol="0">
+            <a:spAutoFit/>
+          </a:bodyPr>
+          <a:lstStyle/>
+          <a:p>
+            <a:pPr algn="l"/>
+            <a:r>
+              <a:rPr lang="zh-CN" altLang="en-US" sz="1400" dirty="0">
                 <a:solidFill>
                   <a:schemeClr val="tx1">
                     <a:lumMod val="95000"/>
@@ -7645,21 +7233,152 @@
                 <a:latin typeface="思源黑體 ExtraLight" panose="020B0200000000000000" charset="-120"/>
                 <a:ea typeface="思源黑體 ExtraLight" panose="020B0200000000000000" charset="-120"/>
               </a:rPr>
-              <a:t>具体实现思路</a:t>
+              <a:t>算法设计</a:t>
             </a:r>
           </a:p>
         </p:txBody>
       </p:sp>
+      <p:pic>
+        <p:nvPicPr>
+          <p:cNvPr id="18" name="图片 17">
+            <a:extLst>
+              <a:ext uri="{FF2B5EF4-FFF2-40B4-BE49-F238E27FC236}">
+                <a16:creationId xmlns:a16="http://schemas.microsoft.com/office/drawing/2014/main" id="{3A68298B-3D58-41E8-AAE9-43EF49447E4B}"/>
+              </a:ext>
+            </a:extLst>
+          </p:cNvPr>
+          <p:cNvPicPr>
+            <a:picLocks noChangeAspect="1"/>
+          </p:cNvPicPr>
+          <p:nvPr/>
+        </p:nvPicPr>
+        <p:blipFill>
+          <a:blip r:embed="rId4"/>
+          <a:stretch>
+            <a:fillRect/>
+          </a:stretch>
+        </p:blipFill>
+        <p:spPr>
+          <a:xfrm>
+            <a:off x="792480" y="3871409"/>
+            <a:ext cx="3299746" cy="2149026"/>
+          </a:xfrm>
+          <a:prstGeom prst="rect">
+            <a:avLst/>
+          </a:prstGeom>
+        </p:spPr>
+      </p:pic>
+      <p:pic>
+        <p:nvPicPr>
+          <p:cNvPr id="29" name="图片 28">
+            <a:extLst>
+              <a:ext uri="{FF2B5EF4-FFF2-40B4-BE49-F238E27FC236}">
+                <a16:creationId xmlns:a16="http://schemas.microsoft.com/office/drawing/2014/main" id="{4E8E9554-900B-4BD8-A623-0A6B4122BA5B}"/>
+              </a:ext>
+            </a:extLst>
+          </p:cNvPr>
+          <p:cNvPicPr>
+            <a:picLocks noChangeAspect="1"/>
+          </p:cNvPicPr>
+          <p:nvPr/>
+        </p:nvPicPr>
+        <p:blipFill>
+          <a:blip r:embed="rId5"/>
+          <a:stretch>
+            <a:fillRect/>
+          </a:stretch>
+        </p:blipFill>
+        <p:spPr>
+          <a:xfrm>
+            <a:off x="6297962" y="1120405"/>
+            <a:ext cx="4237087" cy="2933954"/>
+          </a:xfrm>
+          <a:prstGeom prst="rect">
+            <a:avLst/>
+          </a:prstGeom>
+        </p:spPr>
+      </p:pic>
+      <p:pic>
+        <p:nvPicPr>
+          <p:cNvPr id="31" name="图片 30">
+            <a:extLst>
+              <a:ext uri="{FF2B5EF4-FFF2-40B4-BE49-F238E27FC236}">
+                <a16:creationId xmlns:a16="http://schemas.microsoft.com/office/drawing/2014/main" id="{74D6C4E3-7BA2-4F2F-AC3A-72194A22F859}"/>
+              </a:ext>
+            </a:extLst>
+          </p:cNvPr>
+          <p:cNvPicPr>
+            <a:picLocks noChangeAspect="1"/>
+          </p:cNvPicPr>
+          <p:nvPr/>
+        </p:nvPicPr>
+        <p:blipFill>
+          <a:blip r:embed="rId6"/>
+          <a:stretch>
+            <a:fillRect/>
+          </a:stretch>
+        </p:blipFill>
+        <p:spPr>
+          <a:xfrm>
+            <a:off x="792480" y="1119220"/>
+            <a:ext cx="3856054" cy="2217612"/>
+          </a:xfrm>
+          <a:prstGeom prst="rect">
+            <a:avLst/>
+          </a:prstGeom>
+        </p:spPr>
+      </p:pic>
+    </p:spTree>
+    <p:custDataLst>
+      <p:tags r:id="rId1"/>
+    </p:custDataLst>
+    <p:extLst>
+      <p:ext uri="{BB962C8B-B14F-4D97-AF65-F5344CB8AC3E}">
+        <p14:creationId xmlns:p14="http://schemas.microsoft.com/office/powerpoint/2010/main" val="2855951001"/>
+      </p:ext>
+    </p:extLst>
+  </p:cSld>
+  <p:clrMapOvr>
+    <a:masterClrMapping/>
+  </p:clrMapOvr>
+</p:sld>
+</file>
+
+<file path=ppt/slides/slide13.xml><?xml version="1.0" encoding="utf-8"?>
+<p:sld xmlns:a="http://schemas.openxmlformats.org/drawingml/2006/main" xmlns:r="http://schemas.openxmlformats.org/officeDocument/2006/relationships" xmlns:p="http://schemas.openxmlformats.org/presentationml/2006/main">
+  <p:cSld>
+    <p:bg>
+      <p:bgPr>
+        <a:solidFill>
+          <a:schemeClr val="bg1"/>
+        </a:solidFill>
+        <a:effectLst/>
+      </p:bgPr>
+    </p:bg>
+    <p:spTree>
+      <p:nvGrpSpPr>
+        <p:cNvPr id="1" name=""/>
+        <p:cNvGrpSpPr/>
+        <p:nvPr/>
+      </p:nvGrpSpPr>
+      <p:grpSpPr>
+        <a:xfrm>
+          <a:off x="0" y="0"/>
+          <a:ext cx="0" cy="0"/>
+          <a:chOff x="0" y="0"/>
+          <a:chExt cx="0" cy="0"/>
+        </a:xfrm>
+      </p:grpSpPr>
       <p:cxnSp>
         <p:nvCxnSpPr>
-          <p:cNvPr id="18" name="直接连接符 17"/>
+          <p:cNvPr id="2" name="直接连接符 1"/>
           <p:cNvCxnSpPr/>
           <p:nvPr/>
         </p:nvCxnSpPr>
         <p:spPr>
-          <a:xfrm>
-            <a:off x="1029335" y="697865"/>
-            <a:ext cx="10401935" cy="0"/>
+          <a:xfrm flipH="1">
+            <a:off x="-581660" y="1250950"/>
+            <a:ext cx="2432050" cy="1964690"/>
           </a:xfrm>
           <a:prstGeom prst="line">
             <a:avLst/>
@@ -7667,8 +7386,8 @@
           <a:ln>
             <a:solidFill>
               <a:schemeClr val="tx1">
-                <a:lumMod val="85000"/>
-                <a:lumOff val="15000"/>
+                <a:lumMod val="95000"/>
+                <a:lumOff val="5000"/>
               </a:schemeClr>
             </a:solidFill>
           </a:ln>
@@ -7688,16 +7407,130 @@
           </a:fontRef>
         </p:style>
       </p:cxnSp>
-      <p:sp>
-        <p:nvSpPr>
-          <p:cNvPr id="4" name="文本框 3"/>
+      <p:cxnSp>
+        <p:nvCxnSpPr>
+          <p:cNvPr id="3" name="直接连接符 2"/>
+          <p:cNvCxnSpPr/>
+          <p:nvPr/>
+        </p:nvCxnSpPr>
+        <p:spPr>
+          <a:xfrm flipH="1">
+            <a:off x="1334135" y="-1107440"/>
+            <a:ext cx="2432050" cy="1964690"/>
+          </a:xfrm>
+          <a:prstGeom prst="line">
+            <a:avLst/>
+          </a:prstGeom>
+          <a:ln>
+            <a:solidFill>
+              <a:schemeClr val="tx1">
+                <a:lumMod val="95000"/>
+                <a:lumOff val="5000"/>
+              </a:schemeClr>
+            </a:solidFill>
+          </a:ln>
+        </p:spPr>
+        <p:style>
+          <a:lnRef idx="1">
+            <a:schemeClr val="accent1"/>
+          </a:lnRef>
+          <a:fillRef idx="0">
+            <a:schemeClr val="accent1"/>
+          </a:fillRef>
+          <a:effectRef idx="0">
+            <a:schemeClr val="accent1"/>
+          </a:effectRef>
+          <a:fontRef idx="minor">
+            <a:schemeClr val="tx1"/>
+          </a:fontRef>
+        </p:style>
+      </p:cxnSp>
+      <p:cxnSp>
+        <p:nvCxnSpPr>
+          <p:cNvPr id="4" name="直接连接符 3"/>
+          <p:cNvCxnSpPr/>
+          <p:nvPr/>
+        </p:nvCxnSpPr>
+        <p:spPr>
+          <a:xfrm flipH="1">
+            <a:off x="9215755" y="5941060"/>
+            <a:ext cx="2432050" cy="1964690"/>
+          </a:xfrm>
+          <a:prstGeom prst="line">
+            <a:avLst/>
+          </a:prstGeom>
+          <a:ln>
+            <a:solidFill>
+              <a:schemeClr val="tx1">
+                <a:lumMod val="95000"/>
+                <a:lumOff val="5000"/>
+              </a:schemeClr>
+            </a:solidFill>
+          </a:ln>
+        </p:spPr>
+        <p:style>
+          <a:lnRef idx="1">
+            <a:schemeClr val="accent1"/>
+          </a:lnRef>
+          <a:fillRef idx="0">
+            <a:schemeClr val="accent1"/>
+          </a:fillRef>
+          <a:effectRef idx="0">
+            <a:schemeClr val="accent1"/>
+          </a:effectRef>
+          <a:fontRef idx="minor">
+            <a:schemeClr val="tx1"/>
+          </a:fontRef>
+        </p:style>
+      </p:cxnSp>
+      <p:cxnSp>
+        <p:nvCxnSpPr>
+          <p:cNvPr id="5" name="直接连接符 4"/>
+          <p:cNvCxnSpPr/>
+          <p:nvPr/>
+        </p:nvCxnSpPr>
+        <p:spPr>
+          <a:xfrm flipH="1">
+            <a:off x="11131550" y="3582670"/>
+            <a:ext cx="2432050" cy="1964690"/>
+          </a:xfrm>
+          <a:prstGeom prst="line">
+            <a:avLst/>
+          </a:prstGeom>
+          <a:ln w="6350">
+            <a:solidFill>
+              <a:schemeClr val="tx1">
+                <a:lumMod val="95000"/>
+                <a:lumOff val="5000"/>
+              </a:schemeClr>
+            </a:solidFill>
+          </a:ln>
+        </p:spPr>
+        <p:style>
+          <a:lnRef idx="1">
+            <a:schemeClr val="accent1"/>
+          </a:lnRef>
+          <a:fillRef idx="0">
+            <a:schemeClr val="accent1"/>
+          </a:fillRef>
+          <a:effectRef idx="0">
+            <a:schemeClr val="accent1"/>
+          </a:effectRef>
+          <a:fontRef idx="minor">
+            <a:schemeClr val="tx1"/>
+          </a:fontRef>
+        </p:style>
+      </p:cxnSp>
+      <p:sp>
+        <p:nvSpPr>
+          <p:cNvPr id="8" name="文本框 7"/>
           <p:cNvSpPr txBox="1"/>
           <p:nvPr/>
         </p:nvSpPr>
         <p:spPr>
           <a:xfrm>
-            <a:off x="9579610" y="391160"/>
-            <a:ext cx="1915160" cy="306705"/>
+            <a:off x="3906520" y="2056765"/>
+            <a:ext cx="1264920" cy="1014730"/>
           </a:xfrm>
           <a:prstGeom prst="rect">
             <a:avLst/>
@@ -7712,703 +7545,116 @@
           <a:p>
             <a:pPr algn="l"/>
             <a:r>
-              <a:rPr lang="zh-CN" altLang="en-US" sz="1400">
+              <a:rPr lang="en-US" sz="6000">
                 <a:solidFill>
-                  <a:schemeClr val="tx1">
-                    <a:lumMod val="95000"/>
-                    <a:lumOff val="5000"/>
-                  </a:schemeClr>
+                  <a:srgbClr val="FF0000"/>
                 </a:solidFill>
-                <a:latin typeface="思源黑體 ExtraLight" panose="020B0200000000000000" charset="-120"/>
-                <a:ea typeface="思源黑體 ExtraLight" panose="020B0200000000000000" charset="-120"/>
+                <a:latin typeface="思源黑体 Light" panose="020B0300000000000000" charset="-122"/>
+                <a:ea typeface="思源黑体 Light" panose="020B0300000000000000" charset="-122"/>
+                <a:cs typeface="思源黑体 Light" panose="020B0300000000000000" charset="-122"/>
               </a:rPr>
-              <a:t>文件读取功能的设计</a:t>
+              <a:t>04</a:t>
             </a:r>
           </a:p>
         </p:txBody>
       </p:sp>
-      <p:sp>
-        <p:nvSpPr>
-          <p:cNvPr id="2" name="文本框 1"/>
-          <p:cNvSpPr txBox="1"/>
+      <p:grpSp>
+        <p:nvGrpSpPr>
+          <p:cNvPr id="9" name="组合 8"/>
+          <p:cNvGrpSpPr/>
           <p:nvPr/>
-        </p:nvSpPr>
-        <p:spPr>
+        </p:nvGrpSpPr>
+        <p:grpSpPr>
           <a:xfrm>
-            <a:off x="1029335" y="1367155"/>
-            <a:ext cx="4177665" cy="2399665"/>
+            <a:off x="4000500" y="2339340"/>
+            <a:ext cx="3931285" cy="1164590"/>
+            <a:chOff x="6300" y="3684"/>
+            <a:chExt cx="6191" cy="1834"/>
           </a:xfrm>
-          <a:prstGeom prst="rect">
-            <a:avLst/>
-          </a:prstGeom>
-          <a:noFill/>
-          <a:ln>
-            <a:solidFill>
-              <a:srgbClr val="FF0000"/>
-            </a:solidFill>
-          </a:ln>
-        </p:spPr>
-        <p:txBody>
-          <a:bodyPr wrap="square" rtlCol="0">
-            <a:spAutoFit/>
-          </a:bodyPr>
-          <a:lstStyle/>
-          <a:p>
-            <a:r>
-              <a:rPr lang="zh-CN" altLang="en-US" sz="1000"/>
-              <a:t>QFile file(QCoreApplication::applicationDirPath()+"/文件名称");</a:t>
-            </a:r>
-          </a:p>
-          <a:p>
-            <a:r>
-              <a:rPr lang="en-US" altLang="zh-CN" sz="1000"/>
-              <a:t>//</a:t>
-            </a:r>
-            <a:r>
-              <a:rPr lang="zh-CN" altLang="en-US" sz="1000">
-                <a:sym typeface="+mn-ea"/>
-              </a:rPr>
-              <a:t>QCoreApplication::applicationDirPath()返回工作目录路径</a:t>
-            </a:r>
-            <a:endParaRPr lang="zh-CN" altLang="en-US" sz="1000"/>
-          </a:p>
-          <a:p>
-            <a:r>
-              <a:rPr lang="zh-CN" altLang="en-US" sz="1000"/>
-              <a:t>if(file.exists())</a:t>
-            </a:r>
-          </a:p>
-          <a:p>
-            <a:r>
-              <a:rPr lang="zh-CN" altLang="en-US" sz="1000"/>
-              <a:t>        </a:t>
-            </a:r>
-          </a:p>
-          <a:p>
-            <a:r>
-              <a:rPr lang="zh-CN" altLang="en-US" sz="1000"/>
-              <a:t>{</a:t>
-            </a:r>
-          </a:p>
-          <a:p>
-            <a:r>
-              <a:rPr lang="zh-CN" altLang="en-US" sz="1000"/>
-              <a:t>      qDebug()&lt;&lt;"文件存在";</a:t>
-            </a:r>
-          </a:p>
-          <a:p>
-            <a:r>
-              <a:rPr lang="zh-CN" altLang="en-US" sz="1000"/>
-              <a:t>        </a:t>
-            </a:r>
-          </a:p>
-          <a:p>
-            <a:r>
-              <a:rPr lang="zh-CN" altLang="en-US" sz="1000"/>
-              <a:t>}       </a:t>
-            </a:r>
-          </a:p>
-          <a:p>
-            <a:r>
-              <a:rPr lang="zh-CN" altLang="en-US" sz="1000"/>
-              <a:t>else</a:t>
-            </a:r>
-            <a:r>
-              <a:rPr lang="en-US" altLang="zh-CN" sz="1000"/>
-              <a:t> </a:t>
-            </a:r>
-            <a:r>
-              <a:rPr lang="zh-CN" altLang="en-US" sz="1000"/>
-              <a:t>{</a:t>
-            </a:r>
-          </a:p>
-          <a:p>
-            <a:r>
-              <a:rPr lang="zh-CN" altLang="en-US" sz="1000"/>
-              <a:t>      qDebug()&lt;&lt;"文件不存在,正在新建文件.";</a:t>
-            </a:r>
-          </a:p>
-          <a:p>
-            <a:r>
-              <a:rPr lang="zh-CN" altLang="en-US" sz="1000"/>
-              <a:t>      </a:t>
-            </a:r>
-            <a:r>
-              <a:rPr lang="en-US" altLang="zh-CN" sz="1000"/>
-              <a:t> </a:t>
-            </a:r>
-            <a:r>
-              <a:rPr lang="zh-CN" altLang="en-US" sz="1000"/>
-              <a:t>file.open( QIODevice::ReadWrite | QIODevice::Text );</a:t>
-            </a:r>
-          </a:p>
-          <a:p>
-            <a:r>
-              <a:rPr lang="zh-CN" altLang="en-US" sz="1000"/>
-              <a:t> </a:t>
-            </a:r>
-            <a:r>
-              <a:rPr lang="en-US" altLang="zh-CN" sz="1000"/>
-              <a:t>      </a:t>
-            </a:r>
-            <a:r>
-              <a:rPr lang="zh-CN" altLang="en-US" sz="1000">
-                <a:sym typeface="+mn-ea"/>
-              </a:rPr>
-              <a:t>file.close();</a:t>
-            </a:r>
-            <a:r>
-              <a:rPr lang="zh-CN" altLang="en-US" sz="1000"/>
-              <a:t>      </a:t>
-            </a:r>
-          </a:p>
-          <a:p>
-            <a:r>
-              <a:rPr lang="en-US" altLang="zh-CN" sz="1000"/>
-              <a:t>}</a:t>
-            </a:r>
-            <a:r>
-              <a:rPr lang="zh-CN" altLang="en-US" sz="1000"/>
-              <a:t>        </a:t>
-            </a:r>
-          </a:p>
-          <a:p>
-            <a:r>
-              <a:rPr lang="zh-CN" altLang="en-US" sz="1000"/>
-              <a:t>     </a:t>
-            </a:r>
-          </a:p>
-          <a:p>
-            <a:endParaRPr lang="zh-CN" altLang="en-US" sz="1000"/>
-          </a:p>
-        </p:txBody>
-      </p:sp>
-      <p:sp>
-        <p:nvSpPr>
-          <p:cNvPr id="11" name="矩形标注 10"/>
-          <p:cNvSpPr/>
-          <p:nvPr/>
-        </p:nvSpPr>
-        <p:spPr>
-          <a:xfrm>
-            <a:off x="1029335" y="864235"/>
-            <a:ext cx="1878330" cy="427990"/>
-          </a:xfrm>
-          <a:prstGeom prst="wedgeRectCallout">
-            <a:avLst/>
-          </a:prstGeom>
-        </p:spPr>
-        <p:style>
-          <a:lnRef idx="2">
-            <a:schemeClr val="accent1">
-              <a:shade val="50000"/>
-            </a:schemeClr>
-          </a:lnRef>
-          <a:fillRef idx="1">
-            <a:schemeClr val="accent1"/>
-          </a:fillRef>
-          <a:effectRef idx="0">
-            <a:schemeClr val="accent1"/>
-          </a:effectRef>
-          <a:fontRef idx="minor">
-            <a:schemeClr val="lt1"/>
-          </a:fontRef>
-        </p:style>
-        <p:txBody>
-          <a:bodyPr rtlCol="0" anchor="ctr"/>
-          <a:lstStyle/>
-          <a:p>
-            <a:pPr algn="ctr"/>
-            <a:r>
-              <a:rPr lang="zh-CN" altLang="en-US"/>
-              <a:t>文件创建模块</a:t>
-            </a:r>
-          </a:p>
-        </p:txBody>
-      </p:sp>
-      <p:sp>
-        <p:nvSpPr>
-          <p:cNvPr id="15" name="文本框 14"/>
-          <p:cNvSpPr txBox="1"/>
-          <p:nvPr/>
-        </p:nvSpPr>
-        <p:spPr>
-          <a:xfrm>
-            <a:off x="7239000" y="1365885"/>
-            <a:ext cx="3648710" cy="2399665"/>
-          </a:xfrm>
-          <a:prstGeom prst="rect">
-            <a:avLst/>
-          </a:prstGeom>
-          <a:noFill/>
-          <a:ln>
-            <a:solidFill>
-              <a:srgbClr val="FF0000"/>
-            </a:solidFill>
-          </a:ln>
-        </p:spPr>
-        <p:txBody>
-          <a:bodyPr wrap="square" rtlCol="0">
-            <a:spAutoFit/>
-          </a:bodyPr>
-          <a:lstStyle/>
-          <a:p>
-            <a:r>
-              <a:rPr lang="en-US" altLang="zh-CN" sz="1000"/>
-              <a:t>        //</a:t>
-            </a:r>
-            <a:r>
-              <a:rPr lang="zh-CN" altLang="en-US" sz="1000"/>
-              <a:t>只读方式打开文件</a:t>
-            </a:r>
-          </a:p>
-          <a:p>
-            <a:r>
-              <a:rPr lang="zh-CN" altLang="en-US" sz="1000"/>
-              <a:t>file.open(QIODevice::ReadOnly | QIODevice::Text);     </a:t>
-            </a:r>
-          </a:p>
-          <a:p>
-            <a:r>
-              <a:rPr lang="zh-CN" altLang="en-US" sz="1000"/>
-              <a:t>//创建文件读取流    </a:t>
-            </a:r>
-          </a:p>
-          <a:p>
-            <a:r>
-              <a:rPr lang="zh-CN" altLang="en-US" sz="1000"/>
-              <a:t>QTextStream in(&amp;file)</a:t>
-            </a:r>
-            <a:r>
-              <a:rPr lang="en-US" altLang="zh-CN" sz="1000"/>
-              <a:t>;      </a:t>
-            </a:r>
-          </a:p>
-          <a:p>
-            <a:r>
-              <a:rPr lang="en-US" altLang="zh-CN" sz="1000"/>
-              <a:t>//</a:t>
-            </a:r>
-            <a:r>
-              <a:rPr lang="zh-CN" altLang="en-US" sz="1000"/>
-              <a:t>判断是否读到文件末尾      </a:t>
-            </a:r>
-          </a:p>
-          <a:p>
-            <a:r>
-              <a:rPr lang="zh-CN" altLang="en-US" sz="1000"/>
-              <a:t>while(!in.atEnd())      </a:t>
-            </a:r>
-          </a:p>
-          <a:p>
-            <a:r>
-              <a:rPr lang="zh-CN" altLang="en-US" sz="1000"/>
-              <a:t>{          </a:t>
-            </a:r>
-          </a:p>
-          <a:p>
-            <a:r>
-              <a:rPr lang="en-US" altLang="zh-CN" sz="1000"/>
-              <a:t>       </a:t>
-            </a:r>
-            <a:r>
-              <a:rPr lang="zh-CN" altLang="en-US" sz="1000"/>
-              <a:t>//设置编码方式为UTF-8          </a:t>
-            </a:r>
-          </a:p>
-          <a:p>
-            <a:r>
-              <a:rPr lang="en-US" altLang="zh-CN" sz="1000"/>
-              <a:t>       </a:t>
-            </a:r>
-            <a:r>
-              <a:rPr lang="zh-CN" altLang="en-US" sz="1000"/>
-              <a:t>in.setCodec("UTF-8");</a:t>
-            </a:r>
-          </a:p>
-          <a:p>
-            <a:r>
-              <a:rPr lang="zh-CN" altLang="en-US" sz="1000"/>
-              <a:t>       // 读取文件中一行信息</a:t>
-            </a:r>
-          </a:p>
-          <a:p>
-            <a:r>
-              <a:rPr lang="zh-CN" altLang="en-US" sz="1000"/>
-              <a:t> </a:t>
-            </a:r>
-            <a:r>
-              <a:rPr lang="en-US" altLang="zh-CN" sz="1000"/>
-              <a:t>      QString line = in.readLine();</a:t>
-            </a:r>
-          </a:p>
-          <a:p>
-            <a:r>
-              <a:rPr lang="en-US" altLang="zh-CN" sz="1000"/>
-              <a:t>       ······</a:t>
-            </a:r>
-          </a:p>
-          <a:p>
-            <a:r>
-              <a:rPr lang="en-US" altLang="zh-CN" sz="1000"/>
-              <a:t>       //</a:t>
-            </a:r>
-            <a:r>
-              <a:rPr lang="zh-CN" altLang="en-US" sz="1000"/>
-              <a:t>对读取信息进行操作</a:t>
-            </a:r>
-          </a:p>
-          <a:p>
-            <a:r>
-              <a:rPr lang="zh-CN" altLang="en-US" sz="1000"/>
-              <a:t>}       </a:t>
-            </a:r>
-          </a:p>
-          <a:p>
-            <a:r>
-              <a:rPr lang="zh-CN" altLang="en-US" sz="1000"/>
-              <a:t>file.close();</a:t>
-            </a:r>
-          </a:p>
-        </p:txBody>
-      </p:sp>
-      <p:sp>
-        <p:nvSpPr>
-          <p:cNvPr id="16" name="矩形标注 15"/>
-          <p:cNvSpPr/>
-          <p:nvPr/>
-        </p:nvSpPr>
-        <p:spPr>
-          <a:xfrm>
-            <a:off x="7239635" y="864235"/>
-            <a:ext cx="1877060" cy="427990"/>
-          </a:xfrm>
-          <a:prstGeom prst="wedgeRectCallout">
-            <a:avLst/>
-          </a:prstGeom>
-        </p:spPr>
-        <p:style>
-          <a:lnRef idx="2">
-            <a:schemeClr val="accent1">
-              <a:shade val="50000"/>
-            </a:schemeClr>
-          </a:lnRef>
-          <a:fillRef idx="1">
-            <a:schemeClr val="accent1"/>
-          </a:fillRef>
-          <a:effectRef idx="0">
-            <a:schemeClr val="accent1"/>
-          </a:effectRef>
-          <a:fontRef idx="minor">
-            <a:schemeClr val="lt1"/>
-          </a:fontRef>
-        </p:style>
-        <p:txBody>
-          <a:bodyPr rtlCol="0" anchor="ctr"/>
-          <a:lstStyle/>
-          <a:p>
-            <a:pPr algn="ctr"/>
-            <a:r>
-              <a:rPr lang="zh-CN" altLang="en-US"/>
-              <a:t>文件读取模块</a:t>
-            </a:r>
-          </a:p>
-        </p:txBody>
-      </p:sp>
-      <p:sp>
-        <p:nvSpPr>
-          <p:cNvPr id="19" name="文本框 18"/>
-          <p:cNvSpPr txBox="1"/>
-          <p:nvPr/>
-        </p:nvSpPr>
-        <p:spPr>
-          <a:xfrm>
-            <a:off x="1029335" y="4436110"/>
-            <a:ext cx="4178300" cy="1938020"/>
-          </a:xfrm>
-          <a:prstGeom prst="rect">
-            <a:avLst/>
-          </a:prstGeom>
-          <a:noFill/>
-          <a:ln>
-            <a:solidFill>
-              <a:srgbClr val="FF0000"/>
-            </a:solidFill>
-          </a:ln>
-        </p:spPr>
-        <p:txBody>
-          <a:bodyPr wrap="square" rtlCol="0">
-            <a:spAutoFit/>
-          </a:bodyPr>
-          <a:lstStyle/>
-          <a:p>
-            <a:r>
-              <a:rPr lang="zh-CN" altLang="en-US" sz="1000"/>
-              <a:t>QFile file(path);</a:t>
-            </a:r>
-          </a:p>
-          <a:p>
-            <a:r>
-              <a:rPr lang="zh-CN" altLang="en-US" sz="1000"/>
-              <a:t>file.resize(0);</a:t>
-            </a:r>
-          </a:p>
-          <a:p>
-            <a:r>
-              <a:rPr lang="zh-CN" altLang="en-US" sz="1000"/>
-              <a:t>file.close();</a:t>
-            </a:r>
-          </a:p>
-          <a:p>
-            <a:endParaRPr lang="zh-CN" altLang="en-US" sz="1000"/>
-          </a:p>
-          <a:p>
-            <a:endParaRPr lang="zh-CN" altLang="en-US" sz="1000"/>
-          </a:p>
-          <a:p>
-            <a:endParaRPr lang="zh-CN" altLang="en-US" sz="1000"/>
-          </a:p>
-          <a:p>
-            <a:endParaRPr lang="zh-CN" altLang="en-US" sz="1000"/>
-          </a:p>
-          <a:p>
-            <a:endParaRPr lang="zh-CN" altLang="en-US" sz="1000"/>
-          </a:p>
-          <a:p>
-            <a:endParaRPr lang="zh-CN" altLang="en-US" sz="1000"/>
-          </a:p>
-          <a:p>
-            <a:endParaRPr lang="zh-CN" altLang="en-US" sz="1000"/>
-          </a:p>
-          <a:p>
-            <a:endParaRPr lang="zh-CN" altLang="en-US" sz="1000"/>
-          </a:p>
-          <a:p>
-            <a:endParaRPr lang="zh-CN" altLang="en-US" sz="1000"/>
-          </a:p>
-        </p:txBody>
-      </p:sp>
-      <p:sp>
-        <p:nvSpPr>
-          <p:cNvPr id="20" name="矩形标注 19"/>
-          <p:cNvSpPr/>
-          <p:nvPr/>
-        </p:nvSpPr>
-        <p:spPr>
-          <a:xfrm>
-            <a:off x="984885" y="3927475"/>
-            <a:ext cx="1878330" cy="427990"/>
-          </a:xfrm>
-          <a:prstGeom prst="wedgeRectCallout">
-            <a:avLst/>
-          </a:prstGeom>
-        </p:spPr>
-        <p:style>
-          <a:lnRef idx="2">
-            <a:schemeClr val="accent1">
-              <a:shade val="50000"/>
-            </a:schemeClr>
-          </a:lnRef>
-          <a:fillRef idx="1">
-            <a:schemeClr val="accent1"/>
-          </a:fillRef>
-          <a:effectRef idx="0">
-            <a:schemeClr val="accent1"/>
-          </a:effectRef>
-          <a:fontRef idx="minor">
-            <a:schemeClr val="lt1"/>
-          </a:fontRef>
-        </p:style>
-        <p:txBody>
-          <a:bodyPr rtlCol="0" anchor="ctr"/>
-          <a:lstStyle/>
-          <a:p>
-            <a:pPr algn="ctr"/>
-            <a:r>
-              <a:rPr lang="zh-CN" altLang="en-US"/>
-              <a:t>文件清空模块</a:t>
-            </a:r>
-          </a:p>
-        </p:txBody>
-      </p:sp>
-      <p:sp>
-        <p:nvSpPr>
-          <p:cNvPr id="21" name="文本框 20"/>
-          <p:cNvSpPr txBox="1"/>
-          <p:nvPr/>
-        </p:nvSpPr>
-        <p:spPr>
-          <a:xfrm>
-            <a:off x="7239635" y="4433570"/>
-            <a:ext cx="3648075" cy="1938020"/>
-          </a:xfrm>
-          <a:prstGeom prst="rect">
-            <a:avLst/>
-          </a:prstGeom>
-          <a:noFill/>
-          <a:ln>
-            <a:solidFill>
-              <a:srgbClr val="FF0000"/>
-            </a:solidFill>
-          </a:ln>
-        </p:spPr>
-        <p:txBody>
-          <a:bodyPr wrap="square" rtlCol="0">
-            <a:spAutoFit/>
-          </a:bodyPr>
-          <a:lstStyle/>
-          <a:p>
-            <a:r>
-              <a:rPr lang="en-US" altLang="zh-CN" sz="1000"/>
-              <a:t>//</a:t>
-            </a:r>
-            <a:r>
-              <a:rPr lang="zh-CN" altLang="en-US" sz="1000"/>
-              <a:t>只写方式打开文件</a:t>
-            </a:r>
-          </a:p>
-          <a:p>
-            <a:r>
-              <a:rPr lang="zh-CN" altLang="en-US" sz="1000"/>
-              <a:t>file.open(QIODevice::WriteOnly | QIODevice::Text);</a:t>
-            </a:r>
-          </a:p>
-          <a:p>
-            <a:r>
-              <a:rPr lang="en-US" altLang="zh-CN" sz="1000"/>
-              <a:t>//</a:t>
-            </a:r>
-            <a:r>
-              <a:rPr lang="zh-CN" altLang="en-US" sz="1000"/>
-              <a:t>file.open(QIODevice::WriteOnly | QIODevice::Text | QIODevice::Append);以此方式打开文件将跳转到文件末尾</a:t>
-            </a:r>
-          </a:p>
-          <a:p>
-            <a:r>
-              <a:rPr lang="en-US" altLang="zh-CN" sz="1000"/>
-              <a:t>//</a:t>
-            </a:r>
-            <a:r>
-              <a:rPr lang="zh-CN" altLang="en-US" sz="1000"/>
-              <a:t>创建输出流</a:t>
-            </a:r>
-          </a:p>
-          <a:p>
-            <a:r>
-              <a:rPr lang="zh-CN" altLang="en-US" sz="1000"/>
-              <a:t>QTextStream out(&amp;file);</a:t>
-            </a:r>
-          </a:p>
-          <a:p>
-            <a:r>
-              <a:rPr lang="en-US" altLang="zh-CN" sz="1000"/>
-              <a:t>//</a:t>
-            </a:r>
-            <a:r>
-              <a:rPr lang="zh-CN" altLang="en-US" sz="1000"/>
-              <a:t>设置编码方式为</a:t>
-            </a:r>
-            <a:r>
-              <a:rPr lang="en-US" altLang="zh-CN" sz="1000"/>
-              <a:t>UTF-8</a:t>
-            </a:r>
-            <a:endParaRPr lang="zh-CN" altLang="en-US" sz="1000"/>
-          </a:p>
-          <a:p>
-            <a:r>
-              <a:rPr lang="zh-CN" altLang="en-US" sz="1000"/>
-              <a:t>out.setCodec("UTF-8");</a:t>
-            </a:r>
-          </a:p>
-          <a:p>
-            <a:r>
-              <a:rPr lang="en-US" altLang="zh-CN" sz="1000">
+        </p:grpSpPr>
+        <p:cxnSp>
+          <p:nvCxnSpPr>
+            <p:cNvPr id="15" name="直接连接符 14"/>
+            <p:cNvCxnSpPr/>
+            <p:nvPr/>
+          </p:nvCxnSpPr>
+          <p:spPr>
+            <a:xfrm flipH="1">
+              <a:off x="6300" y="3684"/>
+              <a:ext cx="2266" cy="1834"/>
+            </a:xfrm>
+            <a:prstGeom prst="line">
+              <a:avLst/>
+            </a:prstGeom>
+            <a:ln>
+              <a:solidFill>
+                <a:schemeClr val="tx1">
+                  <a:lumMod val="95000"/>
+                  <a:lumOff val="5000"/>
+                </a:schemeClr>
+              </a:solidFill>
+            </a:ln>
+          </p:spPr>
+          <p:style>
+            <a:lnRef idx="1">
+              <a:schemeClr val="accent1"/>
+            </a:lnRef>
+            <a:fillRef idx="0">
+              <a:schemeClr val="accent1"/>
+            </a:fillRef>
+            <a:effectRef idx="0">
+              <a:schemeClr val="accent1"/>
+            </a:effectRef>
+            <a:fontRef idx="minor">
+              <a:schemeClr val="tx1"/>
+            </a:fontRef>
+          </p:style>
+        </p:cxnSp>
+        <p:sp>
+          <p:nvSpPr>
+            <p:cNvPr id="10" name="文本框 9"/>
+            <p:cNvSpPr txBox="1"/>
+            <p:nvPr/>
+          </p:nvSpPr>
+          <p:spPr>
+            <a:xfrm>
+              <a:off x="7696" y="4269"/>
+              <a:ext cx="4795" cy="921"/>
+            </a:xfrm>
+            <a:prstGeom prst="rect">
+              <a:avLst/>
+            </a:prstGeom>
+            <a:noFill/>
+          </p:spPr>
+          <p:txBody>
+            <a:bodyPr wrap="square" rtlCol="0">
+              <a:spAutoFit/>
+            </a:bodyPr>
+            <a:lstStyle/>
+            <a:p>
+              <a:pPr algn="l"/>
+              <a:r>
+                <a:rPr lang="zh-CN" altLang="en-US" sz="3200" dirty="0">
+                  <a:latin typeface="思源黑体 Light" panose="020B0300000000000000" charset="-122"/>
+                  <a:ea typeface="思源黑体 Light" panose="020B0300000000000000" charset="-122"/>
+                  <a:cs typeface="思源黑体 Light" panose="020B0300000000000000" charset="-122"/>
+                  <a:sym typeface="+mn-ea"/>
+                </a:rPr>
+                <a:t>算法复杂度分析</a:t>
+              </a:r>
+              <a:endParaRPr lang="zh-CN" altLang="en-US" sz="3200" dirty="0">
                 <a:solidFill>
                   <a:schemeClr val="tx1"/>
                 </a:solidFill>
-              </a:rPr>
-              <a:t>out&lt;&lt;·······</a:t>
-            </a:r>
-          </a:p>
-          <a:p>
-            <a:r>
-              <a:rPr lang="en-US" altLang="zh-CN" sz="1000">
-                <a:solidFill>
-                  <a:schemeClr val="tx1"/>
-                </a:solidFill>
-              </a:rPr>
-              <a:t>······</a:t>
-            </a:r>
-          </a:p>
-          <a:p>
-            <a:r>
-              <a:rPr lang="en-US" altLang="zh-CN" sz="1000">
-                <a:solidFill>
-                  <a:schemeClr val="tx1"/>
-                </a:solidFill>
-              </a:rPr>
-              <a:t>//</a:t>
-            </a:r>
-            <a:r>
-              <a:rPr lang="zh-CN" altLang="en-US" sz="1000">
-                <a:solidFill>
-                  <a:schemeClr val="tx1"/>
-                </a:solidFill>
-              </a:rPr>
-              <a:t>对文件进行写入操作</a:t>
-            </a:r>
-          </a:p>
-          <a:p>
-            <a:r>
-              <a:rPr lang="zh-CN" altLang="en-US" sz="1000"/>
-              <a:t>file.close();</a:t>
-            </a:r>
-          </a:p>
-        </p:txBody>
-      </p:sp>
-      <p:sp>
-        <p:nvSpPr>
-          <p:cNvPr id="23" name="矩形标注 22"/>
-          <p:cNvSpPr/>
-          <p:nvPr/>
-        </p:nvSpPr>
-        <p:spPr>
-          <a:xfrm>
-            <a:off x="7239000" y="3912235"/>
-            <a:ext cx="1878330" cy="427990"/>
-          </a:xfrm>
-          <a:prstGeom prst="wedgeRectCallout">
-            <a:avLst/>
-          </a:prstGeom>
-        </p:spPr>
-        <p:style>
-          <a:lnRef idx="2">
-            <a:schemeClr val="accent1">
-              <a:shade val="50000"/>
-            </a:schemeClr>
-          </a:lnRef>
-          <a:fillRef idx="1">
-            <a:schemeClr val="accent1"/>
-          </a:fillRef>
-          <a:effectRef idx="0">
-            <a:schemeClr val="accent1"/>
-          </a:effectRef>
-          <a:fontRef idx="minor">
-            <a:schemeClr val="lt1"/>
-          </a:fontRef>
-        </p:style>
-        <p:txBody>
-          <a:bodyPr rtlCol="0" anchor="ctr"/>
-          <a:lstStyle/>
-          <a:p>
-            <a:pPr algn="ctr"/>
-            <a:r>
-              <a:rPr lang="zh-CN" altLang="en-US"/>
-              <a:t>文件写入模块</a:t>
-            </a:r>
-          </a:p>
-        </p:txBody>
-      </p:sp>
+                <a:latin typeface="思源黑体 Light" panose="020B0300000000000000" charset="-122"/>
+                <a:ea typeface="思源黑体 Light" panose="020B0300000000000000" charset="-122"/>
+                <a:cs typeface="思源黑体 Light" panose="020B0300000000000000" charset="-122"/>
+                <a:sym typeface="+mn-ea"/>
+              </a:endParaRPr>
+            </a:p>
+          </p:txBody>
+        </p:sp>
+      </p:grpSp>
     </p:spTree>
     <p:custDataLst>
       <p:tags r:id="rId1"/>
@@ -8417,23 +7663,12 @@
   <p:clrMapOvr>
     <a:masterClrMapping/>
   </p:clrMapOvr>
-  <p:transition>
-    <p:blinds/>
-  </p:transition>
 </p:sld>
 </file>
 
-<file path=ppt/slides/slide13.xml><?xml version="1.0" encoding="utf-8"?>
+<file path=ppt/slides/slide14.xml><?xml version="1.0" encoding="utf-8"?>
 <p:sld xmlns:a="http://schemas.openxmlformats.org/drawingml/2006/main" xmlns:r="http://schemas.openxmlformats.org/officeDocument/2006/relationships" xmlns:p="http://schemas.openxmlformats.org/presentationml/2006/main">
   <p:cSld>
-    <p:bg>
-      <p:bgPr>
-        <a:solidFill>
-          <a:schemeClr val="bg1"/>
-        </a:solidFill>
-        <a:effectLst/>
-      </p:bgPr>
-    </p:bg>
     <p:spTree>
       <p:nvGrpSpPr>
         <p:cNvPr id="1" name=""/>
@@ -8638,7 +7873,7 @@
         </p:nvSpPr>
         <p:spPr>
           <a:xfrm>
-            <a:off x="1029335" y="391160"/>
+            <a:off x="9836785" y="543560"/>
             <a:ext cx="1657985" cy="306705"/>
           </a:xfrm>
           <a:prstGeom prst="rect">
@@ -8654,7 +7889,7 @@
           <a:p>
             <a:pPr algn="l"/>
             <a:r>
-              <a:rPr lang="zh-CN" altLang="en-US" sz="1400">
+              <a:rPr lang="zh-CN" altLang="en-US" sz="1400" dirty="0">
                 <a:solidFill>
                   <a:schemeClr val="tx1">
                     <a:lumMod val="95000"/>
@@ -8664,59 +7899,27 @@
                 <a:latin typeface="思源黑體 ExtraLight" panose="020B0200000000000000" charset="-120"/>
                 <a:ea typeface="思源黑體 ExtraLight" panose="020B0200000000000000" charset="-120"/>
               </a:rPr>
-              <a:t>具体实现思路</a:t>
+              <a:t>农场灌溉问题</a:t>
             </a:r>
           </a:p>
         </p:txBody>
       </p:sp>
-      <p:cxnSp>
-        <p:nvCxnSpPr>
-          <p:cNvPr id="18" name="直接连接符 17"/>
-          <p:cNvCxnSpPr/>
+      <p:sp>
+        <p:nvSpPr>
+          <p:cNvPr id="15" name="文本框 14">
+            <a:extLst>
+              <a:ext uri="{FF2B5EF4-FFF2-40B4-BE49-F238E27FC236}">
+                <a16:creationId xmlns:a16="http://schemas.microsoft.com/office/drawing/2014/main" id="{24307317-0A9F-4634-A219-A4BA2601C102}"/>
+              </a:ext>
+            </a:extLst>
+          </p:cNvPr>
+          <p:cNvSpPr txBox="1"/>
           <p:nvPr/>
-        </p:nvCxnSpPr>
+        </p:nvSpPr>
         <p:spPr>
           <a:xfrm>
-            <a:off x="1029335" y="697865"/>
-            <a:ext cx="10401935" cy="0"/>
-          </a:xfrm>
-          <a:prstGeom prst="line">
-            <a:avLst/>
-          </a:prstGeom>
-          <a:ln>
-            <a:solidFill>
-              <a:schemeClr val="tx1">
-                <a:lumMod val="85000"/>
-                <a:lumOff val="15000"/>
-              </a:schemeClr>
-            </a:solidFill>
-          </a:ln>
-        </p:spPr>
-        <p:style>
-          <a:lnRef idx="1">
-            <a:schemeClr val="accent1"/>
-          </a:lnRef>
-          <a:fillRef idx="0">
-            <a:schemeClr val="accent1"/>
-          </a:fillRef>
-          <a:effectRef idx="0">
-            <a:schemeClr val="accent1"/>
-          </a:effectRef>
-          <a:fontRef idx="minor">
-            <a:schemeClr val="tx1"/>
-          </a:fontRef>
-        </p:style>
-      </p:cxnSp>
-      <p:sp>
-        <p:nvSpPr>
-          <p:cNvPr id="4" name="文本框 3"/>
-          <p:cNvSpPr txBox="1"/>
-          <p:nvPr/>
-        </p:nvSpPr>
-        <p:spPr>
-          <a:xfrm>
-            <a:off x="9579610" y="391160"/>
-            <a:ext cx="1915160" cy="306705"/>
+            <a:off x="792480" y="543560"/>
+            <a:ext cx="1657985" cy="306705"/>
           </a:xfrm>
           <a:prstGeom prst="rect">
             <a:avLst/>
@@ -8731,7 +7934,7 @@
           <a:p>
             <a:pPr algn="l"/>
             <a:r>
-              <a:rPr lang="zh-CN" altLang="en-US" sz="1400">
+              <a:rPr lang="zh-CN" altLang="en-US" sz="1400" dirty="0">
                 <a:solidFill>
                   <a:schemeClr val="tx1">
                     <a:lumMod val="95000"/>
@@ -8741,322 +7944,27 @@
                 <a:latin typeface="思源黑體 ExtraLight" panose="020B0200000000000000" charset="-120"/>
                 <a:ea typeface="思源黑體 ExtraLight" panose="020B0200000000000000" charset="-120"/>
               </a:rPr>
-              <a:t>文件读取功能的设计</a:t>
+              <a:t>算法复杂度分析</a:t>
             </a:r>
           </a:p>
         </p:txBody>
       </p:sp>
       <p:sp>
         <p:nvSpPr>
-          <p:cNvPr id="11" name="矩形标注 10"/>
-          <p:cNvSpPr/>
+          <p:cNvPr id="11" name="文本框 10">
+            <a:extLst>
+              <a:ext uri="{FF2B5EF4-FFF2-40B4-BE49-F238E27FC236}">
+                <a16:creationId xmlns:a16="http://schemas.microsoft.com/office/drawing/2014/main" id="{D561B0FC-A228-45BC-A85B-70599CE46466}"/>
+              </a:ext>
+            </a:extLst>
+          </p:cNvPr>
+          <p:cNvSpPr txBox="1"/>
           <p:nvPr/>
         </p:nvSpPr>
         <p:spPr>
           <a:xfrm>
-            <a:off x="1151255" y="1177925"/>
-            <a:ext cx="1878330" cy="427990"/>
-          </a:xfrm>
-          <a:prstGeom prst="wedgeRectCallout">
-            <a:avLst/>
-          </a:prstGeom>
-        </p:spPr>
-        <p:style>
-          <a:lnRef idx="2">
-            <a:schemeClr val="accent1">
-              <a:shade val="50000"/>
-            </a:schemeClr>
-          </a:lnRef>
-          <a:fillRef idx="1">
-            <a:schemeClr val="accent1"/>
-          </a:fillRef>
-          <a:effectRef idx="0">
-            <a:schemeClr val="accent1"/>
-          </a:effectRef>
-          <a:fontRef idx="minor">
-            <a:schemeClr val="lt1"/>
-          </a:fontRef>
-        </p:style>
-        <p:txBody>
-          <a:bodyPr rtlCol="0" anchor="ctr"/>
-          <a:lstStyle/>
-          <a:p>
-            <a:pPr algn="ctr"/>
-            <a:r>
-              <a:rPr lang="zh-CN" altLang="en-US"/>
-              <a:t>文件创建模块</a:t>
-            </a:r>
-          </a:p>
-        </p:txBody>
-      </p:sp>
-      <p:sp>
-        <p:nvSpPr>
-          <p:cNvPr id="16" name="矩形标注 15"/>
-          <p:cNvSpPr/>
-          <p:nvPr/>
-        </p:nvSpPr>
-        <p:spPr>
-          <a:xfrm>
-            <a:off x="1152525" y="2085975"/>
-            <a:ext cx="1877060" cy="427990"/>
-          </a:xfrm>
-          <a:prstGeom prst="wedgeRectCallout">
-            <a:avLst/>
-          </a:prstGeom>
-        </p:spPr>
-        <p:style>
-          <a:lnRef idx="2">
-            <a:schemeClr val="accent1">
-              <a:shade val="50000"/>
-            </a:schemeClr>
-          </a:lnRef>
-          <a:fillRef idx="1">
-            <a:schemeClr val="accent1"/>
-          </a:fillRef>
-          <a:effectRef idx="0">
-            <a:schemeClr val="accent1"/>
-          </a:effectRef>
-          <a:fontRef idx="minor">
-            <a:schemeClr val="lt1"/>
-          </a:fontRef>
-        </p:style>
-        <p:txBody>
-          <a:bodyPr rtlCol="0" anchor="ctr"/>
-          <a:lstStyle/>
-          <a:p>
-            <a:pPr algn="ctr"/>
-            <a:r>
-              <a:rPr lang="zh-CN" altLang="en-US"/>
-              <a:t>文件读取模块</a:t>
-            </a:r>
-          </a:p>
-        </p:txBody>
-      </p:sp>
-      <p:sp>
-        <p:nvSpPr>
-          <p:cNvPr id="20" name="矩形标注 19"/>
-          <p:cNvSpPr/>
-          <p:nvPr/>
-        </p:nvSpPr>
-        <p:spPr>
-          <a:xfrm>
-            <a:off x="9187180" y="2085975"/>
-            <a:ext cx="1878330" cy="427990"/>
-          </a:xfrm>
-          <a:prstGeom prst="wedgeRectCallout">
-            <a:avLst/>
-          </a:prstGeom>
-        </p:spPr>
-        <p:style>
-          <a:lnRef idx="2">
-            <a:schemeClr val="accent1">
-              <a:shade val="50000"/>
-            </a:schemeClr>
-          </a:lnRef>
-          <a:fillRef idx="1">
-            <a:schemeClr val="accent1"/>
-          </a:fillRef>
-          <a:effectRef idx="0">
-            <a:schemeClr val="accent1"/>
-          </a:effectRef>
-          <a:fontRef idx="minor">
-            <a:schemeClr val="lt1"/>
-          </a:fontRef>
-        </p:style>
-        <p:txBody>
-          <a:bodyPr rtlCol="0" anchor="ctr"/>
-          <a:lstStyle/>
-          <a:p>
-            <a:pPr algn="ctr"/>
-            <a:r>
-              <a:rPr lang="zh-CN" altLang="en-US"/>
-              <a:t>文件清空模块</a:t>
-            </a:r>
-          </a:p>
-        </p:txBody>
-      </p:sp>
-      <p:sp>
-        <p:nvSpPr>
-          <p:cNvPr id="23" name="矩形标注 22"/>
-          <p:cNvSpPr/>
-          <p:nvPr/>
-        </p:nvSpPr>
-        <p:spPr>
-          <a:xfrm>
-            <a:off x="5290185" y="2085975"/>
-            <a:ext cx="1878330" cy="427990"/>
-          </a:xfrm>
-          <a:prstGeom prst="wedgeRectCallout">
-            <a:avLst/>
-          </a:prstGeom>
-        </p:spPr>
-        <p:style>
-          <a:lnRef idx="2">
-            <a:schemeClr val="accent1">
-              <a:shade val="50000"/>
-            </a:schemeClr>
-          </a:lnRef>
-          <a:fillRef idx="1">
-            <a:schemeClr val="accent1"/>
-          </a:fillRef>
-          <a:effectRef idx="0">
-            <a:schemeClr val="accent1"/>
-          </a:effectRef>
-          <a:fontRef idx="minor">
-            <a:schemeClr val="lt1"/>
-          </a:fontRef>
-        </p:style>
-        <p:txBody>
-          <a:bodyPr rtlCol="0" anchor="ctr"/>
-          <a:lstStyle/>
-          <a:p>
-            <a:pPr algn="ctr"/>
-            <a:r>
-              <a:rPr lang="zh-CN" altLang="en-US"/>
-              <a:t>文件写入模块</a:t>
-            </a:r>
-          </a:p>
-        </p:txBody>
-      </p:sp>
-      <p:sp>
-        <p:nvSpPr>
-          <p:cNvPr id="3" name="矩形标注 2"/>
-          <p:cNvSpPr/>
-          <p:nvPr/>
-        </p:nvSpPr>
-        <p:spPr>
-          <a:xfrm>
-            <a:off x="5290820" y="1177925"/>
-            <a:ext cx="1878330" cy="427990"/>
-          </a:xfrm>
-          <a:prstGeom prst="wedgeRectCallout">
-            <a:avLst/>
-          </a:prstGeom>
-        </p:spPr>
-        <p:style>
-          <a:lnRef idx="2">
-            <a:schemeClr val="accent1">
-              <a:shade val="50000"/>
-            </a:schemeClr>
-          </a:lnRef>
-          <a:fillRef idx="1">
-            <a:schemeClr val="accent1"/>
-          </a:fillRef>
-          <a:effectRef idx="0">
-            <a:schemeClr val="accent1"/>
-          </a:effectRef>
-          <a:fontRef idx="minor">
-            <a:schemeClr val="lt1"/>
-          </a:fontRef>
-        </p:style>
-        <p:txBody>
-          <a:bodyPr rtlCol="0" anchor="ctr"/>
-          <a:lstStyle/>
-          <a:p>
-            <a:pPr algn="ctr"/>
-            <a:r>
-              <a:rPr lang="zh-CN" altLang="en-US"/>
-              <a:t>文件创建模块</a:t>
-            </a:r>
-          </a:p>
-        </p:txBody>
-      </p:sp>
-      <p:sp>
-        <p:nvSpPr>
-          <p:cNvPr id="5" name="矩形标注 4"/>
-          <p:cNvSpPr/>
-          <p:nvPr/>
-        </p:nvSpPr>
-        <p:spPr>
-          <a:xfrm>
-            <a:off x="9187180" y="2994025"/>
-            <a:ext cx="1878330" cy="427990"/>
-          </a:xfrm>
-          <a:prstGeom prst="wedgeRectCallout">
-            <a:avLst/>
-          </a:prstGeom>
-        </p:spPr>
-        <p:style>
-          <a:lnRef idx="2">
-            <a:schemeClr val="accent1">
-              <a:shade val="50000"/>
-            </a:schemeClr>
-          </a:lnRef>
-          <a:fillRef idx="1">
-            <a:schemeClr val="accent1"/>
-          </a:fillRef>
-          <a:effectRef idx="0">
-            <a:schemeClr val="accent1"/>
-          </a:effectRef>
-          <a:fontRef idx="minor">
-            <a:schemeClr val="lt1"/>
-          </a:fontRef>
-        </p:style>
-        <p:txBody>
-          <a:bodyPr rtlCol="0" anchor="ctr"/>
-          <a:lstStyle/>
-          <a:p>
-            <a:pPr algn="ctr"/>
-            <a:r>
-              <a:rPr lang="zh-CN" altLang="en-US"/>
-              <a:t>文件写入模块</a:t>
-            </a:r>
-          </a:p>
-        </p:txBody>
-      </p:sp>
-      <p:sp>
-        <p:nvSpPr>
-          <p:cNvPr id="8" name="矩形标注 7"/>
-          <p:cNvSpPr/>
-          <p:nvPr/>
-        </p:nvSpPr>
-        <p:spPr>
-          <a:xfrm>
-            <a:off x="9187180" y="1177925"/>
-            <a:ext cx="1878330" cy="427990"/>
-          </a:xfrm>
-          <a:prstGeom prst="wedgeRectCallout">
-            <a:avLst/>
-          </a:prstGeom>
-        </p:spPr>
-        <p:style>
-          <a:lnRef idx="2">
-            <a:schemeClr val="accent1">
-              <a:shade val="50000"/>
-            </a:schemeClr>
-          </a:lnRef>
-          <a:fillRef idx="1">
-            <a:schemeClr val="accent1"/>
-          </a:fillRef>
-          <a:effectRef idx="0">
-            <a:schemeClr val="accent1"/>
-          </a:effectRef>
-          <a:fontRef idx="minor">
-            <a:schemeClr val="lt1"/>
-          </a:fontRef>
-        </p:style>
-        <p:txBody>
-          <a:bodyPr rtlCol="0" anchor="ctr"/>
-          <a:lstStyle/>
-          <a:p>
-            <a:pPr algn="ctr"/>
-            <a:r>
-              <a:rPr lang="zh-CN" altLang="en-US"/>
-              <a:t>文件创建模块</a:t>
-            </a:r>
-          </a:p>
-        </p:txBody>
-      </p:sp>
-      <p:sp>
-        <p:nvSpPr>
-          <p:cNvPr id="9" name="文本框 8"/>
-          <p:cNvSpPr txBox="1"/>
-          <p:nvPr/>
-        </p:nvSpPr>
-        <p:spPr>
-          <a:xfrm>
-            <a:off x="1151255" y="4348480"/>
-            <a:ext cx="1877060" cy="1476375"/>
+            <a:off x="947420" y="1621766"/>
+            <a:ext cx="4366452" cy="2031325"/>
           </a:xfrm>
           <a:prstGeom prst="rect">
             <a:avLst/>
@@ -9070,22 +7978,114 @@
           <a:lstStyle/>
           <a:p>
             <a:r>
-              <a:rPr lang="zh-CN" altLang="en-US"/>
-              <a:t>可实现文件读取功能，例如：登录时检测账号密码，读取学生信息</a:t>
-            </a:r>
+              <a:rPr lang="zh-CN" altLang="en-US" dirty="0"/>
+              <a:t>时间复杂度：</a:t>
+            </a:r>
+            <a:endParaRPr lang="en-US" altLang="zh-CN" dirty="0"/>
+          </a:p>
+          <a:p>
+            <a:r>
+              <a:rPr lang="en-US" altLang="zh-CN" sz="1800" kern="100" dirty="0">
+                <a:effectLst/>
+                <a:latin typeface="Times New Roman" panose="02020603050405020304" pitchFamily="18" charset="0"/>
+                <a:ea typeface="宋体" panose="02010600030101010101" pitchFamily="2" charset="-122"/>
+              </a:rPr>
+              <a:t>(1)</a:t>
+            </a:r>
+            <a:r>
+              <a:rPr lang="zh-CN" altLang="zh-CN" sz="1800" kern="100" dirty="0">
+                <a:effectLst/>
+                <a:latin typeface="Times New Roman" panose="02020603050405020304" pitchFamily="18" charset="0"/>
+                <a:ea typeface="宋体" panose="02010600030101010101" pitchFamily="2" charset="-122"/>
+              </a:rPr>
+              <a:t>在回溯过程中，所有结点有且仅有一次被访问，所以回溯的时间复杂度为：</a:t>
+            </a:r>
+            <a:r>
+              <a:rPr lang="en-US" altLang="zh-CN" sz="1800" kern="100" dirty="0">
+                <a:effectLst/>
+                <a:latin typeface="Times New Roman" panose="02020603050405020304" pitchFamily="18" charset="0"/>
+                <a:ea typeface="宋体" panose="02010600030101010101" pitchFamily="2" charset="-122"/>
+              </a:rPr>
+              <a:t>O(n)</a:t>
+            </a:r>
+            <a:endParaRPr lang="zh-CN" altLang="zh-CN" sz="1800" kern="100" dirty="0">
+              <a:effectLst/>
+              <a:latin typeface="Times New Roman" panose="02020603050405020304" pitchFamily="18" charset="0"/>
+              <a:ea typeface="宋体" panose="02010600030101010101" pitchFamily="2" charset="-122"/>
+            </a:endParaRPr>
+          </a:p>
+          <a:p>
+            <a:r>
+              <a:rPr lang="en-US" altLang="zh-CN" sz="1800" kern="100" dirty="0">
+                <a:effectLst/>
+                <a:latin typeface="Times New Roman" panose="02020603050405020304" pitchFamily="18" charset="0"/>
+                <a:ea typeface="宋体" panose="02010600030101010101" pitchFamily="2" charset="-122"/>
+              </a:rPr>
+              <a:t>(2)</a:t>
+            </a:r>
+            <a:r>
+              <a:rPr lang="zh-CN" altLang="zh-CN" sz="1800" kern="100" dirty="0">
+                <a:effectLst/>
+                <a:latin typeface="Times New Roman" panose="02020603050405020304" pitchFamily="18" charset="0"/>
+                <a:ea typeface="宋体" panose="02010600030101010101" pitchFamily="2" charset="-122"/>
+              </a:rPr>
+              <a:t>约束函数只用判断结点是否越界、是否连通、是否被访问，所以约束函数的时间复杂度为：</a:t>
+            </a:r>
+            <a:r>
+              <a:rPr lang="en-US" altLang="zh-CN" sz="1800" kern="100" dirty="0">
+                <a:effectLst/>
+                <a:latin typeface="Times New Roman" panose="02020603050405020304" pitchFamily="18" charset="0"/>
+                <a:ea typeface="宋体" panose="02010600030101010101" pitchFamily="2" charset="-122"/>
+              </a:rPr>
+              <a:t>O(1)</a:t>
+            </a:r>
+            <a:endParaRPr lang="zh-CN" altLang="zh-CN" sz="1800" kern="100" dirty="0">
+              <a:effectLst/>
+              <a:latin typeface="Times New Roman" panose="02020603050405020304" pitchFamily="18" charset="0"/>
+              <a:ea typeface="宋体" panose="02010600030101010101" pitchFamily="2" charset="-122"/>
+            </a:endParaRPr>
+          </a:p>
+          <a:p>
+            <a:r>
+              <a:rPr lang="zh-CN" altLang="zh-CN" sz="1800" kern="100" dirty="0">
+                <a:effectLst/>
+                <a:latin typeface="Times New Roman" panose="02020603050405020304" pitchFamily="18" charset="0"/>
+                <a:ea typeface="宋体" panose="02010600030101010101" pitchFamily="2" charset="-122"/>
+              </a:rPr>
+              <a:t>由此可得，该算法的时间复杂度为：</a:t>
+            </a:r>
+            <a:r>
+              <a:rPr lang="en-US" altLang="zh-CN" sz="1800" kern="100" dirty="0">
+                <a:effectLst/>
+                <a:latin typeface="Times New Roman" panose="02020603050405020304" pitchFamily="18" charset="0"/>
+                <a:ea typeface="宋体" panose="02010600030101010101" pitchFamily="2" charset="-122"/>
+              </a:rPr>
+              <a:t>O(n)</a:t>
+            </a:r>
+            <a:endParaRPr lang="zh-CN" altLang="zh-CN" sz="1800" kern="100" dirty="0">
+              <a:effectLst/>
+              <a:latin typeface="Times New Roman" panose="02020603050405020304" pitchFamily="18" charset="0"/>
+              <a:ea typeface="宋体" panose="02010600030101010101" pitchFamily="2" charset="-122"/>
+            </a:endParaRPr>
           </a:p>
         </p:txBody>
       </p:sp>
       <p:sp>
         <p:nvSpPr>
-          <p:cNvPr id="10" name="文本框 9"/>
+          <p:cNvPr id="16" name="文本框 15">
+            <a:extLst>
+              <a:ext uri="{FF2B5EF4-FFF2-40B4-BE49-F238E27FC236}">
+                <a16:creationId xmlns:a16="http://schemas.microsoft.com/office/drawing/2014/main" id="{D5A2BFEB-45CB-4ABE-841B-0CABCCD1C48B}"/>
+              </a:ext>
+            </a:extLst>
+          </p:cNvPr>
           <p:cNvSpPr txBox="1"/>
           <p:nvPr/>
         </p:nvSpPr>
         <p:spPr>
           <a:xfrm>
-            <a:off x="5292090" y="4348480"/>
-            <a:ext cx="1877060" cy="1198880"/>
+            <a:off x="6096000" y="1621765"/>
+            <a:ext cx="4366452" cy="1754326"/>
           </a:xfrm>
           <a:prstGeom prst="rect">
             <a:avLst/>
@@ -9099,198 +8099,79 @@
           <a:lstStyle/>
           <a:p>
             <a:r>
-              <a:rPr lang="zh-CN" altLang="en-US"/>
-              <a:t>可实现不修改原文写入功能，例如：注册账号时将信息写入文件</a:t>
-            </a:r>
-          </a:p>
-        </p:txBody>
-      </p:sp>
-      <p:sp>
-        <p:nvSpPr>
-          <p:cNvPr id="24" name="文本框 23"/>
-          <p:cNvSpPr txBox="1"/>
-          <p:nvPr/>
-        </p:nvSpPr>
-        <p:spPr>
-          <a:xfrm>
-            <a:off x="9187180" y="4348480"/>
-            <a:ext cx="1878330" cy="1476375"/>
-          </a:xfrm>
-          <a:prstGeom prst="rect">
-            <a:avLst/>
-          </a:prstGeom>
-          <a:noFill/>
-        </p:spPr>
-        <p:txBody>
-          <a:bodyPr wrap="square" rtlCol="0">
-            <a:spAutoFit/>
-          </a:bodyPr>
-          <a:lstStyle/>
-          <a:p>
-            <a:r>
-              <a:rPr lang="zh-CN" altLang="en-US"/>
-              <a:t>可实现修改文件写入功能，例如：对学生信息进行增、删、改之后重新写入文件</a:t>
-            </a:r>
-          </a:p>
-        </p:txBody>
-      </p:sp>
-      <p:sp>
-        <p:nvSpPr>
-          <p:cNvPr id="2" name="下箭头 1"/>
-          <p:cNvSpPr/>
-          <p:nvPr/>
-        </p:nvSpPr>
-        <p:spPr>
-          <a:xfrm>
-            <a:off x="1842135" y="1660525"/>
-            <a:ext cx="497840" cy="416560"/>
-          </a:xfrm>
-          <a:prstGeom prst="downArrow">
-            <a:avLst/>
-          </a:prstGeom>
-        </p:spPr>
-        <p:style>
-          <a:lnRef idx="2">
-            <a:schemeClr val="accent1">
-              <a:shade val="50000"/>
-            </a:schemeClr>
-          </a:lnRef>
-          <a:fillRef idx="1">
-            <a:schemeClr val="accent1"/>
-          </a:fillRef>
-          <a:effectRef idx="0">
-            <a:schemeClr val="accent1"/>
-          </a:effectRef>
-          <a:fontRef idx="minor">
-            <a:schemeClr val="lt1"/>
-          </a:fontRef>
-        </p:style>
-        <p:txBody>
-          <a:bodyPr rtlCol="0" anchor="ctr"/>
-          <a:lstStyle/>
-          <a:p>
-            <a:pPr algn="ctr"/>
-            <a:endParaRPr lang="zh-CN" altLang="en-US"/>
-          </a:p>
-        </p:txBody>
-      </p:sp>
-      <p:sp>
-        <p:nvSpPr>
-          <p:cNvPr id="15" name="下箭头 14"/>
-          <p:cNvSpPr/>
-          <p:nvPr/>
-        </p:nvSpPr>
-        <p:spPr>
-          <a:xfrm>
-            <a:off x="9877425" y="2545715"/>
-            <a:ext cx="497840" cy="416560"/>
-          </a:xfrm>
-          <a:prstGeom prst="downArrow">
-            <a:avLst/>
-          </a:prstGeom>
-        </p:spPr>
-        <p:style>
-          <a:lnRef idx="2">
-            <a:schemeClr val="accent1">
-              <a:shade val="50000"/>
-            </a:schemeClr>
-          </a:lnRef>
-          <a:fillRef idx="1">
-            <a:schemeClr val="accent1"/>
-          </a:fillRef>
-          <a:effectRef idx="0">
-            <a:schemeClr val="accent1"/>
-          </a:effectRef>
-          <a:fontRef idx="minor">
-            <a:schemeClr val="lt1"/>
-          </a:fontRef>
-        </p:style>
-        <p:txBody>
-          <a:bodyPr rtlCol="0" anchor="ctr"/>
-          <a:lstStyle/>
-          <a:p>
-            <a:pPr algn="ctr"/>
-            <a:endParaRPr lang="zh-CN" altLang="en-US"/>
-          </a:p>
-        </p:txBody>
-      </p:sp>
-      <p:sp>
-        <p:nvSpPr>
-          <p:cNvPr id="19" name="下箭头 18"/>
-          <p:cNvSpPr/>
-          <p:nvPr/>
-        </p:nvSpPr>
-        <p:spPr>
-          <a:xfrm>
-            <a:off x="9877425" y="1637665"/>
-            <a:ext cx="497840" cy="416560"/>
-          </a:xfrm>
-          <a:prstGeom prst="downArrow">
-            <a:avLst/>
-          </a:prstGeom>
-        </p:spPr>
-        <p:style>
-          <a:lnRef idx="2">
-            <a:schemeClr val="accent1">
-              <a:shade val="50000"/>
-            </a:schemeClr>
-          </a:lnRef>
-          <a:fillRef idx="1">
-            <a:schemeClr val="accent1"/>
-          </a:fillRef>
-          <a:effectRef idx="0">
-            <a:schemeClr val="accent1"/>
-          </a:effectRef>
-          <a:fontRef idx="minor">
-            <a:schemeClr val="lt1"/>
-          </a:fontRef>
-        </p:style>
-        <p:txBody>
-          <a:bodyPr rtlCol="0" anchor="ctr"/>
-          <a:lstStyle/>
-          <a:p>
-            <a:pPr algn="ctr"/>
-            <a:endParaRPr lang="zh-CN" altLang="en-US"/>
-          </a:p>
-        </p:txBody>
-      </p:sp>
-      <p:sp>
-        <p:nvSpPr>
-          <p:cNvPr id="21" name="下箭头 20"/>
-          <p:cNvSpPr/>
-          <p:nvPr/>
-        </p:nvSpPr>
-        <p:spPr>
-          <a:xfrm>
-            <a:off x="5981700" y="1655445"/>
-            <a:ext cx="497840" cy="416560"/>
-          </a:xfrm>
-          <a:prstGeom prst="downArrow">
-            <a:avLst/>
-          </a:prstGeom>
-        </p:spPr>
-        <p:style>
-          <a:lnRef idx="2">
-            <a:schemeClr val="accent1">
-              <a:shade val="50000"/>
-            </a:schemeClr>
-          </a:lnRef>
-          <a:fillRef idx="1">
-            <a:schemeClr val="accent1"/>
-          </a:fillRef>
-          <a:effectRef idx="0">
-            <a:schemeClr val="accent1"/>
-          </a:effectRef>
-          <a:fontRef idx="minor">
-            <a:schemeClr val="lt1"/>
-          </a:fontRef>
-        </p:style>
-        <p:txBody>
-          <a:bodyPr rtlCol="0" anchor="ctr"/>
-          <a:lstStyle/>
-          <a:p>
-            <a:pPr algn="ctr"/>
-            <a:endParaRPr lang="zh-CN" altLang="en-US"/>
+              <a:rPr lang="zh-CN" altLang="en-US" dirty="0"/>
+              <a:t>空间复杂度：</a:t>
+            </a:r>
+            <a:endParaRPr lang="en-US" altLang="zh-CN" dirty="0"/>
+          </a:p>
+          <a:p>
+            <a:r>
+              <a:rPr lang="en-US" altLang="zh-CN" dirty="0"/>
+              <a:t>(1)</a:t>
+            </a:r>
+            <a:r>
+              <a:rPr lang="zh-CN" altLang="zh-CN" sz="1800" kern="100" dirty="0">
+                <a:effectLst/>
+                <a:latin typeface="Times New Roman" panose="02020603050405020304" pitchFamily="18" charset="0"/>
+                <a:ea typeface="宋体" panose="02010600030101010101" pitchFamily="2" charset="-122"/>
+                <a:cs typeface="Times New Roman" panose="02020603050405020304" pitchFamily="18" charset="0"/>
+              </a:rPr>
+              <a:t>最好情况，农场中的所有结点均不连通，每次回溯只有一层，空间复杂度为：</a:t>
+            </a:r>
+            <a:r>
+              <a:rPr lang="en-US" altLang="zh-CN" sz="1800" kern="100" dirty="0">
+                <a:effectLst/>
+                <a:latin typeface="Times New Roman" panose="02020603050405020304" pitchFamily="18" charset="0"/>
+                <a:ea typeface="宋体" panose="02010600030101010101" pitchFamily="2" charset="-122"/>
+                <a:cs typeface="Times New Roman" panose="02020603050405020304" pitchFamily="18" charset="0"/>
+              </a:rPr>
+              <a:t>O(1)</a:t>
+            </a:r>
+            <a:br>
+              <a:rPr lang="en-US" altLang="zh-CN" sz="1800" kern="100" dirty="0">
+                <a:effectLst/>
+                <a:latin typeface="Times New Roman" panose="02020603050405020304" pitchFamily="18" charset="0"/>
+                <a:ea typeface="宋体" panose="02010600030101010101" pitchFamily="2" charset="-122"/>
+                <a:cs typeface="Times New Roman" panose="02020603050405020304" pitchFamily="18" charset="0"/>
+              </a:rPr>
+            </a:br>
+            <a:r>
+              <a:rPr lang="en-US" altLang="zh-CN" sz="1800" kern="100" dirty="0">
+                <a:effectLst/>
+                <a:latin typeface="Times New Roman" panose="02020603050405020304" pitchFamily="18" charset="0"/>
+                <a:ea typeface="宋体" panose="02010600030101010101" pitchFamily="2" charset="-122"/>
+                <a:cs typeface="Times New Roman" panose="02020603050405020304" pitchFamily="18" charset="0"/>
+              </a:rPr>
+              <a:t>(2)</a:t>
+            </a:r>
+            <a:r>
+              <a:rPr lang="zh-CN" altLang="zh-CN" sz="1800" kern="100" dirty="0">
+                <a:effectLst/>
+                <a:latin typeface="Times New Roman" panose="02020603050405020304" pitchFamily="18" charset="0"/>
+                <a:ea typeface="宋体" panose="02010600030101010101" pitchFamily="2" charset="-122"/>
+              </a:rPr>
+              <a:t>最坏情况，农场中的所有结点均连通，回溯的层数将是结点的个数，空间复杂度为：</a:t>
+            </a:r>
+            <a:r>
+              <a:rPr lang="en-US" altLang="zh-CN" sz="1800" kern="100" dirty="0">
+                <a:effectLst/>
+                <a:latin typeface="Times New Roman" panose="02020603050405020304" pitchFamily="18" charset="0"/>
+                <a:ea typeface="宋体" panose="02010600030101010101" pitchFamily="2" charset="-122"/>
+              </a:rPr>
+              <a:t>O</a:t>
+            </a:r>
+            <a:r>
+              <a:rPr lang="en-US" altLang="zh-CN" kern="100" dirty="0">
+                <a:latin typeface="Times New Roman" panose="02020603050405020304" pitchFamily="18" charset="0"/>
+                <a:ea typeface="宋体" panose="02010600030101010101" pitchFamily="2" charset="-122"/>
+              </a:rPr>
+              <a:t>(n)</a:t>
+            </a:r>
+            <a:endParaRPr lang="zh-CN" altLang="zh-CN" sz="1800" kern="100" dirty="0">
+              <a:effectLst/>
+              <a:latin typeface="Times New Roman" panose="02020603050405020304" pitchFamily="18" charset="0"/>
+              <a:ea typeface="宋体" panose="02010600030101010101" pitchFamily="2" charset="-122"/>
+            </a:endParaRPr>
           </a:p>
         </p:txBody>
       </p:sp>
@@ -9298,346 +8179,21 @@
     <p:custDataLst>
       <p:tags r:id="rId1"/>
     </p:custDataLst>
+    <p:extLst>
+      <p:ext uri="{BB962C8B-B14F-4D97-AF65-F5344CB8AC3E}">
+        <p14:creationId xmlns:p14="http://schemas.microsoft.com/office/powerpoint/2010/main" val="945769975"/>
+      </p:ext>
+    </p:extLst>
   </p:cSld>
   <p:clrMapOvr>
     <a:masterClrMapping/>
   </p:clrMapOvr>
-  <p:transition>
-    <p:blinds/>
-  </p:transition>
-</p:sld>
-</file>
-
-<file path=ppt/slides/slide14.xml><?xml version="1.0" encoding="utf-8"?>
-<p:sld xmlns:a="http://schemas.openxmlformats.org/drawingml/2006/main" xmlns:r="http://schemas.openxmlformats.org/officeDocument/2006/relationships" xmlns:p="http://schemas.openxmlformats.org/presentationml/2006/main">
-  <p:cSld>
-    <p:bg>
-      <p:bgPr>
-        <a:solidFill>
-          <a:schemeClr val="bg1"/>
-        </a:solidFill>
-        <a:effectLst/>
-      </p:bgPr>
-    </p:bg>
-    <p:spTree>
-      <p:nvGrpSpPr>
-        <p:cNvPr id="1" name=""/>
-        <p:cNvGrpSpPr/>
-        <p:nvPr/>
-      </p:nvGrpSpPr>
-      <p:grpSpPr>
-        <a:xfrm>
-          <a:off x="0" y="0"/>
-          <a:ext cx="0" cy="0"/>
-          <a:chOff x="0" y="0"/>
-          <a:chExt cx="0" cy="0"/>
-        </a:xfrm>
-      </p:grpSpPr>
-      <p:cxnSp>
-        <p:nvCxnSpPr>
-          <p:cNvPr id="2" name="直接连接符 1"/>
-          <p:cNvCxnSpPr/>
-          <p:nvPr/>
-        </p:nvCxnSpPr>
-        <p:spPr>
-          <a:xfrm flipH="1">
-            <a:off x="-581660" y="1250950"/>
-            <a:ext cx="2432050" cy="1964690"/>
-          </a:xfrm>
-          <a:prstGeom prst="line">
-            <a:avLst/>
-          </a:prstGeom>
-          <a:ln>
-            <a:solidFill>
-              <a:schemeClr val="tx1">
-                <a:lumMod val="95000"/>
-                <a:lumOff val="5000"/>
-              </a:schemeClr>
-            </a:solidFill>
-          </a:ln>
-        </p:spPr>
-        <p:style>
-          <a:lnRef idx="1">
-            <a:schemeClr val="accent1"/>
-          </a:lnRef>
-          <a:fillRef idx="0">
-            <a:schemeClr val="accent1"/>
-          </a:fillRef>
-          <a:effectRef idx="0">
-            <a:schemeClr val="accent1"/>
-          </a:effectRef>
-          <a:fontRef idx="minor">
-            <a:schemeClr val="tx1"/>
-          </a:fontRef>
-        </p:style>
-      </p:cxnSp>
-      <p:cxnSp>
-        <p:nvCxnSpPr>
-          <p:cNvPr id="3" name="直接连接符 2"/>
-          <p:cNvCxnSpPr/>
-          <p:nvPr/>
-        </p:nvCxnSpPr>
-        <p:spPr>
-          <a:xfrm flipH="1">
-            <a:off x="1334135" y="-1107440"/>
-            <a:ext cx="2432050" cy="1964690"/>
-          </a:xfrm>
-          <a:prstGeom prst="line">
-            <a:avLst/>
-          </a:prstGeom>
-          <a:ln>
-            <a:solidFill>
-              <a:schemeClr val="tx1">
-                <a:lumMod val="95000"/>
-                <a:lumOff val="5000"/>
-              </a:schemeClr>
-            </a:solidFill>
-          </a:ln>
-        </p:spPr>
-        <p:style>
-          <a:lnRef idx="1">
-            <a:schemeClr val="accent1"/>
-          </a:lnRef>
-          <a:fillRef idx="0">
-            <a:schemeClr val="accent1"/>
-          </a:fillRef>
-          <a:effectRef idx="0">
-            <a:schemeClr val="accent1"/>
-          </a:effectRef>
-          <a:fontRef idx="minor">
-            <a:schemeClr val="tx1"/>
-          </a:fontRef>
-        </p:style>
-      </p:cxnSp>
-      <p:cxnSp>
-        <p:nvCxnSpPr>
-          <p:cNvPr id="4" name="直接连接符 3"/>
-          <p:cNvCxnSpPr/>
-          <p:nvPr/>
-        </p:nvCxnSpPr>
-        <p:spPr>
-          <a:xfrm flipH="1">
-            <a:off x="9215755" y="5941060"/>
-            <a:ext cx="2432050" cy="1964690"/>
-          </a:xfrm>
-          <a:prstGeom prst="line">
-            <a:avLst/>
-          </a:prstGeom>
-          <a:ln>
-            <a:solidFill>
-              <a:schemeClr val="tx1">
-                <a:lumMod val="95000"/>
-                <a:lumOff val="5000"/>
-              </a:schemeClr>
-            </a:solidFill>
-          </a:ln>
-        </p:spPr>
-        <p:style>
-          <a:lnRef idx="1">
-            <a:schemeClr val="accent1"/>
-          </a:lnRef>
-          <a:fillRef idx="0">
-            <a:schemeClr val="accent1"/>
-          </a:fillRef>
-          <a:effectRef idx="0">
-            <a:schemeClr val="accent1"/>
-          </a:effectRef>
-          <a:fontRef idx="minor">
-            <a:schemeClr val="tx1"/>
-          </a:fontRef>
-        </p:style>
-      </p:cxnSp>
-      <p:cxnSp>
-        <p:nvCxnSpPr>
-          <p:cNvPr id="5" name="直接连接符 4"/>
-          <p:cNvCxnSpPr/>
-          <p:nvPr/>
-        </p:nvCxnSpPr>
-        <p:spPr>
-          <a:xfrm flipH="1">
-            <a:off x="11131550" y="3582670"/>
-            <a:ext cx="2432050" cy="1964690"/>
-          </a:xfrm>
-          <a:prstGeom prst="line">
-            <a:avLst/>
-          </a:prstGeom>
-          <a:ln w="6350">
-            <a:solidFill>
-              <a:schemeClr val="tx1">
-                <a:lumMod val="95000"/>
-                <a:lumOff val="5000"/>
-              </a:schemeClr>
-            </a:solidFill>
-          </a:ln>
-        </p:spPr>
-        <p:style>
-          <a:lnRef idx="1">
-            <a:schemeClr val="accent1"/>
-          </a:lnRef>
-          <a:fillRef idx="0">
-            <a:schemeClr val="accent1"/>
-          </a:fillRef>
-          <a:effectRef idx="0">
-            <a:schemeClr val="accent1"/>
-          </a:effectRef>
-          <a:fontRef idx="minor">
-            <a:schemeClr val="tx1"/>
-          </a:fontRef>
-        </p:style>
-      </p:cxnSp>
-      <p:sp>
-        <p:nvSpPr>
-          <p:cNvPr id="8" name="文本框 7"/>
-          <p:cNvSpPr txBox="1"/>
-          <p:nvPr/>
-        </p:nvSpPr>
-        <p:spPr>
-          <a:xfrm>
-            <a:off x="3906520" y="2056765"/>
-            <a:ext cx="1264920" cy="1014730"/>
-          </a:xfrm>
-          <a:prstGeom prst="rect">
-            <a:avLst/>
-          </a:prstGeom>
-          <a:noFill/>
-        </p:spPr>
-        <p:txBody>
-          <a:bodyPr wrap="square" rtlCol="0">
-            <a:spAutoFit/>
-          </a:bodyPr>
-          <a:lstStyle/>
-          <a:p>
-            <a:pPr algn="l"/>
-            <a:r>
-              <a:rPr lang="en-US" sz="6000">
-                <a:solidFill>
-                  <a:srgbClr val="FF0000"/>
-                </a:solidFill>
-                <a:latin typeface="思源黑体 Light" panose="020B0300000000000000" charset="-122"/>
-                <a:ea typeface="思源黑体 Light" panose="020B0300000000000000" charset="-122"/>
-                <a:cs typeface="思源黑体 Light" panose="020B0300000000000000" charset="-122"/>
-              </a:rPr>
-              <a:t>04</a:t>
-            </a:r>
-          </a:p>
-        </p:txBody>
-      </p:sp>
-      <p:grpSp>
-        <p:nvGrpSpPr>
-          <p:cNvPr id="9" name="组合 8"/>
-          <p:cNvGrpSpPr/>
-          <p:nvPr/>
-        </p:nvGrpSpPr>
-        <p:grpSpPr>
-          <a:xfrm>
-            <a:off x="4000500" y="2339340"/>
-            <a:ext cx="3931285" cy="1164590"/>
-            <a:chOff x="6300" y="3684"/>
-            <a:chExt cx="6191" cy="1834"/>
-          </a:xfrm>
-        </p:grpSpPr>
-        <p:cxnSp>
-          <p:nvCxnSpPr>
-            <p:cNvPr id="15" name="直接连接符 14"/>
-            <p:cNvCxnSpPr/>
-            <p:nvPr/>
-          </p:nvCxnSpPr>
-          <p:spPr>
-            <a:xfrm flipH="1">
-              <a:off x="6300" y="3684"/>
-              <a:ext cx="2266" cy="1834"/>
-            </a:xfrm>
-            <a:prstGeom prst="line">
-              <a:avLst/>
-            </a:prstGeom>
-            <a:ln>
-              <a:solidFill>
-                <a:schemeClr val="tx1">
-                  <a:lumMod val="95000"/>
-                  <a:lumOff val="5000"/>
-                </a:schemeClr>
-              </a:solidFill>
-            </a:ln>
-          </p:spPr>
-          <p:style>
-            <a:lnRef idx="1">
-              <a:schemeClr val="accent1"/>
-            </a:lnRef>
-            <a:fillRef idx="0">
-              <a:schemeClr val="accent1"/>
-            </a:fillRef>
-            <a:effectRef idx="0">
-              <a:schemeClr val="accent1"/>
-            </a:effectRef>
-            <a:fontRef idx="minor">
-              <a:schemeClr val="tx1"/>
-            </a:fontRef>
-          </p:style>
-        </p:cxnSp>
-        <p:sp>
-          <p:nvSpPr>
-            <p:cNvPr id="10" name="文本框 9"/>
-            <p:cNvSpPr txBox="1"/>
-            <p:nvPr/>
-          </p:nvSpPr>
-          <p:spPr>
-            <a:xfrm>
-              <a:off x="7696" y="4269"/>
-              <a:ext cx="4795" cy="919"/>
-            </a:xfrm>
-            <a:prstGeom prst="rect">
-              <a:avLst/>
-            </a:prstGeom>
-            <a:noFill/>
-          </p:spPr>
-          <p:txBody>
-            <a:bodyPr wrap="square" rtlCol="0">
-              <a:spAutoFit/>
-            </a:bodyPr>
-            <a:lstStyle/>
-            <a:p>
-              <a:pPr algn="l"/>
-              <a:r>
-                <a:rPr lang="zh-CN" altLang="en-US" sz="3200" dirty="0">
-                  <a:solidFill>
-                    <a:schemeClr val="tx1"/>
-                  </a:solidFill>
-                  <a:latin typeface="思源黑体 Light" panose="020B0300000000000000" charset="-122"/>
-                  <a:ea typeface="思源黑体 Light" panose="020B0300000000000000" charset="-122"/>
-                  <a:cs typeface="思源黑体 Light" panose="020B0300000000000000" charset="-122"/>
-                  <a:sym typeface="+mn-ea"/>
-                </a:rPr>
-                <a:t>优点与缺点分析</a:t>
-              </a:r>
-            </a:p>
-          </p:txBody>
-        </p:sp>
-      </p:grpSp>
-    </p:spTree>
-    <p:custDataLst>
-      <p:tags r:id="rId1"/>
-    </p:custDataLst>
-  </p:cSld>
-  <p:clrMapOvr>
-    <a:masterClrMapping/>
-  </p:clrMapOvr>
-  <p:transition>
-    <p:blinds/>
-  </p:transition>
 </p:sld>
 </file>
 
 <file path=ppt/slides/slide15.xml><?xml version="1.0" encoding="utf-8"?>
 <p:sld xmlns:a="http://schemas.openxmlformats.org/drawingml/2006/main" xmlns:r="http://schemas.openxmlformats.org/officeDocument/2006/relationships" xmlns:p="http://schemas.openxmlformats.org/presentationml/2006/main">
   <p:cSld>
-    <p:bg>
-      <p:bgPr>
-        <a:solidFill>
-          <a:schemeClr val="bg1"/>
-        </a:solidFill>
-        <a:effectLst/>
-      </p:bgPr>
-    </p:bg>
     <p:spTree>
       <p:nvGrpSpPr>
         <p:cNvPr id="1" name=""/>
@@ -9842,7 +8398,7 @@
         </p:nvSpPr>
         <p:spPr>
           <a:xfrm>
-            <a:off x="935990" y="347980"/>
+            <a:off x="9836785" y="543560"/>
             <a:ext cx="1657985" cy="306705"/>
           </a:xfrm>
           <a:prstGeom prst="rect">
@@ -9858,7 +8414,63 @@
           <a:p>
             <a:pPr algn="l"/>
             <a:r>
-              <a:rPr lang="zh-CN" altLang="en-US" sz="1400">
+              <a:rPr lang="zh-CN" altLang="en-US" sz="1400" dirty="0">
+                <a:solidFill>
+                  <a:schemeClr val="tx1">
+                    <a:lumMod val="95000"/>
+                    <a:lumOff val="5000"/>
+                  </a:schemeClr>
+                </a:solidFill>
+                <a:latin typeface="思源黑體 ExtraLight" panose="020B0200000000000000" charset="-120"/>
+                <a:ea typeface="思源黑体 Light" panose="020B0300000000000000" charset="-122"/>
+                <a:sym typeface="+mn-ea"/>
+              </a:rPr>
+              <a:t>序列模式挖掘问题</a:t>
+            </a:r>
+            <a:endParaRPr lang="zh-CN" altLang="en-US" sz="1400" dirty="0">
+              <a:solidFill>
+                <a:schemeClr val="tx1">
+                  <a:lumMod val="95000"/>
+                  <a:lumOff val="5000"/>
+                </a:schemeClr>
+              </a:solidFill>
+              <a:latin typeface="思源黑體 ExtraLight" panose="020B0200000000000000" charset="-120"/>
+              <a:ea typeface="思源黑體 ExtraLight" panose="020B0200000000000000" charset="-120"/>
+            </a:endParaRPr>
+          </a:p>
+        </p:txBody>
+      </p:sp>
+      <p:sp>
+        <p:nvSpPr>
+          <p:cNvPr id="15" name="文本框 14">
+            <a:extLst>
+              <a:ext uri="{FF2B5EF4-FFF2-40B4-BE49-F238E27FC236}">
+                <a16:creationId xmlns:a16="http://schemas.microsoft.com/office/drawing/2014/main" id="{24307317-0A9F-4634-A219-A4BA2601C102}"/>
+              </a:ext>
+            </a:extLst>
+          </p:cNvPr>
+          <p:cNvSpPr txBox="1"/>
+          <p:nvPr/>
+        </p:nvSpPr>
+        <p:spPr>
+          <a:xfrm>
+            <a:off x="792480" y="543560"/>
+            <a:ext cx="1657985" cy="306705"/>
+          </a:xfrm>
+          <a:prstGeom prst="rect">
+            <a:avLst/>
+          </a:prstGeom>
+          <a:noFill/>
+        </p:spPr>
+        <p:txBody>
+          <a:bodyPr wrap="square" rtlCol="0">
+            <a:spAutoFit/>
+          </a:bodyPr>
+          <a:lstStyle/>
+          <a:p>
+            <a:pPr algn="l"/>
+            <a:r>
+              <a:rPr lang="zh-CN" altLang="en-US" sz="1400" dirty="0">
                 <a:solidFill>
                   <a:schemeClr val="tx1">
                     <a:lumMod val="95000"/>
@@ -9868,21 +8480,800 @@
                 <a:latin typeface="思源黑體 ExtraLight" panose="020B0200000000000000" charset="-120"/>
                 <a:ea typeface="思源黑體 ExtraLight" panose="020B0200000000000000" charset="-120"/>
               </a:rPr>
-              <a:t>优点与缺点分析</a:t>
+              <a:t>算法复杂度分析</a:t>
             </a:r>
           </a:p>
         </p:txBody>
       </p:sp>
+      <mc:AlternateContent xmlns:mc="http://schemas.openxmlformats.org/markup-compatibility/2006">
+        <mc:Choice xmlns:a14="http://schemas.microsoft.com/office/drawing/2010/main" Requires="a14">
+          <p:sp>
+            <p:nvSpPr>
+              <p:cNvPr id="19" name="文本框 18">
+                <a:extLst>
+                  <a:ext uri="{FF2B5EF4-FFF2-40B4-BE49-F238E27FC236}">
+                    <a16:creationId xmlns:a16="http://schemas.microsoft.com/office/drawing/2014/main" id="{A2FDAD8D-7A3D-4390-B5F6-C84A4F70739E}"/>
+                  </a:ext>
+                </a:extLst>
+              </p:cNvPr>
+              <p:cNvSpPr txBox="1"/>
+              <p:nvPr/>
+            </p:nvSpPr>
+            <p:spPr>
+              <a:xfrm>
+                <a:off x="947420" y="1621766"/>
+                <a:ext cx="4366452" cy="2929135"/>
+              </a:xfrm>
+              <a:prstGeom prst="rect">
+                <a:avLst/>
+              </a:prstGeom>
+              <a:noFill/>
+            </p:spPr>
+            <p:txBody>
+              <a:bodyPr wrap="square" rtlCol="0">
+                <a:spAutoFit/>
+              </a:bodyPr>
+              <a:lstStyle/>
+              <a:p>
+                <a:r>
+                  <a:rPr lang="zh-CN" altLang="en-US" dirty="0"/>
+                  <a:t>时间复杂度：</a:t>
+                </a:r>
+                <a:endParaRPr lang="en-US" altLang="zh-CN" dirty="0"/>
+              </a:p>
+              <a:p>
+                <a:r>
+                  <a:rPr lang="en-US" altLang="zh-CN" dirty="0"/>
+                  <a:t>(1)</a:t>
+                </a:r>
+                <a:r>
+                  <a:rPr lang="zh-CN" altLang="zh-CN" sz="1800" kern="100" dirty="0">
+                    <a:effectLst/>
+                    <a:latin typeface="Times New Roman" panose="02020603050405020304" pitchFamily="18" charset="0"/>
+                    <a:ea typeface="宋体" panose="02010600030101010101" pitchFamily="2" charset="-122"/>
+                    <a:cs typeface="Times New Roman" panose="02020603050405020304" pitchFamily="18" charset="0"/>
+                  </a:rPr>
+                  <a:t>在函数</a:t>
+                </a:r>
+                <a:r>
+                  <a:rPr lang="en-US" altLang="zh-CN" sz="1800" kern="100" dirty="0" err="1">
+                    <a:effectLst/>
+                    <a:latin typeface="宋体" panose="02010600030101010101" pitchFamily="2" charset="-122"/>
+                    <a:cs typeface="Times New Roman" panose="02020603050405020304" pitchFamily="18" charset="0"/>
+                  </a:rPr>
+                  <a:t>get_candidate</a:t>
+                </a:r>
+                <a:r>
+                  <a:rPr lang="zh-CN" altLang="zh-CN" sz="1800" kern="100" dirty="0">
+                    <a:effectLst/>
+                    <a:ea typeface="宋体" panose="02010600030101010101" pitchFamily="2" charset="-122"/>
+                    <a:cs typeface="Times New Roman" panose="02020603050405020304" pitchFamily="18" charset="0"/>
+                  </a:rPr>
+                  <a:t>中，获得候选</a:t>
+                </a:r>
+                <a:r>
+                  <a:rPr lang="en-US" altLang="zh-CN" sz="1800" kern="100" dirty="0">
+                    <a:effectLst/>
+                    <a:ea typeface="宋体" panose="02010600030101010101" pitchFamily="2" charset="-122"/>
+                    <a:cs typeface="Times New Roman" panose="02020603050405020304" pitchFamily="18" charset="0"/>
+                  </a:rPr>
+                  <a:t>k</a:t>
+                </a:r>
+                <a:r>
+                  <a:rPr lang="zh-CN" altLang="zh-CN" sz="1800" kern="100" dirty="0">
+                    <a:effectLst/>
+                    <a:ea typeface="宋体" panose="02010600030101010101" pitchFamily="2" charset="-122"/>
+                    <a:cs typeface="Times New Roman" panose="02020603050405020304" pitchFamily="18" charset="0"/>
+                  </a:rPr>
+                  <a:t>项集</a:t>
+                </a:r>
+                <a:r>
+                  <a:rPr lang="en-US" altLang="zh-CN" sz="1800" kern="100" dirty="0">
+                    <a:effectLst/>
+                    <a:ea typeface="宋体" panose="02010600030101010101" pitchFamily="2" charset="-122"/>
+                    <a:cs typeface="Times New Roman" panose="02020603050405020304" pitchFamily="18" charset="0"/>
+                  </a:rPr>
+                  <a:t>(k&gt;1)</a:t>
+                </a:r>
+                <a:r>
+                  <a:rPr lang="zh-CN" altLang="zh-CN" sz="1800" kern="100" dirty="0">
+                    <a:effectLst/>
+                    <a:ea typeface="宋体" panose="02010600030101010101" pitchFamily="2" charset="-122"/>
+                    <a:cs typeface="Times New Roman" panose="02020603050405020304" pitchFamily="18" charset="0"/>
+                  </a:rPr>
+                  <a:t>，</a:t>
+                </a:r>
+                <a:r>
+                  <a:rPr lang="zh-CN" altLang="zh-CN" sz="1800" kern="100" dirty="0">
+                    <a:effectLst/>
+                    <a:latin typeface="Times New Roman" panose="02020603050405020304" pitchFamily="18" charset="0"/>
+                    <a:ea typeface="宋体" panose="02010600030101010101" pitchFamily="2" charset="-122"/>
+                    <a:cs typeface="Times New Roman" panose="02020603050405020304" pitchFamily="18" charset="0"/>
+                  </a:rPr>
+                  <a:t>需要嵌套循环遍历三次数据集，因此时间复杂度为：</a:t>
+                </a:r>
+                <a14:m>
+                  <m:oMath xmlns:m="http://schemas.openxmlformats.org/officeDocument/2006/math">
+                    <m:r>
+                      <a:rPr lang="en-US" altLang="zh-CN" sz="1800" b="0" i="1" kern="100" smtClean="0">
+                        <a:effectLst/>
+                        <a:latin typeface="Cambria Math" panose="02040503050406030204" pitchFamily="18" charset="0"/>
+                        <a:ea typeface="宋体" panose="02010600030101010101" pitchFamily="2" charset="-122"/>
+                        <a:cs typeface="Times New Roman" panose="02020603050405020304" pitchFamily="18" charset="0"/>
+                      </a:rPr>
+                      <m:t>𝑂</m:t>
+                    </m:r>
+                    <m:r>
+                      <a:rPr lang="en-US" altLang="zh-CN" sz="1800" b="0" i="1" kern="100" smtClean="0">
+                        <a:effectLst/>
+                        <a:latin typeface="Cambria Math" panose="02040503050406030204" pitchFamily="18" charset="0"/>
+                        <a:ea typeface="宋体" panose="02010600030101010101" pitchFamily="2" charset="-122"/>
+                        <a:cs typeface="Times New Roman" panose="02020603050405020304" pitchFamily="18" charset="0"/>
+                      </a:rPr>
+                      <m:t>(</m:t>
+                    </m:r>
+                    <m:sSup>
+                      <m:sSupPr>
+                        <m:ctrlPr>
+                          <a:rPr lang="en-US" altLang="zh-CN" sz="1800" b="0" i="1" kern="100" smtClean="0">
+                            <a:effectLst/>
+                            <a:latin typeface="Cambria Math" panose="02040503050406030204" pitchFamily="18" charset="0"/>
+                            <a:ea typeface="宋体" panose="02010600030101010101" pitchFamily="2" charset="-122"/>
+                            <a:cs typeface="Times New Roman" panose="02020603050405020304" pitchFamily="18" charset="0"/>
+                          </a:rPr>
+                        </m:ctrlPr>
+                      </m:sSupPr>
+                      <m:e>
+                        <m:r>
+                          <a:rPr lang="en-US" altLang="zh-CN" sz="1800" b="0" i="1" kern="100" smtClean="0">
+                            <a:effectLst/>
+                            <a:latin typeface="Cambria Math" panose="02040503050406030204" pitchFamily="18" charset="0"/>
+                            <a:ea typeface="宋体" panose="02010600030101010101" pitchFamily="2" charset="-122"/>
+                            <a:cs typeface="Times New Roman" panose="02020603050405020304" pitchFamily="18" charset="0"/>
+                          </a:rPr>
+                          <m:t>𝑛</m:t>
+                        </m:r>
+                      </m:e>
+                      <m:sup>
+                        <m:r>
+                          <a:rPr lang="en-US" altLang="zh-CN" sz="1800" b="0" i="1" kern="100" smtClean="0">
+                            <a:effectLst/>
+                            <a:latin typeface="Cambria Math" panose="02040503050406030204" pitchFamily="18" charset="0"/>
+                            <a:ea typeface="宋体" panose="02010600030101010101" pitchFamily="2" charset="-122"/>
+                            <a:cs typeface="Times New Roman" panose="02020603050405020304" pitchFamily="18" charset="0"/>
+                          </a:rPr>
+                          <m:t>3</m:t>
+                        </m:r>
+                      </m:sup>
+                    </m:sSup>
+                    <m:r>
+                      <a:rPr lang="en-US" altLang="zh-CN" sz="1800" b="0" i="1" kern="100" smtClean="0">
+                        <a:effectLst/>
+                        <a:latin typeface="Cambria Math" panose="02040503050406030204" pitchFamily="18" charset="0"/>
+                        <a:ea typeface="宋体" panose="02010600030101010101" pitchFamily="2" charset="-122"/>
+                        <a:cs typeface="Times New Roman" panose="02020603050405020304" pitchFamily="18" charset="0"/>
+                      </a:rPr>
+                      <m:t>)</m:t>
+                    </m:r>
+                  </m:oMath>
+                </a14:m>
+                <a:endParaRPr lang="en-US" altLang="zh-CN" dirty="0"/>
+              </a:p>
+              <a:p>
+                <a:r>
+                  <a:rPr lang="en-US" altLang="zh-CN" dirty="0"/>
+                  <a:t>(2)</a:t>
+                </a:r>
+                <a:r>
+                  <a:rPr lang="zh-CN" altLang="zh-CN" sz="1800" kern="100" dirty="0">
+                    <a:effectLst/>
+                    <a:latin typeface="Times New Roman" panose="02020603050405020304" pitchFamily="18" charset="0"/>
+                    <a:ea typeface="宋体" panose="02010600030101010101" pitchFamily="2" charset="-122"/>
+                    <a:cs typeface="Times New Roman" panose="02020603050405020304" pitchFamily="18" charset="0"/>
+                  </a:rPr>
+                  <a:t>在</a:t>
+                </a:r>
+                <a:r>
+                  <a:rPr lang="zh-CN" altLang="zh-CN" sz="1800" kern="100" dirty="0">
+                    <a:effectLst/>
+                    <a:ea typeface="宋体" panose="02010600030101010101" pitchFamily="2" charset="-122"/>
+                    <a:cs typeface="Times New Roman" panose="02020603050405020304" pitchFamily="18" charset="0"/>
+                  </a:rPr>
+                  <a:t>函数</a:t>
+                </a:r>
+                <a:r>
+                  <a:rPr lang="en-US" altLang="zh-CN" sz="1800" kern="100" dirty="0" err="1">
+                    <a:effectLst/>
+                    <a:ea typeface="宋体" panose="02010600030101010101" pitchFamily="2" charset="-122"/>
+                    <a:cs typeface="Times New Roman" panose="02020603050405020304" pitchFamily="18" charset="0"/>
+                  </a:rPr>
+                  <a:t>get_frequent_item</a:t>
+                </a:r>
+                <a:r>
+                  <a:rPr lang="zh-CN" altLang="zh-CN" sz="1800" kern="100" dirty="0">
+                    <a:effectLst/>
+                    <a:ea typeface="宋体" panose="02010600030101010101" pitchFamily="2" charset="-122"/>
+                    <a:cs typeface="Times New Roman" panose="02020603050405020304" pitchFamily="18" charset="0"/>
+                  </a:rPr>
+                  <a:t>中，获得频繁</a:t>
+                </a:r>
+                <a:r>
+                  <a:rPr lang="en-US" altLang="zh-CN" sz="1800" kern="100" dirty="0">
+                    <a:effectLst/>
+                    <a:ea typeface="宋体" panose="02010600030101010101" pitchFamily="2" charset="-122"/>
+                    <a:cs typeface="Times New Roman" panose="02020603050405020304" pitchFamily="18" charset="0"/>
+                  </a:rPr>
+                  <a:t>k</a:t>
+                </a:r>
+                <a:r>
+                  <a:rPr lang="zh-CN" altLang="zh-CN" sz="1800" kern="100" dirty="0">
+                    <a:effectLst/>
+                    <a:ea typeface="宋体" panose="02010600030101010101" pitchFamily="2" charset="-122"/>
+                    <a:cs typeface="Times New Roman" panose="02020603050405020304" pitchFamily="18" charset="0"/>
+                  </a:rPr>
+                  <a:t>项</a:t>
+                </a:r>
+                <a:r>
+                  <a:rPr lang="zh-CN" altLang="zh-CN" sz="1800" kern="100" dirty="0">
+                    <a:effectLst/>
+                    <a:latin typeface="Times New Roman" panose="02020603050405020304" pitchFamily="18" charset="0"/>
+                    <a:ea typeface="宋体" panose="02010600030101010101" pitchFamily="2" charset="-122"/>
+                    <a:cs typeface="Times New Roman" panose="02020603050405020304" pitchFamily="18" charset="0"/>
+                  </a:rPr>
+                  <a:t>集，需要嵌套循环两次，因此时间复杂度为：</a:t>
+                </a:r>
+                <a14:m>
+                  <m:oMath xmlns:m="http://schemas.openxmlformats.org/officeDocument/2006/math">
+                    <m:r>
+                      <a:rPr lang="en-US" altLang="zh-CN" sz="1800" b="0" i="1" kern="100" smtClean="0">
+                        <a:effectLst/>
+                        <a:latin typeface="Cambria Math" panose="02040503050406030204" pitchFamily="18" charset="0"/>
+                        <a:ea typeface="宋体" panose="02010600030101010101" pitchFamily="2" charset="-122"/>
+                        <a:cs typeface="Times New Roman" panose="02020603050405020304" pitchFamily="18" charset="0"/>
+                      </a:rPr>
+                      <m:t>𝑂</m:t>
+                    </m:r>
+                    <m:r>
+                      <a:rPr lang="en-US" altLang="zh-CN" sz="1800" b="0" i="1" kern="100" smtClean="0">
+                        <a:effectLst/>
+                        <a:latin typeface="Cambria Math" panose="02040503050406030204" pitchFamily="18" charset="0"/>
+                        <a:ea typeface="宋体" panose="02010600030101010101" pitchFamily="2" charset="-122"/>
+                        <a:cs typeface="Times New Roman" panose="02020603050405020304" pitchFamily="18" charset="0"/>
+                      </a:rPr>
+                      <m:t>(</m:t>
+                    </m:r>
+                    <m:sSup>
+                      <m:sSupPr>
+                        <m:ctrlPr>
+                          <a:rPr lang="en-US" altLang="zh-CN" sz="1800" b="0" i="1" kern="100" smtClean="0">
+                            <a:effectLst/>
+                            <a:latin typeface="Cambria Math" panose="02040503050406030204" pitchFamily="18" charset="0"/>
+                            <a:ea typeface="宋体" panose="02010600030101010101" pitchFamily="2" charset="-122"/>
+                            <a:cs typeface="Times New Roman" panose="02020603050405020304" pitchFamily="18" charset="0"/>
+                          </a:rPr>
+                        </m:ctrlPr>
+                      </m:sSupPr>
+                      <m:e>
+                        <m:r>
+                          <a:rPr lang="en-US" altLang="zh-CN" sz="1800" b="0" i="1" kern="100" smtClean="0">
+                            <a:effectLst/>
+                            <a:latin typeface="Cambria Math" panose="02040503050406030204" pitchFamily="18" charset="0"/>
+                            <a:ea typeface="宋体" panose="02010600030101010101" pitchFamily="2" charset="-122"/>
+                            <a:cs typeface="Times New Roman" panose="02020603050405020304" pitchFamily="18" charset="0"/>
+                          </a:rPr>
+                          <m:t>𝑛</m:t>
+                        </m:r>
+                      </m:e>
+                      <m:sup>
+                        <m:r>
+                          <a:rPr lang="en-US" altLang="zh-CN" sz="1800" b="0" i="1" kern="100" smtClean="0">
+                            <a:effectLst/>
+                            <a:latin typeface="Cambria Math" panose="02040503050406030204" pitchFamily="18" charset="0"/>
+                            <a:ea typeface="宋体" panose="02010600030101010101" pitchFamily="2" charset="-122"/>
+                            <a:cs typeface="Times New Roman" panose="02020603050405020304" pitchFamily="18" charset="0"/>
+                          </a:rPr>
+                          <m:t>2</m:t>
+                        </m:r>
+                      </m:sup>
+                    </m:sSup>
+                    <m:r>
+                      <a:rPr lang="en-US" altLang="zh-CN" sz="1800" b="0" i="1" kern="100" smtClean="0">
+                        <a:effectLst/>
+                        <a:latin typeface="Cambria Math" panose="02040503050406030204" pitchFamily="18" charset="0"/>
+                        <a:ea typeface="宋体" panose="02010600030101010101" pitchFamily="2" charset="-122"/>
+                        <a:cs typeface="Times New Roman" panose="02020603050405020304" pitchFamily="18" charset="0"/>
+                      </a:rPr>
+                      <m:t>)</m:t>
+                    </m:r>
+                  </m:oMath>
+                </a14:m>
+                <a:endParaRPr lang="en-US" altLang="zh-CN" dirty="0"/>
+              </a:p>
+              <a:p>
+                <a:r>
+                  <a:rPr lang="zh-CN" altLang="zh-CN" sz="1800" kern="100" dirty="0">
+                    <a:effectLst/>
+                    <a:latin typeface="Times New Roman" panose="02020603050405020304" pitchFamily="18" charset="0"/>
+                    <a:ea typeface="宋体" panose="02010600030101010101" pitchFamily="2" charset="-122"/>
+                  </a:rPr>
+                  <a:t>在主函数</a:t>
+                </a:r>
+                <a:r>
+                  <a:rPr lang="en-US" altLang="zh-CN" sz="1800" kern="100" dirty="0" err="1">
+                    <a:effectLst/>
+                    <a:latin typeface="Times New Roman" panose="02020603050405020304" pitchFamily="18" charset="0"/>
+                    <a:ea typeface="宋体" panose="02010600030101010101" pitchFamily="2" charset="-122"/>
+                  </a:rPr>
+                  <a:t>Apriori</a:t>
+                </a:r>
+                <a:r>
+                  <a:rPr lang="zh-CN" altLang="zh-CN" sz="1800" kern="100" dirty="0">
+                    <a:effectLst/>
+                    <a:latin typeface="Times New Roman" panose="02020603050405020304" pitchFamily="18" charset="0"/>
+                    <a:ea typeface="宋体" panose="02010600030101010101" pitchFamily="2" charset="-122"/>
+                  </a:rPr>
+                  <a:t>中，循环</a:t>
+                </a:r>
+                <a:r>
+                  <a:rPr lang="en-US" altLang="zh-CN" sz="1800" kern="100" dirty="0">
+                    <a:effectLst/>
+                    <a:latin typeface="Times New Roman" panose="02020603050405020304" pitchFamily="18" charset="0"/>
+                    <a:ea typeface="宋体" panose="02010600030101010101" pitchFamily="2" charset="-122"/>
+                  </a:rPr>
+                  <a:t>n</a:t>
+                </a:r>
+                <a:r>
+                  <a:rPr lang="zh-CN" altLang="zh-CN" sz="1800" kern="100" dirty="0">
+                    <a:effectLst/>
+                    <a:latin typeface="Times New Roman" panose="02020603050405020304" pitchFamily="18" charset="0"/>
+                    <a:ea typeface="宋体" panose="02010600030101010101" pitchFamily="2" charset="-122"/>
+                  </a:rPr>
+                  <a:t>次调用</a:t>
+                </a:r>
+                <a:r>
+                  <a:rPr lang="en-US" altLang="zh-CN" sz="1800" kern="100" dirty="0" err="1">
+                    <a:effectLst/>
+                    <a:latin typeface="Times New Roman" panose="02020603050405020304" pitchFamily="18" charset="0"/>
+                    <a:ea typeface="宋体" panose="02010600030101010101" pitchFamily="2" charset="-122"/>
+                  </a:rPr>
+                  <a:t>get_candidate</a:t>
+                </a:r>
+                <a:r>
+                  <a:rPr lang="zh-CN" altLang="zh-CN" sz="1800" kern="100" dirty="0">
+                    <a:effectLst/>
+                    <a:latin typeface="Times New Roman" panose="02020603050405020304" pitchFamily="18" charset="0"/>
+                    <a:ea typeface="宋体" panose="02010600030101010101" pitchFamily="2" charset="-122"/>
+                  </a:rPr>
+                  <a:t>、</a:t>
+                </a:r>
+                <a:r>
+                  <a:rPr lang="en-US" altLang="zh-CN" sz="1800" kern="100" dirty="0" err="1">
+                    <a:effectLst/>
+                    <a:latin typeface="Times New Roman" panose="02020603050405020304" pitchFamily="18" charset="0"/>
+                    <a:ea typeface="宋体" panose="02010600030101010101" pitchFamily="2" charset="-122"/>
+                  </a:rPr>
+                  <a:t>get_frequent_item</a:t>
+                </a:r>
+                <a:r>
+                  <a:rPr lang="zh-CN" altLang="zh-CN" sz="1800" kern="100" dirty="0">
+                    <a:effectLst/>
+                    <a:latin typeface="Times New Roman" panose="02020603050405020304" pitchFamily="18" charset="0"/>
+                    <a:ea typeface="宋体" panose="02010600030101010101" pitchFamily="2" charset="-122"/>
+                  </a:rPr>
+                  <a:t>，所以综合分析故其时间复杂度为：</a:t>
+                </a:r>
+                <a14:m>
+                  <m:oMath xmlns:m="http://schemas.openxmlformats.org/officeDocument/2006/math">
+                    <m:r>
+                      <a:rPr lang="en-US" altLang="zh-CN" sz="1800" b="0" i="1" kern="100" smtClean="0">
+                        <a:effectLst/>
+                        <a:latin typeface="Cambria Math" panose="02040503050406030204" pitchFamily="18" charset="0"/>
+                        <a:ea typeface="宋体" panose="02010600030101010101" pitchFamily="2" charset="-122"/>
+                      </a:rPr>
+                      <m:t>𝑂</m:t>
+                    </m:r>
+                    <m:r>
+                      <a:rPr lang="en-US" altLang="zh-CN" sz="1800" b="0" i="1" kern="100" smtClean="0">
+                        <a:effectLst/>
+                        <a:latin typeface="Cambria Math" panose="02040503050406030204" pitchFamily="18" charset="0"/>
+                        <a:ea typeface="宋体" panose="02010600030101010101" pitchFamily="2" charset="-122"/>
+                      </a:rPr>
+                      <m:t>(</m:t>
+                    </m:r>
+                    <m:sSup>
+                      <m:sSupPr>
+                        <m:ctrlPr>
+                          <a:rPr lang="en-US" altLang="zh-CN" sz="1800" b="0" i="1" kern="100" smtClean="0">
+                            <a:effectLst/>
+                            <a:latin typeface="Cambria Math" panose="02040503050406030204" pitchFamily="18" charset="0"/>
+                            <a:ea typeface="宋体" panose="02010600030101010101" pitchFamily="2" charset="-122"/>
+                          </a:rPr>
+                        </m:ctrlPr>
+                      </m:sSupPr>
+                      <m:e>
+                        <m:r>
+                          <a:rPr lang="en-US" altLang="zh-CN" sz="1800" b="0" i="1" kern="100" smtClean="0">
+                            <a:effectLst/>
+                            <a:latin typeface="Cambria Math" panose="02040503050406030204" pitchFamily="18" charset="0"/>
+                            <a:ea typeface="宋体" panose="02010600030101010101" pitchFamily="2" charset="-122"/>
+                          </a:rPr>
+                          <m:t>𝑛</m:t>
+                        </m:r>
+                      </m:e>
+                      <m:sup>
+                        <m:r>
+                          <a:rPr lang="en-US" altLang="zh-CN" sz="1800" b="0" i="1" kern="100" smtClean="0">
+                            <a:effectLst/>
+                            <a:latin typeface="Cambria Math" panose="02040503050406030204" pitchFamily="18" charset="0"/>
+                            <a:ea typeface="宋体" panose="02010600030101010101" pitchFamily="2" charset="-122"/>
+                          </a:rPr>
+                          <m:t>4</m:t>
+                        </m:r>
+                      </m:sup>
+                    </m:sSup>
+                    <m:r>
+                      <a:rPr lang="en-US" altLang="zh-CN" sz="1800" b="0" i="1" kern="100" smtClean="0">
+                        <a:effectLst/>
+                        <a:latin typeface="Cambria Math" panose="02040503050406030204" pitchFamily="18" charset="0"/>
+                        <a:ea typeface="宋体" panose="02010600030101010101" pitchFamily="2" charset="-122"/>
+                      </a:rPr>
+                      <m:t>)</m:t>
+                    </m:r>
+                  </m:oMath>
+                </a14:m>
+                <a:endParaRPr lang="zh-CN" altLang="zh-CN" sz="1800" kern="100" dirty="0">
+                  <a:effectLst/>
+                  <a:latin typeface="Times New Roman" panose="02020603050405020304" pitchFamily="18" charset="0"/>
+                  <a:ea typeface="宋体" panose="02010600030101010101" pitchFamily="2" charset="-122"/>
+                </a:endParaRPr>
+              </a:p>
+            </p:txBody>
+          </p:sp>
+        </mc:Choice>
+        <mc:Fallback>
+          <p:sp>
+            <p:nvSpPr>
+              <p:cNvPr id="19" name="文本框 18">
+                <a:extLst>
+                  <a:ext uri="{FF2B5EF4-FFF2-40B4-BE49-F238E27FC236}">
+                    <a16:creationId xmlns:a16="http://schemas.microsoft.com/office/drawing/2014/main" id="{A2FDAD8D-7A3D-4390-B5F6-C84A4F70739E}"/>
+                  </a:ext>
+                </a:extLst>
+              </p:cNvPr>
+              <p:cNvSpPr txBox="1">
+                <a:spLocks noRot="1" noChangeAspect="1" noMove="1" noResize="1" noEditPoints="1" noAdjustHandles="1" noChangeArrowheads="1" noChangeShapeType="1" noTextEdit="1"/>
+              </p:cNvSpPr>
+              <p:nvPr/>
+            </p:nvSpPr>
+            <p:spPr>
+              <a:xfrm>
+                <a:off x="947420" y="1621766"/>
+                <a:ext cx="4366452" cy="2929135"/>
+              </a:xfrm>
+              <a:prstGeom prst="rect">
+                <a:avLst/>
+              </a:prstGeom>
+              <a:blipFill>
+                <a:blip r:embed="rId4"/>
+                <a:stretch>
+                  <a:fillRect l="-1116" t="-1040" r="-1116"/>
+                </a:stretch>
+              </a:blipFill>
+            </p:spPr>
+            <p:txBody>
+              <a:bodyPr/>
+              <a:lstStyle/>
+              <a:p>
+                <a:r>
+                  <a:rPr lang="zh-CN" altLang="en-US">
+                    <a:noFill/>
+                  </a:rPr>
+                  <a:t> </a:t>
+                </a:r>
+              </a:p>
+            </p:txBody>
+          </p:sp>
+        </mc:Fallback>
+      </mc:AlternateContent>
+      <mc:AlternateContent xmlns:mc="http://schemas.openxmlformats.org/markup-compatibility/2006">
+        <mc:Choice xmlns:a14="http://schemas.microsoft.com/office/drawing/2010/main" Requires="a14">
+          <p:sp>
+            <p:nvSpPr>
+              <p:cNvPr id="20" name="文本框 19">
+                <a:extLst>
+                  <a:ext uri="{FF2B5EF4-FFF2-40B4-BE49-F238E27FC236}">
+                    <a16:creationId xmlns:a16="http://schemas.microsoft.com/office/drawing/2014/main" id="{F5A996C4-AEC1-4DCB-9703-60F614769BFC}"/>
+                  </a:ext>
+                </a:extLst>
+              </p:cNvPr>
+              <p:cNvSpPr txBox="1"/>
+              <p:nvPr/>
+            </p:nvSpPr>
+            <p:spPr>
+              <a:xfrm>
+                <a:off x="6096000" y="1621766"/>
+                <a:ext cx="4366452" cy="1477328"/>
+              </a:xfrm>
+              <a:prstGeom prst="rect">
+                <a:avLst/>
+              </a:prstGeom>
+              <a:noFill/>
+            </p:spPr>
+            <p:txBody>
+              <a:bodyPr wrap="square" rtlCol="0">
+                <a:spAutoFit/>
+              </a:bodyPr>
+              <a:lstStyle/>
+              <a:p>
+                <a:r>
+                  <a:rPr lang="zh-CN" altLang="en-US" dirty="0"/>
+                  <a:t>空间复杂度：</a:t>
+                </a:r>
+                <a:endParaRPr lang="en-US" altLang="zh-CN" dirty="0"/>
+              </a:p>
+              <a:p>
+                <a:r>
+                  <a:rPr lang="zh-CN" altLang="zh-CN" sz="1800" kern="100" dirty="0">
+                    <a:effectLst/>
+                    <a:latin typeface="Times New Roman" panose="02020603050405020304" pitchFamily="18" charset="0"/>
+                    <a:ea typeface="宋体" panose="02010600030101010101" pitchFamily="2" charset="-122"/>
+                  </a:rPr>
+                  <a:t>在主函数</a:t>
+                </a:r>
+                <a:r>
+                  <a:rPr lang="en-US" altLang="zh-CN" sz="1800" kern="100" dirty="0" err="1">
+                    <a:effectLst/>
+                    <a:latin typeface="Times New Roman" panose="02020603050405020304" pitchFamily="18" charset="0"/>
+                    <a:ea typeface="宋体" panose="02010600030101010101" pitchFamily="2" charset="-122"/>
+                  </a:rPr>
+                  <a:t>Aprioir</a:t>
+                </a:r>
+                <a:r>
+                  <a:rPr lang="zh-CN" altLang="zh-CN" sz="1800" kern="100" dirty="0">
+                    <a:effectLst/>
+                    <a:latin typeface="Times New Roman" panose="02020603050405020304" pitchFamily="18" charset="0"/>
+                    <a:ea typeface="宋体" panose="02010600030101010101" pitchFamily="2" charset="-122"/>
+                  </a:rPr>
+                  <a:t>中每次循环产生</a:t>
+                </a:r>
+                <a:r>
+                  <a:rPr lang="en-US" altLang="zh-CN" sz="1800" kern="100" dirty="0">
+                    <a:effectLst/>
+                    <a:latin typeface="Times New Roman" panose="02020603050405020304" pitchFamily="18" charset="0"/>
+                    <a:ea typeface="宋体" panose="02010600030101010101" pitchFamily="2" charset="-122"/>
+                  </a:rPr>
+                  <a:t>3n</a:t>
+                </a:r>
+                <a:r>
+                  <a:rPr lang="zh-CN" altLang="zh-CN" sz="1800" kern="100" dirty="0">
+                    <a:effectLst/>
+                    <a:latin typeface="Times New Roman" panose="02020603050405020304" pitchFamily="18" charset="0"/>
+                    <a:ea typeface="宋体" panose="02010600030101010101" pitchFamily="2" charset="-122"/>
+                  </a:rPr>
+                  <a:t>的额外空间，分别为，存放</a:t>
+                </a:r>
+                <a:r>
+                  <a:rPr lang="en-US" altLang="zh-CN" sz="1800" kern="100" dirty="0">
+                    <a:effectLst/>
+                    <a:latin typeface="Times New Roman" panose="02020603050405020304" pitchFamily="18" charset="0"/>
+                    <a:ea typeface="宋体" panose="02010600030101010101" pitchFamily="2" charset="-122"/>
+                  </a:rPr>
+                  <a:t>Ck</a:t>
+                </a:r>
+                <a:r>
+                  <a:rPr lang="zh-CN" altLang="zh-CN" sz="1800" kern="100" dirty="0">
+                    <a:effectLst/>
+                    <a:latin typeface="Times New Roman" panose="02020603050405020304" pitchFamily="18" charset="0"/>
+                    <a:ea typeface="宋体" panose="02010600030101010101" pitchFamily="2" charset="-122"/>
+                  </a:rPr>
+                  <a:t>，</a:t>
+                </a:r>
+                <a:r>
+                  <a:rPr lang="en-US" altLang="zh-CN" sz="1800" kern="100" dirty="0">
+                    <a:effectLst/>
+                    <a:latin typeface="Times New Roman" panose="02020603050405020304" pitchFamily="18" charset="0"/>
+                    <a:ea typeface="宋体" panose="02010600030101010101" pitchFamily="2" charset="-122"/>
+                  </a:rPr>
+                  <a:t>Lk</a:t>
+                </a:r>
+                <a:r>
+                  <a:rPr lang="zh-CN" altLang="zh-CN" sz="1800" kern="100" dirty="0">
+                    <a:effectLst/>
+                    <a:latin typeface="Times New Roman" panose="02020603050405020304" pitchFamily="18" charset="0"/>
+                    <a:ea typeface="宋体" panose="02010600030101010101" pitchFamily="2" charset="-122"/>
+                  </a:rPr>
+                  <a:t>的字典和存放项集的</a:t>
+                </a:r>
+                <a:r>
+                  <a:rPr lang="en-US" altLang="zh-CN" sz="1800" kern="100" dirty="0" err="1">
+                    <a:effectLst/>
+                    <a:latin typeface="Times New Roman" panose="02020603050405020304" pitchFamily="18" charset="0"/>
+                    <a:ea typeface="宋体" panose="02010600030101010101" pitchFamily="2" charset="-122"/>
+                  </a:rPr>
+                  <a:t>Fk</a:t>
+                </a:r>
+                <a:r>
+                  <a:rPr lang="zh-CN" altLang="zh-CN" sz="1800" kern="100" dirty="0">
+                    <a:effectLst/>
+                    <a:latin typeface="Times New Roman" panose="02020603050405020304" pitchFamily="18" charset="0"/>
+                    <a:ea typeface="宋体" panose="02010600030101010101" pitchFamily="2" charset="-122"/>
+                  </a:rPr>
+                  <a:t>集合，所以，</a:t>
+                </a:r>
+                <a:r>
+                  <a:rPr lang="en-US" altLang="zh-CN" sz="1800" kern="100" dirty="0" err="1">
+                    <a:effectLst/>
+                    <a:latin typeface="Times New Roman" panose="02020603050405020304" pitchFamily="18" charset="0"/>
+                    <a:ea typeface="宋体" panose="02010600030101010101" pitchFamily="2" charset="-122"/>
+                  </a:rPr>
+                  <a:t>Apriori</a:t>
+                </a:r>
+                <a:r>
+                  <a:rPr lang="zh-CN" altLang="zh-CN" sz="1800" kern="100" dirty="0">
+                    <a:effectLst/>
+                    <a:latin typeface="Times New Roman" panose="02020603050405020304" pitchFamily="18" charset="0"/>
+                    <a:ea typeface="宋体" panose="02010600030101010101" pitchFamily="2" charset="-122"/>
+                  </a:rPr>
+                  <a:t>算法的空间复杂度为：</a:t>
+                </a:r>
+                <a14:m>
+                  <m:oMath xmlns:m="http://schemas.openxmlformats.org/officeDocument/2006/math">
+                    <m:r>
+                      <a:rPr lang="en-US" altLang="zh-CN" sz="1800" b="0" i="1" kern="100" smtClean="0">
+                        <a:effectLst/>
+                        <a:latin typeface="Cambria Math" panose="02040503050406030204" pitchFamily="18" charset="0"/>
+                        <a:ea typeface="宋体" panose="02010600030101010101" pitchFamily="2" charset="-122"/>
+                        <a:cs typeface="Times New Roman" panose="02020603050405020304" pitchFamily="18" charset="0"/>
+                      </a:rPr>
+                      <m:t>𝑂</m:t>
+                    </m:r>
+                    <m:r>
+                      <a:rPr lang="en-US" altLang="zh-CN" sz="1800" b="0" i="1" kern="100" smtClean="0">
+                        <a:effectLst/>
+                        <a:latin typeface="Cambria Math" panose="02040503050406030204" pitchFamily="18" charset="0"/>
+                        <a:ea typeface="宋体" panose="02010600030101010101" pitchFamily="2" charset="-122"/>
+                        <a:cs typeface="Times New Roman" panose="02020603050405020304" pitchFamily="18" charset="0"/>
+                      </a:rPr>
+                      <m:t>(</m:t>
+                    </m:r>
+                    <m:sSup>
+                      <m:sSupPr>
+                        <m:ctrlPr>
+                          <a:rPr lang="en-US" altLang="zh-CN" sz="1800" b="0" i="1" kern="100" smtClean="0">
+                            <a:effectLst/>
+                            <a:latin typeface="Cambria Math" panose="02040503050406030204" pitchFamily="18" charset="0"/>
+                            <a:ea typeface="宋体" panose="02010600030101010101" pitchFamily="2" charset="-122"/>
+                            <a:cs typeface="Times New Roman" panose="02020603050405020304" pitchFamily="18" charset="0"/>
+                          </a:rPr>
+                        </m:ctrlPr>
+                      </m:sSupPr>
+                      <m:e>
+                        <m:r>
+                          <a:rPr lang="en-US" altLang="zh-CN" sz="1800" b="0" i="1" kern="100" smtClean="0">
+                            <a:effectLst/>
+                            <a:latin typeface="Cambria Math" panose="02040503050406030204" pitchFamily="18" charset="0"/>
+                            <a:ea typeface="宋体" panose="02010600030101010101" pitchFamily="2" charset="-122"/>
+                            <a:cs typeface="Times New Roman" panose="02020603050405020304" pitchFamily="18" charset="0"/>
+                          </a:rPr>
+                          <m:t>𝑛</m:t>
+                        </m:r>
+                      </m:e>
+                      <m:sup>
+                        <m:r>
+                          <a:rPr lang="en-US" altLang="zh-CN" sz="1800" b="0" i="1" kern="100" smtClean="0">
+                            <a:effectLst/>
+                            <a:latin typeface="Cambria Math" panose="02040503050406030204" pitchFamily="18" charset="0"/>
+                            <a:ea typeface="宋体" panose="02010600030101010101" pitchFamily="2" charset="-122"/>
+                            <a:cs typeface="Times New Roman" panose="02020603050405020304" pitchFamily="18" charset="0"/>
+                          </a:rPr>
+                          <m:t>2</m:t>
+                        </m:r>
+                      </m:sup>
+                    </m:sSup>
+                    <m:r>
+                      <a:rPr lang="en-US" altLang="zh-CN" sz="1800" b="0" i="1" kern="100" smtClean="0">
+                        <a:effectLst/>
+                        <a:latin typeface="Cambria Math" panose="02040503050406030204" pitchFamily="18" charset="0"/>
+                        <a:ea typeface="宋体" panose="02010600030101010101" pitchFamily="2" charset="-122"/>
+                        <a:cs typeface="Times New Roman" panose="02020603050405020304" pitchFamily="18" charset="0"/>
+                      </a:rPr>
+                      <m:t>)</m:t>
+                    </m:r>
+                  </m:oMath>
+                </a14:m>
+                <a:endParaRPr lang="en-US" altLang="zh-CN" dirty="0"/>
+              </a:p>
+            </p:txBody>
+          </p:sp>
+        </mc:Choice>
+        <mc:Fallback>
+          <p:sp>
+            <p:nvSpPr>
+              <p:cNvPr id="20" name="文本框 19">
+                <a:extLst>
+                  <a:ext uri="{FF2B5EF4-FFF2-40B4-BE49-F238E27FC236}">
+                    <a16:creationId xmlns:a16="http://schemas.microsoft.com/office/drawing/2014/main" id="{F5A996C4-AEC1-4DCB-9703-60F614769BFC}"/>
+                  </a:ext>
+                </a:extLst>
+              </p:cNvPr>
+              <p:cNvSpPr txBox="1">
+                <a:spLocks noRot="1" noChangeAspect="1" noMove="1" noResize="1" noEditPoints="1" noAdjustHandles="1" noChangeArrowheads="1" noChangeShapeType="1" noTextEdit="1"/>
+              </p:cNvSpPr>
+              <p:nvPr/>
+            </p:nvSpPr>
+            <p:spPr>
+              <a:xfrm>
+                <a:off x="6096000" y="1621766"/>
+                <a:ext cx="4366452" cy="1477328"/>
+              </a:xfrm>
+              <a:prstGeom prst="rect">
+                <a:avLst/>
+              </a:prstGeom>
+              <a:blipFill>
+                <a:blip r:embed="rId5"/>
+                <a:stretch>
+                  <a:fillRect l="-1117" t="-2066" r="-1117" b="-4959"/>
+                </a:stretch>
+              </a:blipFill>
+            </p:spPr>
+            <p:txBody>
+              <a:bodyPr/>
+              <a:lstStyle/>
+              <a:p>
+                <a:r>
+                  <a:rPr lang="zh-CN" altLang="en-US">
+                    <a:noFill/>
+                  </a:rPr>
+                  <a:t> </a:t>
+                </a:r>
+              </a:p>
+            </p:txBody>
+          </p:sp>
+        </mc:Fallback>
+      </mc:AlternateContent>
+    </p:spTree>
+    <p:custDataLst>
+      <p:tags r:id="rId1"/>
+    </p:custDataLst>
+    <p:extLst>
+      <p:ext uri="{BB962C8B-B14F-4D97-AF65-F5344CB8AC3E}">
+        <p14:creationId xmlns:p14="http://schemas.microsoft.com/office/powerpoint/2010/main" val="3197328775"/>
+      </p:ext>
+    </p:extLst>
+  </p:cSld>
+  <p:clrMapOvr>
+    <a:masterClrMapping/>
+  </p:clrMapOvr>
+</p:sld>
+</file>
+
+<file path=ppt/slides/slide16.xml><?xml version="1.0" encoding="utf-8"?>
+<p:sld xmlns:a="http://schemas.openxmlformats.org/drawingml/2006/main" xmlns:r="http://schemas.openxmlformats.org/officeDocument/2006/relationships" xmlns:p="http://schemas.openxmlformats.org/presentationml/2006/main">
+  <p:cSld>
+    <p:spTree>
+      <p:nvGrpSpPr>
+        <p:cNvPr id="1" name=""/>
+        <p:cNvGrpSpPr/>
+        <p:nvPr/>
+      </p:nvGrpSpPr>
+      <p:grpSpPr>
+        <a:xfrm>
+          <a:off x="0" y="0"/>
+          <a:ext cx="0" cy="0"/>
+          <a:chOff x="0" y="0"/>
+          <a:chExt cx="0" cy="0"/>
+        </a:xfrm>
+      </p:grpSpPr>
       <p:cxnSp>
         <p:nvCxnSpPr>
-          <p:cNvPr id="18" name="直接连接符 17"/>
+          <p:cNvPr id="2" name="直接连接符 1"/>
           <p:cNvCxnSpPr/>
           <p:nvPr/>
         </p:nvCxnSpPr>
         <p:spPr>
-          <a:xfrm>
-            <a:off x="1029335" y="697865"/>
-            <a:ext cx="10401935" cy="0"/>
+          <a:xfrm flipH="1">
+            <a:off x="-581660" y="1250950"/>
+            <a:ext cx="2432050" cy="1964690"/>
           </a:xfrm>
           <a:prstGeom prst="line">
             <a:avLst/>
@@ -9890,8 +9281,8 @@
           <a:ln>
             <a:solidFill>
               <a:schemeClr val="tx1">
-                <a:lumMod val="85000"/>
-                <a:lumOff val="15000"/>
+                <a:lumMod val="95000"/>
+                <a:lumOff val="5000"/>
               </a:schemeClr>
             </a:solidFill>
           </a:ln>
@@ -9911,177 +9302,130 @@
           </a:fontRef>
         </p:style>
       </p:cxnSp>
-      <p:grpSp>
-        <p:nvGrpSpPr>
-          <p:cNvPr id="36" name="组合 35"/>
-          <p:cNvGrpSpPr/>
+      <p:cxnSp>
+        <p:nvCxnSpPr>
+          <p:cNvPr id="3" name="直接连接符 2"/>
+          <p:cNvCxnSpPr/>
           <p:nvPr/>
-        </p:nvGrpSpPr>
-        <p:grpSpPr>
-          <a:xfrm>
-            <a:off x="1953260" y="2494280"/>
-            <a:ext cx="2991485" cy="2887345"/>
-            <a:chOff x="2558" y="2349"/>
-            <a:chExt cx="5197" cy="5015"/>
+        </p:nvCxnSpPr>
+        <p:spPr>
+          <a:xfrm flipH="1">
+            <a:off x="1334135" y="-1107440"/>
+            <a:ext cx="2432050" cy="1964690"/>
           </a:xfrm>
-        </p:grpSpPr>
-        <p:sp>
-          <p:nvSpPr>
-            <p:cNvPr id="33" name="椭圆 32"/>
-            <p:cNvSpPr/>
-            <p:nvPr/>
-          </p:nvSpPr>
-          <p:spPr>
-            <a:xfrm>
-              <a:off x="3517" y="2349"/>
-              <a:ext cx="3247" cy="3247"/>
-            </a:xfrm>
-            <a:prstGeom prst="ellipse">
-              <a:avLst/>
-            </a:prstGeom>
+          <a:prstGeom prst="line">
+            <a:avLst/>
+          </a:prstGeom>
+          <a:ln>
             <a:solidFill>
-              <a:schemeClr val="bg1">
-                <a:lumMod val="65000"/>
-                <a:alpha val="90000"/>
+              <a:schemeClr val="tx1">
+                <a:lumMod val="95000"/>
+                <a:lumOff val="5000"/>
               </a:schemeClr>
             </a:solidFill>
-            <a:ln>
-              <a:noFill/>
-            </a:ln>
-          </p:spPr>
-          <p:style>
-            <a:lnRef idx="2">
-              <a:schemeClr val="accent1">
-                <a:shade val="50000"/>
-              </a:schemeClr>
-            </a:lnRef>
-            <a:fillRef idx="1">
-              <a:schemeClr val="accent1"/>
-            </a:fillRef>
-            <a:effectRef idx="0">
-              <a:schemeClr val="accent1"/>
-            </a:effectRef>
-            <a:fontRef idx="minor">
-              <a:schemeClr val="lt1"/>
-            </a:fontRef>
-          </p:style>
-          <p:txBody>
-            <a:bodyPr rtlCol="0" anchor="ctr"/>
-            <a:lstStyle/>
-            <a:p>
-              <a:pPr algn="ctr"/>
-              <a:endParaRPr lang="zh-CN" altLang="en-US"/>
-            </a:p>
-          </p:txBody>
-        </p:sp>
-        <p:sp>
-          <p:nvSpPr>
-            <p:cNvPr id="34" name="椭圆 33"/>
-            <p:cNvSpPr/>
-            <p:nvPr/>
-          </p:nvSpPr>
-          <p:spPr>
-            <a:xfrm>
-              <a:off x="2558" y="4118"/>
-              <a:ext cx="3247" cy="3247"/>
-            </a:xfrm>
-            <a:prstGeom prst="ellipse">
-              <a:avLst/>
-            </a:prstGeom>
+          </a:ln>
+        </p:spPr>
+        <p:style>
+          <a:lnRef idx="1">
+            <a:schemeClr val="accent1"/>
+          </a:lnRef>
+          <a:fillRef idx="0">
+            <a:schemeClr val="accent1"/>
+          </a:fillRef>
+          <a:effectRef idx="0">
+            <a:schemeClr val="accent1"/>
+          </a:effectRef>
+          <a:fontRef idx="minor">
+            <a:schemeClr val="tx1"/>
+          </a:fontRef>
+        </p:style>
+      </p:cxnSp>
+      <p:cxnSp>
+        <p:nvCxnSpPr>
+          <p:cNvPr id="4" name="直接连接符 3"/>
+          <p:cNvCxnSpPr/>
+          <p:nvPr/>
+        </p:nvCxnSpPr>
+        <p:spPr>
+          <a:xfrm flipH="1">
+            <a:off x="9215755" y="5941060"/>
+            <a:ext cx="2432050" cy="1964690"/>
+          </a:xfrm>
+          <a:prstGeom prst="line">
+            <a:avLst/>
+          </a:prstGeom>
+          <a:ln>
             <a:solidFill>
-              <a:schemeClr val="bg1">
-                <a:lumMod val="65000"/>
-                <a:alpha val="76000"/>
+              <a:schemeClr val="tx1">
+                <a:lumMod val="95000"/>
+                <a:lumOff val="5000"/>
               </a:schemeClr>
             </a:solidFill>
-            <a:ln>
-              <a:noFill/>
-            </a:ln>
-          </p:spPr>
-          <p:style>
-            <a:lnRef idx="2">
-              <a:schemeClr val="accent1">
-                <a:shade val="50000"/>
+          </a:ln>
+        </p:spPr>
+        <p:style>
+          <a:lnRef idx="1">
+            <a:schemeClr val="accent1"/>
+          </a:lnRef>
+          <a:fillRef idx="0">
+            <a:schemeClr val="accent1"/>
+          </a:fillRef>
+          <a:effectRef idx="0">
+            <a:schemeClr val="accent1"/>
+          </a:effectRef>
+          <a:fontRef idx="minor">
+            <a:schemeClr val="tx1"/>
+          </a:fontRef>
+        </p:style>
+      </p:cxnSp>
+      <p:cxnSp>
+        <p:nvCxnSpPr>
+          <p:cNvPr id="5" name="直接连接符 4"/>
+          <p:cNvCxnSpPr/>
+          <p:nvPr/>
+        </p:nvCxnSpPr>
+        <p:spPr>
+          <a:xfrm flipH="1">
+            <a:off x="11131550" y="3582670"/>
+            <a:ext cx="2432050" cy="1964690"/>
+          </a:xfrm>
+          <a:prstGeom prst="line">
+            <a:avLst/>
+          </a:prstGeom>
+          <a:ln w="6350">
+            <a:solidFill>
+              <a:schemeClr val="tx1">
+                <a:lumMod val="95000"/>
+                <a:lumOff val="5000"/>
               </a:schemeClr>
-            </a:lnRef>
-            <a:fillRef idx="1">
-              <a:schemeClr val="accent1"/>
-            </a:fillRef>
-            <a:effectRef idx="0">
-              <a:schemeClr val="accent1"/>
-            </a:effectRef>
-            <a:fontRef idx="minor">
-              <a:schemeClr val="lt1"/>
-            </a:fontRef>
-          </p:style>
-          <p:txBody>
-            <a:bodyPr rtlCol="0" anchor="ctr"/>
-            <a:lstStyle/>
-            <a:p>
-              <a:pPr algn="ctr"/>
-              <a:endParaRPr lang="zh-CN" altLang="en-US"/>
-            </a:p>
-          </p:txBody>
-        </p:sp>
-        <p:sp>
-          <p:nvSpPr>
-            <p:cNvPr id="35" name="椭圆 34"/>
-            <p:cNvSpPr/>
-            <p:nvPr/>
-          </p:nvSpPr>
-          <p:spPr>
-            <a:xfrm>
-              <a:off x="4509" y="4118"/>
-              <a:ext cx="3247" cy="3247"/>
-            </a:xfrm>
-            <a:prstGeom prst="ellipse">
-              <a:avLst/>
-            </a:prstGeom>
-            <a:solidFill>
-              <a:srgbClr val="FF0000">
-                <a:alpha val="65000"/>
-              </a:srgbClr>
             </a:solidFill>
-            <a:ln>
-              <a:noFill/>
-            </a:ln>
-          </p:spPr>
-          <p:style>
-            <a:lnRef idx="2">
-              <a:schemeClr val="accent1">
-                <a:shade val="50000"/>
-              </a:schemeClr>
-            </a:lnRef>
-            <a:fillRef idx="1">
-              <a:schemeClr val="accent1"/>
-            </a:fillRef>
-            <a:effectRef idx="0">
-              <a:schemeClr val="accent1"/>
-            </a:effectRef>
-            <a:fontRef idx="minor">
-              <a:schemeClr val="lt1"/>
-            </a:fontRef>
-          </p:style>
-          <p:txBody>
-            <a:bodyPr rtlCol="0" anchor="ctr"/>
-            <a:lstStyle/>
-            <a:p>
-              <a:pPr algn="ctr"/>
-              <a:endParaRPr lang="zh-CN" altLang="en-US"/>
-            </a:p>
-          </p:txBody>
-        </p:sp>
-      </p:grpSp>
-      <p:sp>
-        <p:nvSpPr>
-          <p:cNvPr id="37" name="文本框 36"/>
+          </a:ln>
+        </p:spPr>
+        <p:style>
+          <a:lnRef idx="1">
+            <a:schemeClr val="accent1"/>
+          </a:lnRef>
+          <a:fillRef idx="0">
+            <a:schemeClr val="accent1"/>
+          </a:fillRef>
+          <a:effectRef idx="0">
+            <a:schemeClr val="accent1"/>
+          </a:effectRef>
+          <a:fontRef idx="minor">
+            <a:schemeClr val="tx1"/>
+          </a:fontRef>
+        </p:style>
+      </p:cxnSp>
+      <p:sp>
+        <p:nvSpPr>
+          <p:cNvPr id="8" name="文本框 7"/>
           <p:cNvSpPr txBox="1"/>
           <p:nvPr/>
         </p:nvSpPr>
         <p:spPr>
           <a:xfrm>
-            <a:off x="3085465" y="3626485"/>
-            <a:ext cx="1886585" cy="583565"/>
+            <a:off x="3906520" y="2056765"/>
+            <a:ext cx="1264920" cy="1014730"/>
           </a:xfrm>
           <a:prstGeom prst="rect">
             <a:avLst/>
@@ -10094,30 +9438,349 @@
           </a:bodyPr>
           <a:lstStyle/>
           <a:p>
-            <a:pPr algn="ctr"/>
-            <a:r>
-              <a:rPr lang="en-US" altLang="zh-CN" sz="3200">
+            <a:pPr algn="l"/>
+            <a:r>
+              <a:rPr lang="en-US" sz="6000" dirty="0">
                 <a:solidFill>
-                  <a:schemeClr val="bg1"/>
+                  <a:srgbClr val="FF0000"/>
                 </a:solidFill>
-                <a:latin typeface="思源黑體 ExtraLight" panose="020B0200000000000000" charset="-120"/>
-                <a:ea typeface="思源黑體 ExtraLight" panose="020B0200000000000000" charset="-120"/>
+                <a:latin typeface="思源黑体 Light" panose="020B0300000000000000" charset="-122"/>
+                <a:ea typeface="思源黑体 Light" panose="020B0300000000000000" charset="-122"/>
+                <a:cs typeface="思源黑体 Light" panose="020B0300000000000000" charset="-122"/>
               </a:rPr>
-              <a:t>2021</a:t>
+              <a:t>05</a:t>
             </a:r>
           </a:p>
         </p:txBody>
       </p:sp>
-      <p:sp>
-        <p:nvSpPr>
-          <p:cNvPr id="38" name="文本框 37"/>
+      <p:grpSp>
+        <p:nvGrpSpPr>
+          <p:cNvPr id="9" name="组合 8"/>
+          <p:cNvGrpSpPr/>
+          <p:nvPr/>
+        </p:nvGrpSpPr>
+        <p:grpSpPr>
+          <a:xfrm>
+            <a:off x="4000500" y="2339340"/>
+            <a:ext cx="3931285" cy="1164590"/>
+            <a:chOff x="6300" y="3684"/>
+            <a:chExt cx="6191" cy="1834"/>
+          </a:xfrm>
+        </p:grpSpPr>
+        <p:cxnSp>
+          <p:nvCxnSpPr>
+            <p:cNvPr id="15" name="直接连接符 14"/>
+            <p:cNvCxnSpPr/>
+            <p:nvPr/>
+          </p:nvCxnSpPr>
+          <p:spPr>
+            <a:xfrm flipH="1">
+              <a:off x="6300" y="3684"/>
+              <a:ext cx="2266" cy="1834"/>
+            </a:xfrm>
+            <a:prstGeom prst="line">
+              <a:avLst/>
+            </a:prstGeom>
+            <a:ln>
+              <a:solidFill>
+                <a:schemeClr val="tx1">
+                  <a:lumMod val="95000"/>
+                  <a:lumOff val="5000"/>
+                </a:schemeClr>
+              </a:solidFill>
+            </a:ln>
+          </p:spPr>
+          <p:style>
+            <a:lnRef idx="1">
+              <a:schemeClr val="accent1"/>
+            </a:lnRef>
+            <a:fillRef idx="0">
+              <a:schemeClr val="accent1"/>
+            </a:fillRef>
+            <a:effectRef idx="0">
+              <a:schemeClr val="accent1"/>
+            </a:effectRef>
+            <a:fontRef idx="minor">
+              <a:schemeClr val="tx1"/>
+            </a:fontRef>
+          </p:style>
+        </p:cxnSp>
+        <p:sp>
+          <p:nvSpPr>
+            <p:cNvPr id="10" name="文本框 9"/>
+            <p:cNvSpPr txBox="1"/>
+            <p:nvPr/>
+          </p:nvSpPr>
+          <p:spPr>
+            <a:xfrm>
+              <a:off x="7696" y="4269"/>
+              <a:ext cx="4795" cy="921"/>
+            </a:xfrm>
+            <a:prstGeom prst="rect">
+              <a:avLst/>
+            </a:prstGeom>
+            <a:noFill/>
+          </p:spPr>
+          <p:txBody>
+            <a:bodyPr wrap="square" rtlCol="0">
+              <a:spAutoFit/>
+            </a:bodyPr>
+            <a:lstStyle/>
+            <a:p>
+              <a:pPr algn="l"/>
+              <a:r>
+                <a:rPr lang="zh-CN" altLang="en-US" sz="3200" dirty="0">
+                  <a:latin typeface="思源黑体 Light" panose="020B0300000000000000" charset="-122"/>
+                  <a:ea typeface="思源黑体 Light" panose="020B0300000000000000" charset="-122"/>
+                  <a:cs typeface="思源黑体 Light" panose="020B0300000000000000" charset="-122"/>
+                  <a:sym typeface="+mn-ea"/>
+                </a:rPr>
+                <a:t>算法运行分析</a:t>
+              </a:r>
+              <a:endParaRPr lang="zh-CN" altLang="en-US" sz="3200" dirty="0">
+                <a:solidFill>
+                  <a:schemeClr val="tx1"/>
+                </a:solidFill>
+                <a:latin typeface="思源黑体 Light" panose="020B0300000000000000" charset="-122"/>
+                <a:ea typeface="思源黑体 Light" panose="020B0300000000000000" charset="-122"/>
+                <a:cs typeface="思源黑体 Light" panose="020B0300000000000000" charset="-122"/>
+                <a:sym typeface="+mn-ea"/>
+              </a:endParaRPr>
+            </a:p>
+          </p:txBody>
+        </p:sp>
+      </p:grpSp>
+    </p:spTree>
+    <p:custDataLst>
+      <p:tags r:id="rId1"/>
+    </p:custDataLst>
+    <p:extLst>
+      <p:ext uri="{BB962C8B-B14F-4D97-AF65-F5344CB8AC3E}">
+        <p14:creationId xmlns:p14="http://schemas.microsoft.com/office/powerpoint/2010/main" val="1770794129"/>
+      </p:ext>
+    </p:extLst>
+  </p:cSld>
+  <p:clrMapOvr>
+    <a:masterClrMapping/>
+  </p:clrMapOvr>
+</p:sld>
+</file>
+
+<file path=ppt/slides/slide17.xml><?xml version="1.0" encoding="utf-8"?>
+<p:sld xmlns:a="http://schemas.openxmlformats.org/drawingml/2006/main" xmlns:r="http://schemas.openxmlformats.org/officeDocument/2006/relationships" xmlns:p="http://schemas.openxmlformats.org/presentationml/2006/main">
+  <p:cSld>
+    <p:spTree>
+      <p:nvGrpSpPr>
+        <p:cNvPr id="1" name=""/>
+        <p:cNvGrpSpPr/>
+        <p:nvPr/>
+      </p:nvGrpSpPr>
+      <p:grpSpPr>
+        <a:xfrm>
+          <a:off x="0" y="0"/>
+          <a:ext cx="0" cy="0"/>
+          <a:chOff x="0" y="0"/>
+          <a:chExt cx="0" cy="0"/>
+        </a:xfrm>
+      </p:grpSpPr>
+      <p:grpSp>
+        <p:nvGrpSpPr>
+          <p:cNvPr id="6" name="组合 5"/>
+          <p:cNvGrpSpPr/>
+          <p:nvPr/>
+        </p:nvGrpSpPr>
+        <p:grpSpPr>
+          <a:xfrm>
+            <a:off x="-1484630" y="-1520825"/>
+            <a:ext cx="4347845" cy="4323080"/>
+            <a:chOff x="-916" y="-1744"/>
+            <a:chExt cx="6847" cy="6808"/>
+          </a:xfrm>
+        </p:grpSpPr>
+        <p:cxnSp>
+          <p:nvCxnSpPr>
+            <p:cNvPr id="22" name="直接连接符 21"/>
+            <p:cNvCxnSpPr/>
+            <p:nvPr/>
+          </p:nvCxnSpPr>
+          <p:spPr>
+            <a:xfrm flipH="1">
+              <a:off x="-916" y="1970"/>
+              <a:ext cx="3830" cy="3094"/>
+            </a:xfrm>
+            <a:prstGeom prst="line">
+              <a:avLst/>
+            </a:prstGeom>
+            <a:ln>
+              <a:solidFill>
+                <a:schemeClr val="tx1">
+                  <a:lumMod val="95000"/>
+                  <a:lumOff val="5000"/>
+                </a:schemeClr>
+              </a:solidFill>
+            </a:ln>
+          </p:spPr>
+          <p:style>
+            <a:lnRef idx="1">
+              <a:schemeClr val="accent1"/>
+            </a:lnRef>
+            <a:fillRef idx="0">
+              <a:schemeClr val="accent1"/>
+            </a:fillRef>
+            <a:effectRef idx="0">
+              <a:schemeClr val="accent1"/>
+            </a:effectRef>
+            <a:fontRef idx="minor">
+              <a:schemeClr val="tx1"/>
+            </a:fontRef>
+          </p:style>
+        </p:cxnSp>
+        <p:cxnSp>
+          <p:nvCxnSpPr>
+            <p:cNvPr id="7" name="直接连接符 6"/>
+            <p:cNvCxnSpPr/>
+            <p:nvPr/>
+          </p:nvCxnSpPr>
+          <p:spPr>
+            <a:xfrm flipH="1">
+              <a:off x="2101" y="-1744"/>
+              <a:ext cx="3830" cy="3094"/>
+            </a:xfrm>
+            <a:prstGeom prst="line">
+              <a:avLst/>
+            </a:prstGeom>
+            <a:ln>
+              <a:solidFill>
+                <a:schemeClr val="tx1">
+                  <a:lumMod val="95000"/>
+                  <a:lumOff val="5000"/>
+                </a:schemeClr>
+              </a:solidFill>
+            </a:ln>
+          </p:spPr>
+          <p:style>
+            <a:lnRef idx="1">
+              <a:schemeClr val="accent1"/>
+            </a:lnRef>
+            <a:fillRef idx="0">
+              <a:schemeClr val="accent1"/>
+            </a:fillRef>
+            <a:effectRef idx="0">
+              <a:schemeClr val="accent1"/>
+            </a:effectRef>
+            <a:fontRef idx="minor">
+              <a:schemeClr val="tx1"/>
+            </a:fontRef>
+          </p:style>
+        </p:cxnSp>
+      </p:grpSp>
+      <p:grpSp>
+        <p:nvGrpSpPr>
+          <p:cNvPr id="12" name="组合 11"/>
+          <p:cNvGrpSpPr/>
+          <p:nvPr/>
+        </p:nvGrpSpPr>
+        <p:grpSpPr>
+          <a:xfrm>
+            <a:off x="9578975" y="4159250"/>
+            <a:ext cx="4347845" cy="4323080"/>
+            <a:chOff x="14513" y="5642"/>
+            <a:chExt cx="6847" cy="6808"/>
+          </a:xfrm>
+        </p:grpSpPr>
+        <p:cxnSp>
+          <p:nvCxnSpPr>
+            <p:cNvPr id="13" name="直接连接符 12"/>
+            <p:cNvCxnSpPr/>
+            <p:nvPr/>
+          </p:nvCxnSpPr>
+          <p:spPr>
+            <a:xfrm flipH="1">
+              <a:off x="14513" y="9356"/>
+              <a:ext cx="3830" cy="3094"/>
+            </a:xfrm>
+            <a:prstGeom prst="line">
+              <a:avLst/>
+            </a:prstGeom>
+            <a:ln>
+              <a:solidFill>
+                <a:schemeClr val="tx1">
+                  <a:lumMod val="95000"/>
+                  <a:lumOff val="5000"/>
+                </a:schemeClr>
+              </a:solidFill>
+            </a:ln>
+          </p:spPr>
+          <p:style>
+            <a:lnRef idx="1">
+              <a:schemeClr val="accent1"/>
+            </a:lnRef>
+            <a:fillRef idx="0">
+              <a:schemeClr val="accent1"/>
+            </a:fillRef>
+            <a:effectRef idx="0">
+              <a:schemeClr val="accent1"/>
+            </a:effectRef>
+            <a:fontRef idx="minor">
+              <a:schemeClr val="tx1"/>
+            </a:fontRef>
+          </p:style>
+        </p:cxnSp>
+        <p:cxnSp>
+          <p:nvCxnSpPr>
+            <p:cNvPr id="14" name="直接连接符 13"/>
+            <p:cNvCxnSpPr/>
+            <p:nvPr/>
+          </p:nvCxnSpPr>
+          <p:spPr>
+            <a:xfrm flipH="1">
+              <a:off x="17530" y="5642"/>
+              <a:ext cx="3830" cy="3094"/>
+            </a:xfrm>
+            <a:prstGeom prst="line">
+              <a:avLst/>
+            </a:prstGeom>
+            <a:ln w="6350">
+              <a:solidFill>
+                <a:schemeClr val="tx1">
+                  <a:lumMod val="95000"/>
+                  <a:lumOff val="5000"/>
+                </a:schemeClr>
+              </a:solidFill>
+            </a:ln>
+          </p:spPr>
+          <p:style>
+            <a:lnRef idx="1">
+              <a:schemeClr val="accent1"/>
+            </a:lnRef>
+            <a:fillRef idx="0">
+              <a:schemeClr val="accent1"/>
+            </a:fillRef>
+            <a:effectRef idx="0">
+              <a:schemeClr val="accent1"/>
+            </a:effectRef>
+            <a:fontRef idx="minor">
+              <a:schemeClr val="tx1"/>
+            </a:fontRef>
+          </p:style>
+        </p:cxnSp>
+      </p:grpSp>
+      <p:sp>
+        <p:nvSpPr>
+          <p:cNvPr id="15" name="文本框 14">
+            <a:extLst>
+              <a:ext uri="{FF2B5EF4-FFF2-40B4-BE49-F238E27FC236}">
+                <a16:creationId xmlns:a16="http://schemas.microsoft.com/office/drawing/2014/main" id="{24307317-0A9F-4634-A219-A4BA2601C102}"/>
+              </a:ext>
+            </a:extLst>
+          </p:cNvPr>
           <p:cNvSpPr txBox="1"/>
           <p:nvPr/>
         </p:nvSpPr>
         <p:spPr>
           <a:xfrm>
-            <a:off x="1804670" y="3719195"/>
-            <a:ext cx="1886585" cy="398780"/>
+            <a:off x="792480" y="543560"/>
+            <a:ext cx="1657985" cy="306705"/>
           </a:xfrm>
           <a:prstGeom prst="rect">
             <a:avLst/>
@@ -10130,30 +9793,39 @@
           </a:bodyPr>
           <a:lstStyle/>
           <a:p>
-            <a:pPr algn="ctr"/>
-            <a:r>
-              <a:rPr lang="zh-CN" altLang="en-US" sz="2000">
+            <a:pPr algn="l"/>
+            <a:r>
+              <a:rPr lang="zh-CN" altLang="en-US" sz="1400" dirty="0">
                 <a:solidFill>
-                  <a:schemeClr val="bg1"/>
+                  <a:schemeClr val="tx1">
+                    <a:lumMod val="95000"/>
+                    <a:lumOff val="5000"/>
+                  </a:schemeClr>
                 </a:solidFill>
                 <a:latin typeface="思源黑體 ExtraLight" panose="020B0200000000000000" charset="-120"/>
                 <a:ea typeface="思源黑體 ExtraLight" panose="020B0200000000000000" charset="-120"/>
               </a:rPr>
-              <a:t>优点</a:t>
+              <a:t>算法运行分析</a:t>
             </a:r>
           </a:p>
         </p:txBody>
       </p:sp>
       <p:sp>
         <p:nvSpPr>
-          <p:cNvPr id="39" name="文本框 38"/>
+          <p:cNvPr id="2" name="文本框 1">
+            <a:extLst>
+              <a:ext uri="{FF2B5EF4-FFF2-40B4-BE49-F238E27FC236}">
+                <a16:creationId xmlns:a16="http://schemas.microsoft.com/office/drawing/2014/main" id="{13EFA8AF-056A-4479-A2E7-A346A316AEB3}"/>
+              </a:ext>
+            </a:extLst>
+          </p:cNvPr>
           <p:cNvSpPr txBox="1"/>
           <p:nvPr/>
         </p:nvSpPr>
         <p:spPr>
           <a:xfrm>
-            <a:off x="2496185" y="2700020"/>
-            <a:ext cx="1886585" cy="398780"/>
+            <a:off x="707366" y="1345721"/>
+            <a:ext cx="3260785" cy="1200329"/>
           </a:xfrm>
           <a:prstGeom prst="rect">
             <a:avLst/>
@@ -10166,480 +9838,275 @@
           </a:bodyPr>
           <a:lstStyle/>
           <a:p>
-            <a:pPr algn="ctr"/>
-            <a:r>
-              <a:rPr lang="zh-CN" altLang="en-US" sz="2000">
+            <a:r>
+              <a:rPr lang="zh-CN" altLang="en-US" dirty="0"/>
+              <a:t>农场灌溉问题</a:t>
+            </a:r>
+            <a:endParaRPr lang="en-US" altLang="zh-CN" dirty="0"/>
+          </a:p>
+          <a:p>
+            <a:r>
+              <a:rPr lang="en-US" altLang="zh-CN" dirty="0"/>
+              <a:t>3*3</a:t>
+            </a:r>
+            <a:r>
+              <a:rPr lang="zh-CN" altLang="en-US" dirty="0"/>
+              <a:t>矩阵：</a:t>
+            </a:r>
+            <a:r>
+              <a:rPr lang="en-US" altLang="zh-CN" dirty="0"/>
+              <a:t>25ms</a:t>
+            </a:r>
+          </a:p>
+          <a:p>
+            <a:r>
+              <a:rPr lang="en-US" altLang="zh-CN" dirty="0"/>
+              <a:t>50*50</a:t>
+            </a:r>
+            <a:r>
+              <a:rPr lang="zh-CN" altLang="en-US" dirty="0"/>
+              <a:t>矩阵：</a:t>
+            </a:r>
+            <a:r>
+              <a:rPr lang="en-US" altLang="zh-CN" dirty="0"/>
+              <a:t>581ms</a:t>
+            </a:r>
+          </a:p>
+          <a:p>
+            <a:r>
+              <a:rPr lang="en-US" altLang="zh-CN" dirty="0"/>
+              <a:t>100*100</a:t>
+            </a:r>
+            <a:r>
+              <a:rPr lang="zh-CN" altLang="en-US" dirty="0"/>
+              <a:t>矩阵：</a:t>
+            </a:r>
+            <a:r>
+              <a:rPr lang="en-US" altLang="zh-CN" dirty="0"/>
+              <a:t>2135ms</a:t>
+            </a:r>
+            <a:endParaRPr lang="zh-CN" altLang="en-US" dirty="0"/>
+          </a:p>
+        </p:txBody>
+      </p:sp>
+      <p:sp>
+        <p:nvSpPr>
+          <p:cNvPr id="4" name="文本框 3">
+            <a:extLst>
+              <a:ext uri="{FF2B5EF4-FFF2-40B4-BE49-F238E27FC236}">
+                <a16:creationId xmlns:a16="http://schemas.microsoft.com/office/drawing/2014/main" id="{EA5FD423-D879-4F77-8518-8E7E2108DF36}"/>
+              </a:ext>
+            </a:extLst>
+          </p:cNvPr>
+          <p:cNvSpPr txBox="1"/>
+          <p:nvPr/>
+        </p:nvSpPr>
+        <p:spPr>
+          <a:xfrm>
+            <a:off x="6875252" y="1319842"/>
+            <a:ext cx="4511615" cy="1200329"/>
+          </a:xfrm>
+          <a:prstGeom prst="rect">
+            <a:avLst/>
+          </a:prstGeom>
+          <a:noFill/>
+        </p:spPr>
+        <p:txBody>
+          <a:bodyPr wrap="square" rtlCol="0">
+            <a:spAutoFit/>
+          </a:bodyPr>
+          <a:lstStyle/>
+          <a:p>
+            <a:r>
+              <a:rPr lang="zh-CN" altLang="en-US" sz="1800" dirty="0">
                 <a:solidFill>
-                  <a:schemeClr val="bg1"/>
+                  <a:schemeClr val="tx1">
+                    <a:lumMod val="95000"/>
+                    <a:lumOff val="5000"/>
+                  </a:schemeClr>
                 </a:solidFill>
                 <a:latin typeface="思源黑體 ExtraLight" panose="020B0200000000000000" charset="-120"/>
-                <a:ea typeface="思源黑體 ExtraLight" panose="020B0200000000000000" charset="-120"/>
+                <a:ea typeface="思源黑体 Light" panose="020B0300000000000000" charset="-122"/>
+                <a:sym typeface="+mn-ea"/>
               </a:rPr>
-              <a:t>缺点</a:t>
-            </a:r>
+              <a:t>序列模式挖掘问题</a:t>
+            </a:r>
+            <a:r>
+              <a:rPr lang="en-US" altLang="zh-CN" sz="1800" dirty="0">
+                <a:solidFill>
+                  <a:schemeClr val="tx1">
+                    <a:lumMod val="95000"/>
+                    <a:lumOff val="5000"/>
+                  </a:schemeClr>
+                </a:solidFill>
+                <a:latin typeface="思源黑體 ExtraLight" panose="020B0200000000000000" charset="-120"/>
+                <a:ea typeface="思源黑体 Light" panose="020B0300000000000000" charset="-122"/>
+                <a:sym typeface="+mn-ea"/>
+              </a:rPr>
+              <a:t>:</a:t>
+            </a:r>
+          </a:p>
+          <a:p>
+            <a:r>
+              <a:rPr lang="en-US" altLang="zh-CN" sz="1800" dirty="0">
+                <a:solidFill>
+                  <a:schemeClr val="tx1">
+                    <a:lumMod val="95000"/>
+                    <a:lumOff val="5000"/>
+                  </a:schemeClr>
+                </a:solidFill>
+                <a:latin typeface="思源黑體 ExtraLight" panose="020B0200000000000000" charset="-120"/>
+                <a:ea typeface="思源黑体 Light" panose="020B0300000000000000" charset="-122"/>
+                <a:sym typeface="+mn-ea"/>
+              </a:rPr>
+              <a:t>100</a:t>
+            </a:r>
+            <a:r>
+              <a:rPr lang="zh-CN" altLang="en-US" dirty="0">
+                <a:solidFill>
+                  <a:schemeClr val="tx1">
+                    <a:lumMod val="95000"/>
+                    <a:lumOff val="5000"/>
+                  </a:schemeClr>
+                </a:solidFill>
+                <a:latin typeface="思源黑體 ExtraLight" panose="020B0200000000000000" charset="-120"/>
+                <a:ea typeface="思源黑体 Light" panose="020B0300000000000000" charset="-122"/>
+                <a:sym typeface="+mn-ea"/>
+              </a:rPr>
+              <a:t>行数据：</a:t>
+            </a:r>
+            <a:r>
+              <a:rPr lang="en-US" altLang="zh-CN" dirty="0">
+                <a:solidFill>
+                  <a:schemeClr val="tx1">
+                    <a:lumMod val="95000"/>
+                    <a:lumOff val="5000"/>
+                  </a:schemeClr>
+                </a:solidFill>
+                <a:latin typeface="思源黑體 ExtraLight" panose="020B0200000000000000" charset="-120"/>
+                <a:ea typeface="思源黑体 Light" panose="020B0300000000000000" charset="-122"/>
+                <a:sym typeface="+mn-ea"/>
+              </a:rPr>
+              <a:t>32ms</a:t>
+            </a:r>
+          </a:p>
+          <a:p>
+            <a:r>
+              <a:rPr lang="en-US" altLang="zh-CN" sz="1800" dirty="0">
+                <a:solidFill>
+                  <a:schemeClr val="tx1">
+                    <a:lumMod val="95000"/>
+                    <a:lumOff val="5000"/>
+                  </a:schemeClr>
+                </a:solidFill>
+                <a:latin typeface="思源黑體 ExtraLight" panose="020B0200000000000000" charset="-120"/>
+                <a:ea typeface="思源黑体 Light" panose="020B0300000000000000" charset="-122"/>
+                <a:sym typeface="+mn-ea"/>
+              </a:rPr>
+              <a:t>1000</a:t>
+            </a:r>
+            <a:r>
+              <a:rPr lang="zh-CN" altLang="en-US" sz="1800" dirty="0">
+                <a:solidFill>
+                  <a:schemeClr val="tx1">
+                    <a:lumMod val="95000"/>
+                    <a:lumOff val="5000"/>
+                  </a:schemeClr>
+                </a:solidFill>
+                <a:latin typeface="思源黑體 ExtraLight" panose="020B0200000000000000" charset="-120"/>
+                <a:ea typeface="思源黑体 Light" panose="020B0300000000000000" charset="-122"/>
+                <a:sym typeface="+mn-ea"/>
+              </a:rPr>
+              <a:t>行数据：</a:t>
+            </a:r>
+            <a:r>
+              <a:rPr lang="en-US" altLang="zh-CN" sz="1800" dirty="0">
+                <a:solidFill>
+                  <a:schemeClr val="tx1">
+                    <a:lumMod val="95000"/>
+                    <a:lumOff val="5000"/>
+                  </a:schemeClr>
+                </a:solidFill>
+                <a:latin typeface="思源黑體 ExtraLight" panose="020B0200000000000000" charset="-120"/>
+                <a:ea typeface="思源黑体 Light" panose="020B0300000000000000" charset="-122"/>
+                <a:sym typeface="+mn-ea"/>
+              </a:rPr>
+              <a:t>1897ms</a:t>
+            </a:r>
+          </a:p>
+          <a:p>
+            <a:r>
+              <a:rPr lang="en-US" altLang="zh-CN" dirty="0">
+                <a:solidFill>
+                  <a:schemeClr val="tx1">
+                    <a:lumMod val="95000"/>
+                    <a:lumOff val="5000"/>
+                  </a:schemeClr>
+                </a:solidFill>
+                <a:latin typeface="思源黑體 ExtraLight" panose="020B0200000000000000" charset="-120"/>
+                <a:ea typeface="思源黑体 Light" panose="020B0300000000000000" charset="-122"/>
+                <a:sym typeface="+mn-ea"/>
+              </a:rPr>
+              <a:t>10000</a:t>
+            </a:r>
+            <a:r>
+              <a:rPr lang="zh-CN" altLang="en-US" dirty="0">
+                <a:solidFill>
+                  <a:schemeClr val="tx1">
+                    <a:lumMod val="95000"/>
+                    <a:lumOff val="5000"/>
+                  </a:schemeClr>
+                </a:solidFill>
+                <a:latin typeface="思源黑體 ExtraLight" panose="020B0200000000000000" charset="-120"/>
+                <a:ea typeface="思源黑体 Light" panose="020B0300000000000000" charset="-122"/>
+                <a:sym typeface="+mn-ea"/>
+              </a:rPr>
+              <a:t>行数据：</a:t>
+            </a:r>
+            <a:r>
+              <a:rPr lang="en-US" altLang="zh-CN" dirty="0">
+                <a:solidFill>
+                  <a:schemeClr val="tx1">
+                    <a:lumMod val="95000"/>
+                    <a:lumOff val="5000"/>
+                  </a:schemeClr>
+                </a:solidFill>
+                <a:latin typeface="思源黑體 ExtraLight" panose="020B0200000000000000" charset="-120"/>
+                <a:ea typeface="思源黑体 Light" panose="020B0300000000000000" charset="-122"/>
+                <a:sym typeface="+mn-ea"/>
+              </a:rPr>
+              <a:t>55603ms</a:t>
+            </a:r>
+            <a:endParaRPr lang="zh-CN" altLang="en-US" sz="1800" dirty="0">
+              <a:solidFill>
+                <a:schemeClr val="tx1">
+                  <a:lumMod val="95000"/>
+                  <a:lumOff val="5000"/>
+                </a:schemeClr>
+              </a:solidFill>
+              <a:latin typeface="思源黑體 ExtraLight" panose="020B0200000000000000" charset="-120"/>
+              <a:ea typeface="思源黑體 ExtraLight" panose="020B0200000000000000" charset="-120"/>
+            </a:endParaRPr>
           </a:p>
         </p:txBody>
       </p:sp>
-      <p:grpSp>
-        <p:nvGrpSpPr>
-          <p:cNvPr id="47" name="组合 46"/>
-          <p:cNvGrpSpPr/>
-          <p:nvPr/>
-        </p:nvGrpSpPr>
-        <p:grpSpPr>
-          <a:xfrm>
-            <a:off x="5769610" y="798195"/>
-            <a:ext cx="5194935" cy="4208961"/>
-            <a:chOff x="9086" y="3094"/>
-            <a:chExt cx="8181" cy="4218"/>
-          </a:xfrm>
-        </p:grpSpPr>
-        <p:grpSp>
-          <p:nvGrpSpPr>
-            <p:cNvPr id="42" name="组合 41"/>
-            <p:cNvGrpSpPr/>
-            <p:nvPr/>
-          </p:nvGrpSpPr>
-          <p:grpSpPr>
-            <a:xfrm>
-              <a:off x="9086" y="3094"/>
-              <a:ext cx="8181" cy="2606"/>
-              <a:chOff x="11118" y="3139"/>
-              <a:chExt cx="8181" cy="2606"/>
-            </a:xfrm>
-          </p:grpSpPr>
-          <p:sp>
-            <p:nvSpPr>
-              <p:cNvPr id="40" name="文本框 39"/>
-              <p:cNvSpPr txBox="1"/>
-              <p:nvPr/>
-            </p:nvSpPr>
-            <p:spPr>
-              <a:xfrm>
-                <a:off x="11163" y="3139"/>
-                <a:ext cx="2971" cy="585"/>
-              </a:xfrm>
-              <a:prstGeom prst="rect">
-                <a:avLst/>
-              </a:prstGeom>
-              <a:noFill/>
-            </p:spPr>
-            <p:txBody>
-              <a:bodyPr wrap="square" rtlCol="0">
-                <a:spAutoFit/>
-              </a:bodyPr>
-              <a:lstStyle/>
-              <a:p>
-                <a:pPr algn="l"/>
-                <a:r>
-                  <a:rPr lang="zh-CN" altLang="en-US" sz="3200">
-                    <a:solidFill>
-                      <a:schemeClr val="tx1"/>
-                    </a:solidFill>
-                    <a:latin typeface="思源黑體 ExtraLight" panose="020B0200000000000000" charset="-120"/>
-                    <a:ea typeface="思源黑體 ExtraLight" panose="020B0200000000000000" charset="-120"/>
-                  </a:rPr>
-                  <a:t>优点</a:t>
-                </a:r>
-              </a:p>
-            </p:txBody>
-          </p:sp>
-          <p:sp>
-            <p:nvSpPr>
-              <p:cNvPr id="41" name="文本框 40"/>
-              <p:cNvSpPr txBox="1"/>
-              <p:nvPr/>
-            </p:nvSpPr>
-            <p:spPr>
-              <a:xfrm>
-                <a:off x="11118" y="3768"/>
-                <a:ext cx="8181" cy="1977"/>
-              </a:xfrm>
-              <a:prstGeom prst="rect">
-                <a:avLst/>
-              </a:prstGeom>
-              <a:noFill/>
-            </p:spPr>
-            <p:txBody>
-              <a:bodyPr wrap="square" rtlCol="0">
-                <a:spAutoFit/>
-              </a:bodyPr>
-              <a:lstStyle/>
-              <a:p>
-                <a:pPr algn="l">
-                  <a:lnSpc>
-                    <a:spcPct val="140000"/>
-                  </a:lnSpc>
-                </a:pPr>
-                <a:r>
-                  <a:rPr lang="en-US" altLang="zh-CN">
-                    <a:solidFill>
-                      <a:schemeClr val="tx1"/>
-                    </a:solidFill>
-                    <a:latin typeface="思源黑體 ExtraLight" panose="020B0200000000000000" charset="-120"/>
-                    <a:ea typeface="思源黑體 ExtraLight" panose="020B0200000000000000" charset="-120"/>
-                    <a:cs typeface="思源黑体 Light" panose="020B0300000000000000" charset="-122"/>
-                    <a:sym typeface="+mn-ea"/>
-                  </a:rPr>
-                  <a:t>1.</a:t>
-                </a:r>
-                <a:r>
-                  <a:rPr lang="zh-CN" altLang="en-US">
-                    <a:solidFill>
-                      <a:schemeClr val="tx1"/>
-                    </a:solidFill>
-                    <a:latin typeface="思源黑體 ExtraLight" panose="020B0200000000000000" charset="-120"/>
-                    <a:ea typeface="思源黑體 ExtraLight" panose="020B0200000000000000" charset="-120"/>
-                    <a:cs typeface="思源黑体 Light" panose="020B0300000000000000" charset="-122"/>
-                    <a:sym typeface="+mn-ea"/>
-                  </a:rPr>
-                  <a:t>采用文件存储信息，比较方便实现数据迁移</a:t>
-                </a:r>
-              </a:p>
-              <a:p>
-                <a:pPr algn="l">
-                  <a:lnSpc>
-                    <a:spcPct val="140000"/>
-                  </a:lnSpc>
-                </a:pPr>
-                <a:r>
-                  <a:rPr lang="en-US" altLang="zh-CN">
-                    <a:solidFill>
-                      <a:schemeClr val="tx1"/>
-                    </a:solidFill>
-                    <a:latin typeface="思源黑體 ExtraLight" panose="020B0200000000000000" charset="-120"/>
-                    <a:ea typeface="思源黑體 ExtraLight" panose="020B0200000000000000" charset="-120"/>
-                    <a:cs typeface="思源黑体 Light" panose="020B0300000000000000" charset="-122"/>
-                    <a:sym typeface="+mn-ea"/>
-                  </a:rPr>
-                  <a:t>2.</a:t>
-                </a:r>
-                <a:r>
-                  <a:rPr lang="zh-CN" altLang="en-US">
-                    <a:solidFill>
-                      <a:schemeClr val="tx1"/>
-                    </a:solidFill>
-                    <a:latin typeface="思源黑體 ExtraLight" panose="020B0200000000000000" charset="-120"/>
-                    <a:ea typeface="思源黑體 ExtraLight" panose="020B0200000000000000" charset="-120"/>
-                    <a:cs typeface="思源黑体 Light" panose="020B0300000000000000" charset="-122"/>
-                    <a:sym typeface="+mn-ea"/>
-                  </a:rPr>
-                  <a:t>界面设计较完善，界面比较美观</a:t>
-                </a:r>
-              </a:p>
-              <a:p>
-                <a:pPr algn="l">
-                  <a:lnSpc>
-                    <a:spcPct val="140000"/>
-                  </a:lnSpc>
-                </a:pPr>
-                <a:r>
-                  <a:rPr lang="en-US" altLang="zh-CN">
-                    <a:solidFill>
-                      <a:schemeClr val="tx1"/>
-                    </a:solidFill>
-                    <a:latin typeface="思源黑體 ExtraLight" panose="020B0200000000000000" charset="-120"/>
-                    <a:ea typeface="思源黑體 ExtraLight" panose="020B0200000000000000" charset="-120"/>
-                    <a:cs typeface="思源黑体 Light" panose="020B0300000000000000" charset="-122"/>
-                    <a:sym typeface="+mn-ea"/>
-                  </a:rPr>
-                  <a:t>3.</a:t>
-                </a:r>
-                <a:r>
-                  <a:rPr lang="zh-CN" altLang="en-US">
-                    <a:solidFill>
-                      <a:schemeClr val="tx1"/>
-                    </a:solidFill>
-                    <a:latin typeface="思源黑體 ExtraLight" panose="020B0200000000000000" charset="-120"/>
-                    <a:ea typeface="思源黑體 ExtraLight" panose="020B0200000000000000" charset="-120"/>
-                    <a:cs typeface="思源黑体 Light" panose="020B0300000000000000" charset="-122"/>
-                    <a:sym typeface="+mn-ea"/>
-                  </a:rPr>
-                  <a:t>打包为</a:t>
-                </a:r>
-                <a:r>
-                  <a:rPr lang="en-US" altLang="zh-CN">
-                    <a:solidFill>
-                      <a:schemeClr val="tx1"/>
-                    </a:solidFill>
-                    <a:latin typeface="思源黑體 ExtraLight" panose="020B0200000000000000" charset="-120"/>
-                    <a:ea typeface="思源黑體 ExtraLight" panose="020B0200000000000000" charset="-120"/>
-                    <a:cs typeface="思源黑体 Light" panose="020B0300000000000000" charset="-122"/>
-                    <a:sym typeface="+mn-ea"/>
-                  </a:rPr>
-                  <a:t>exe</a:t>
-                </a:r>
-                <a:r>
-                  <a:rPr lang="zh-CN" altLang="en-US">
-                    <a:solidFill>
-                      <a:schemeClr val="tx1"/>
-                    </a:solidFill>
-                    <a:latin typeface="思源黑體 ExtraLight" panose="020B0200000000000000" charset="-120"/>
-                    <a:ea typeface="思源黑體 ExtraLight" panose="020B0200000000000000" charset="-120"/>
-                    <a:cs typeface="思源黑体 Light" panose="020B0300000000000000" charset="-122"/>
-                    <a:sym typeface="+mn-ea"/>
-                  </a:rPr>
-                  <a:t>安装程序，可在没有</a:t>
-                </a:r>
-                <a:r>
-                  <a:rPr lang="en-US" altLang="zh-CN">
-                    <a:solidFill>
-                      <a:schemeClr val="tx1"/>
-                    </a:solidFill>
-                    <a:latin typeface="思源黑體 ExtraLight" panose="020B0200000000000000" charset="-120"/>
-                    <a:ea typeface="思源黑體 ExtraLight" panose="020B0200000000000000" charset="-120"/>
-                    <a:cs typeface="思源黑体 Light" panose="020B0300000000000000" charset="-122"/>
-                    <a:sym typeface="+mn-ea"/>
-                  </a:rPr>
-                  <a:t>Qt</a:t>
-                </a:r>
-                <a:r>
-                  <a:rPr lang="zh-CN" altLang="en-US">
-                    <a:solidFill>
-                      <a:schemeClr val="tx1"/>
-                    </a:solidFill>
-                    <a:latin typeface="思源黑體 ExtraLight" panose="020B0200000000000000" charset="-120"/>
-                    <a:ea typeface="思源黑體 ExtraLight" panose="020B0200000000000000" charset="-120"/>
-                    <a:cs typeface="思源黑体 Light" panose="020B0300000000000000" charset="-122"/>
-                    <a:sym typeface="+mn-ea"/>
-                  </a:rPr>
-                  <a:t>的文件上安装该程序</a:t>
-                </a:r>
-              </a:p>
-              <a:p>
-                <a:pPr algn="l">
-                  <a:lnSpc>
-                    <a:spcPct val="140000"/>
-                  </a:lnSpc>
-                </a:pPr>
-                <a:endParaRPr lang="zh-CN" altLang="en-US" sz="900">
-                  <a:solidFill>
-                    <a:schemeClr val="tx1"/>
-                  </a:solidFill>
-                  <a:latin typeface="思源黑體 ExtraLight" panose="020B0200000000000000" charset="-120"/>
-                  <a:ea typeface="思源黑體 ExtraLight" panose="020B0200000000000000" charset="-120"/>
-                  <a:cs typeface="思源黑体 Light" panose="020B0300000000000000" charset="-122"/>
-                </a:endParaRPr>
-              </a:p>
-              <a:p>
-                <a:pPr algn="l"/>
-                <a:endParaRPr lang="zh-CN" altLang="en-US" sz="900">
-                  <a:solidFill>
-                    <a:schemeClr val="tx1"/>
-                  </a:solidFill>
-                  <a:latin typeface="思源黑體 ExtraLight" panose="020B0200000000000000" charset="-120"/>
-                  <a:ea typeface="思源黑體 ExtraLight" panose="020B0200000000000000" charset="-120"/>
-                  <a:cs typeface="思源黑体 Light" panose="020B0300000000000000" charset="-122"/>
-                </a:endParaRPr>
-              </a:p>
-            </p:txBody>
-          </p:sp>
-        </p:grpSp>
-        <p:grpSp>
-          <p:nvGrpSpPr>
-            <p:cNvPr id="43" name="组合 42"/>
-            <p:cNvGrpSpPr/>
-            <p:nvPr/>
-          </p:nvGrpSpPr>
-          <p:grpSpPr>
-            <a:xfrm>
-              <a:off x="9086" y="5328"/>
-              <a:ext cx="8181" cy="1984"/>
-              <a:chOff x="11118" y="3188"/>
-              <a:chExt cx="8181" cy="1984"/>
-            </a:xfrm>
-          </p:grpSpPr>
-          <p:sp>
-            <p:nvSpPr>
-              <p:cNvPr id="44" name="文本框 43"/>
-              <p:cNvSpPr txBox="1"/>
-              <p:nvPr/>
-            </p:nvSpPr>
-            <p:spPr>
-              <a:xfrm>
-                <a:off x="11118" y="3188"/>
-                <a:ext cx="2971" cy="523"/>
-              </a:xfrm>
-              <a:prstGeom prst="rect">
-                <a:avLst/>
-              </a:prstGeom>
-              <a:noFill/>
-            </p:spPr>
-            <p:txBody>
-              <a:bodyPr wrap="square" rtlCol="0">
-                <a:spAutoFit/>
-              </a:bodyPr>
-              <a:lstStyle/>
-              <a:p>
-                <a:pPr algn="l"/>
-                <a:r>
-                  <a:rPr lang="zh-CN" altLang="en-US" sz="2800">
-                    <a:solidFill>
-                      <a:schemeClr val="tx1"/>
-                    </a:solidFill>
-                    <a:latin typeface="思源黑體 ExtraLight" panose="020B0200000000000000" charset="-120"/>
-                    <a:ea typeface="思源黑體 ExtraLight" panose="020B0200000000000000" charset="-120"/>
-                  </a:rPr>
-                  <a:t>缺点</a:t>
-                </a:r>
-              </a:p>
-            </p:txBody>
-          </p:sp>
-          <p:sp>
-            <p:nvSpPr>
-              <p:cNvPr id="45" name="文本框 44"/>
-              <p:cNvSpPr txBox="1"/>
-              <p:nvPr/>
-            </p:nvSpPr>
-            <p:spPr>
-              <a:xfrm>
-                <a:off x="11118" y="3768"/>
-                <a:ext cx="8181" cy="1404"/>
-              </a:xfrm>
-              <a:prstGeom prst="rect">
-                <a:avLst/>
-              </a:prstGeom>
-              <a:noFill/>
-            </p:spPr>
-            <p:txBody>
-              <a:bodyPr wrap="square" rtlCol="0">
-                <a:spAutoFit/>
-              </a:bodyPr>
-              <a:lstStyle/>
-              <a:p>
-                <a:pPr algn="l">
-                  <a:lnSpc>
-                    <a:spcPct val="140000"/>
-                  </a:lnSpc>
-                </a:pPr>
-                <a:r>
-                  <a:rPr lang="en-US" altLang="zh-CN" sz="1600">
-                    <a:solidFill>
-                      <a:schemeClr val="tx1"/>
-                    </a:solidFill>
-                    <a:latin typeface="思源黑體 ExtraLight" panose="020B0200000000000000" charset="-120"/>
-                    <a:ea typeface="思源黑體 ExtraLight" panose="020B0200000000000000" charset="-120"/>
-                    <a:cs typeface="思源黑体 Light" panose="020B0300000000000000" charset="-122"/>
-                    <a:sym typeface="+mn-ea"/>
-                  </a:rPr>
-                  <a:t>1.</a:t>
-                </a:r>
-                <a:r>
-                  <a:rPr lang="zh-CN" altLang="en-US" sz="1600">
-                    <a:solidFill>
-                      <a:schemeClr val="tx1"/>
-                    </a:solidFill>
-                    <a:latin typeface="思源黑體 ExtraLight" panose="020B0200000000000000" charset="-120"/>
-                    <a:ea typeface="思源黑體 ExtraLight" panose="020B0200000000000000" charset="-120"/>
-                    <a:cs typeface="思源黑体 Light" panose="020B0300000000000000" charset="-122"/>
-                    <a:sym typeface="+mn-ea"/>
-                  </a:rPr>
-                  <a:t>采用文件保存数据，文件易丢失且不安全</a:t>
-                </a:r>
-              </a:p>
-              <a:p>
-                <a:pPr algn="l">
-                  <a:lnSpc>
-                    <a:spcPct val="140000"/>
-                  </a:lnSpc>
-                </a:pPr>
-                <a:r>
-                  <a:rPr lang="en-US" altLang="zh-CN" sz="1600">
-                    <a:solidFill>
-                      <a:schemeClr val="tx1"/>
-                    </a:solidFill>
-                    <a:latin typeface="思源黑體 ExtraLight" panose="020B0200000000000000" charset="-120"/>
-                    <a:ea typeface="思源黑體 ExtraLight" panose="020B0200000000000000" charset="-120"/>
-                    <a:cs typeface="思源黑体 Light" panose="020B0300000000000000" charset="-122"/>
-                    <a:sym typeface="+mn-ea"/>
-                  </a:rPr>
-                  <a:t>2.</a:t>
-                </a:r>
-                <a:r>
-                  <a:rPr lang="zh-CN" altLang="en-US" sz="1600">
-                    <a:solidFill>
-                      <a:schemeClr val="tx1"/>
-                    </a:solidFill>
-                    <a:latin typeface="思源黑體 ExtraLight" panose="020B0200000000000000" charset="-120"/>
-                    <a:ea typeface="思源黑體 ExtraLight" panose="020B0200000000000000" charset="-120"/>
-                    <a:cs typeface="思源黑体 Light" panose="020B0300000000000000" charset="-122"/>
-                    <a:sym typeface="+mn-ea"/>
-                  </a:rPr>
-                  <a:t>功能较少</a:t>
-                </a:r>
-              </a:p>
-              <a:p>
-                <a:pPr algn="l">
-                  <a:lnSpc>
-                    <a:spcPct val="140000"/>
-                  </a:lnSpc>
-                </a:pPr>
-                <a:r>
-                  <a:rPr lang="en-US" altLang="zh-CN" sz="1600">
-                    <a:solidFill>
-                      <a:schemeClr val="tx1"/>
-                    </a:solidFill>
-                    <a:latin typeface="思源黑體 ExtraLight" panose="020B0200000000000000" charset="-120"/>
-                    <a:ea typeface="思源黑體 ExtraLight" panose="020B0200000000000000" charset="-120"/>
-                    <a:cs typeface="思源黑体 Light" panose="020B0300000000000000" charset="-122"/>
-                    <a:sym typeface="+mn-ea"/>
-                  </a:rPr>
-                  <a:t>3.</a:t>
-                </a:r>
-                <a:r>
-                  <a:rPr lang="zh-CN" altLang="en-US" sz="1600">
-                    <a:solidFill>
-                      <a:schemeClr val="tx1"/>
-                    </a:solidFill>
-                    <a:latin typeface="思源黑體 ExtraLight" panose="020B0200000000000000" charset="-120"/>
-                    <a:ea typeface="思源黑體 ExtraLight" panose="020B0200000000000000" charset="-120"/>
-                    <a:cs typeface="思源黑体 Light" panose="020B0300000000000000" charset="-122"/>
-                    <a:sym typeface="+mn-ea"/>
-                  </a:rPr>
-                  <a:t>每次在新电脑上运行都需创建文件，比较麻烦</a:t>
-                </a:r>
-              </a:p>
-              <a:p>
-                <a:pPr algn="l"/>
-                <a:endParaRPr lang="zh-CN" altLang="en-US" sz="900">
-                  <a:solidFill>
-                    <a:schemeClr val="tx1"/>
-                  </a:solidFill>
-                  <a:latin typeface="思源黑體 ExtraLight" panose="020B0200000000000000" charset="-120"/>
-                  <a:ea typeface="思源黑體 ExtraLight" panose="020B0200000000000000" charset="-120"/>
-                  <a:cs typeface="思源黑体 Light" panose="020B0300000000000000" charset="-122"/>
-                </a:endParaRPr>
-              </a:p>
-              <a:p>
-                <a:pPr algn="l"/>
-                <a:endParaRPr lang="zh-CN" altLang="en-US" sz="900">
-                  <a:solidFill>
-                    <a:schemeClr val="tx1"/>
-                  </a:solidFill>
-                  <a:latin typeface="思源黑體 ExtraLight" panose="020B0200000000000000" charset="-120"/>
-                  <a:ea typeface="思源黑體 ExtraLight" panose="020B0200000000000000" charset="-120"/>
-                  <a:cs typeface="思源黑体 Light" panose="020B0300000000000000" charset="-122"/>
-                </a:endParaRPr>
-              </a:p>
-            </p:txBody>
-          </p:sp>
-        </p:grpSp>
-      </p:grpSp>
     </p:spTree>
     <p:custDataLst>
       <p:tags r:id="rId1"/>
     </p:custDataLst>
+    <p:extLst>
+      <p:ext uri="{BB962C8B-B14F-4D97-AF65-F5344CB8AC3E}">
+        <p14:creationId xmlns:p14="http://schemas.microsoft.com/office/powerpoint/2010/main" val="1632734959"/>
+      </p:ext>
+    </p:extLst>
   </p:cSld>
   <p:clrMapOvr>
     <a:masterClrMapping/>
   </p:clrMapOvr>
-  <p:transition>
-    <p:blinds/>
-  </p:transition>
 </p:sld>
 </file>
 
-<file path=ppt/slides/slide16.xml><?xml version="1.0" encoding="utf-8"?>
+<file path=ppt/slides/slide18.xml><?xml version="1.0" encoding="utf-8"?>
 <p:sld xmlns:a="http://schemas.openxmlformats.org/drawingml/2006/main" xmlns:r="http://schemas.openxmlformats.org/officeDocument/2006/relationships" xmlns:p="http://schemas.openxmlformats.org/presentationml/2006/main">
   <p:cSld>
     <p:bg>
@@ -10673,7 +10140,7 @@
         <p:spPr>
           <a:xfrm>
             <a:off x="5412105" y="3983355"/>
-            <a:ext cx="1303020" cy="398780"/>
+            <a:ext cx="1303020" cy="400110"/>
           </a:xfrm>
           <a:prstGeom prst="rect">
             <a:avLst/>
@@ -10692,7 +10159,7 @@
           <a:p>
             <a:pPr algn="ctr"/>
             <a:r>
-              <a:rPr lang="zh-CN" altLang="en-US" sz="1000">
+              <a:rPr lang="zh-CN" altLang="en-US" sz="1000" dirty="0">
                 <a:solidFill>
                   <a:schemeClr val="bg1"/>
                 </a:solidFill>
@@ -10705,14 +10172,14 @@
           <a:p>
             <a:pPr algn="ctr"/>
             <a:r>
-              <a:rPr lang="zh-CN" altLang="en-US" sz="1000">
+              <a:rPr lang="zh-CN" altLang="en-US" sz="1000" dirty="0">
                 <a:solidFill>
                   <a:schemeClr val="bg1"/>
                 </a:solidFill>
                 <a:latin typeface="思源黑體 ExtraLight" panose="020B0200000000000000" charset="-120"/>
                 <a:ea typeface="思源黑體 ExtraLight" panose="020B0200000000000000" charset="-120"/>
               </a:rPr>
-              <a:t>指导教师：杨龙</a:t>
+              <a:t>指导教师：刘全中</a:t>
             </a:r>
           </a:p>
         </p:txBody>
@@ -10852,9 +10319,6 @@
   <p:clrMapOvr>
     <a:masterClrMapping/>
   </p:clrMapOvr>
-  <p:transition>
-    <p:blinds/>
-  </p:transition>
 </p:sld>
 </file>
 
@@ -11083,7 +10547,7 @@
         <p:spPr>
           <a:xfrm>
             <a:off x="3315970" y="4083050"/>
-            <a:ext cx="1886585" cy="275590"/>
+            <a:ext cx="1886585" cy="276999"/>
           </a:xfrm>
           <a:prstGeom prst="rect">
             <a:avLst/>
@@ -11100,16 +10564,6 @@
           <a:p>
             <a:pPr algn="l"/>
             <a:r>
-              <a:rPr lang="en-US" altLang="zh-CN" sz="1200" dirty="0">
-                <a:solidFill>
-                  <a:schemeClr val="bg1"/>
-                </a:solidFill>
-                <a:latin typeface="思源黑體 ExtraLight" panose="020B0200000000000000" charset="-120"/>
-                <a:ea typeface="思源黑體 ExtraLight" panose="020B0200000000000000" charset="-120"/>
-              </a:rPr>
-              <a:t>      </a:t>
-            </a:r>
-            <a:r>
               <a:rPr lang="zh-CN" altLang="en-US" sz="1200" dirty="0">
                 <a:solidFill>
                   <a:schemeClr val="bg1"/>
@@ -11117,7 +10571,7 @@
                 <a:latin typeface="思源黑體 ExtraLight" panose="020B0200000000000000" charset="-120"/>
                 <a:ea typeface="思源黑體 ExtraLight" panose="020B0200000000000000" charset="-120"/>
               </a:rPr>
-              <a:t>算法复杂度分心</a:t>
+              <a:t>      算法设计</a:t>
             </a:r>
           </a:p>
         </p:txBody>
@@ -11247,7 +10701,7 @@
                 <a:cs typeface="Poppins SemiBold" charset="0"/>
                 <a:sym typeface="+mn-ea"/>
               </a:rPr>
-              <a:t>算法设计</a:t>
+              <a:t>算法分析</a:t>
             </a:r>
           </a:p>
         </p:txBody>
@@ -11524,16 +10978,6 @@
           <a:p>
             <a:pPr algn="l"/>
             <a:r>
-              <a:rPr lang="en-US" altLang="zh-CN" sz="1200" dirty="0">
-                <a:solidFill>
-                  <a:schemeClr val="bg1"/>
-                </a:solidFill>
-                <a:latin typeface="思源黑體 ExtraLight" panose="020B0200000000000000" charset="-120"/>
-                <a:ea typeface="思源黑體 ExtraLight" panose="020B0200000000000000" charset="-120"/>
-              </a:rPr>
-              <a:t>      </a:t>
-            </a:r>
-            <a:r>
               <a:rPr lang="zh-CN" altLang="en-US" sz="1200" dirty="0">
                 <a:solidFill>
                   <a:schemeClr val="bg1"/>
@@ -11541,7 +10985,7 @@
                 <a:latin typeface="思源黑體 ExtraLight" panose="020B0200000000000000" charset="-120"/>
                 <a:ea typeface="思源黑體 ExtraLight" panose="020B0200000000000000" charset="-120"/>
               </a:rPr>
-              <a:t>运行演示</a:t>
+              <a:t>      算法复杂度分析</a:t>
             </a:r>
           </a:p>
         </p:txBody>
@@ -11574,7 +11018,142 @@
         </p:blipFill>
         <p:spPr>
           <a:xfrm>
-            <a:off x="6981190" y="4064000"/>
+            <a:off x="6989816" y="4064000"/>
+            <a:ext cx="200660" cy="200660"/>
+          </a:xfrm>
+          <a:prstGeom prst="rect">
+            <a:avLst/>
+          </a:prstGeom>
+        </p:spPr>
+      </p:pic>
+      <p:sp>
+        <p:nvSpPr>
+          <p:cNvPr id="19" name="文本框 18">
+            <a:extLst>
+              <a:ext uri="{FF2B5EF4-FFF2-40B4-BE49-F238E27FC236}">
+                <a16:creationId xmlns:a16="http://schemas.microsoft.com/office/drawing/2014/main" id="{6F88C9B6-76E5-43EA-B62B-0E6A193A9F41}"/>
+              </a:ext>
+            </a:extLst>
+          </p:cNvPr>
+          <p:cNvSpPr txBox="1"/>
+          <p:nvPr/>
+        </p:nvSpPr>
+        <p:spPr>
+          <a:xfrm>
+            <a:off x="2818765" y="5305677"/>
+            <a:ext cx="1196975" cy="398780"/>
+          </a:xfrm>
+          <a:prstGeom prst="rect">
+            <a:avLst/>
+          </a:prstGeom>
+          <a:noFill/>
+        </p:spPr>
+        <p:txBody>
+          <a:bodyPr wrap="square" rtlCol="0">
+            <a:spAutoFit/>
+          </a:bodyPr>
+          <a:lstStyle/>
+          <a:p>
+            <a:pPr algn="l"/>
+            <a:r>
+              <a:rPr lang="en-US" altLang="zh-CN" sz="2000" dirty="0">
+                <a:solidFill>
+                  <a:schemeClr val="tx1">
+                    <a:lumMod val="85000"/>
+                    <a:lumOff val="15000"/>
+                  </a:schemeClr>
+                </a:solidFill>
+                <a:latin typeface="思源黑體 ExtraLight" panose="020B0200000000000000" charset="-120"/>
+                <a:ea typeface="思源黑體 ExtraLight" panose="020B0200000000000000" charset="-120"/>
+              </a:rPr>
+              <a:t>05</a:t>
+            </a:r>
+          </a:p>
+        </p:txBody>
+      </p:sp>
+      <p:sp>
+        <p:nvSpPr>
+          <p:cNvPr id="20" name="文本框 19">
+            <a:extLst>
+              <a:ext uri="{FF2B5EF4-FFF2-40B4-BE49-F238E27FC236}">
+                <a16:creationId xmlns:a16="http://schemas.microsoft.com/office/drawing/2014/main" id="{7CADCE28-5162-4A9E-836E-3837E4DC59AE}"/>
+              </a:ext>
+            </a:extLst>
+          </p:cNvPr>
+          <p:cNvSpPr txBox="1"/>
+          <p:nvPr/>
+        </p:nvSpPr>
+        <p:spPr>
+          <a:xfrm>
+            <a:off x="3315970" y="5371717"/>
+            <a:ext cx="1886585" cy="275590"/>
+          </a:xfrm>
+          <a:prstGeom prst="rect">
+            <a:avLst/>
+          </a:prstGeom>
+          <a:solidFill>
+            <a:srgbClr val="FF0000"/>
+          </a:solidFill>
+        </p:spPr>
+        <p:txBody>
+          <a:bodyPr wrap="square" rtlCol="0">
+            <a:spAutoFit/>
+          </a:bodyPr>
+          <a:lstStyle/>
+          <a:p>
+            <a:pPr algn="l"/>
+            <a:r>
+              <a:rPr lang="en-US" altLang="zh-CN" sz="1200" dirty="0">
+                <a:solidFill>
+                  <a:schemeClr val="bg1"/>
+                </a:solidFill>
+                <a:latin typeface="思源黑體 ExtraLight" panose="020B0200000000000000" charset="-120"/>
+                <a:ea typeface="思源黑體 ExtraLight" panose="020B0200000000000000" charset="-120"/>
+              </a:rPr>
+              <a:t>      </a:t>
+            </a:r>
+            <a:r>
+              <a:rPr lang="zh-CN" altLang="en-US" sz="1200" dirty="0">
+                <a:solidFill>
+                  <a:schemeClr val="bg1"/>
+                </a:solidFill>
+                <a:latin typeface="思源黑體 ExtraLight" panose="020B0200000000000000" charset="-120"/>
+                <a:ea typeface="思源黑體 ExtraLight" panose="020B0200000000000000" charset="-120"/>
+              </a:rPr>
+              <a:t>算法运行分析</a:t>
+            </a:r>
+          </a:p>
+        </p:txBody>
+      </p:sp>
+      <p:pic>
+        <p:nvPicPr>
+          <p:cNvPr id="28" name="图片 43" descr="气泡图">
+            <a:extLst>
+              <a:ext uri="{FF2B5EF4-FFF2-40B4-BE49-F238E27FC236}">
+                <a16:creationId xmlns:a16="http://schemas.microsoft.com/office/drawing/2014/main" id="{2AC6507F-1924-4539-A61E-1467E6D15694}"/>
+              </a:ext>
+            </a:extLst>
+          </p:cNvPr>
+          <p:cNvPicPr>
+            <a:picLocks noChangeAspect="1"/>
+          </p:cNvPicPr>
+          <p:nvPr/>
+        </p:nvPicPr>
+        <p:blipFill>
+          <a:blip r:embed="rId4">
+            <a:extLst>
+              <a:ext uri="{96DAC541-7B7A-43D3-8B79-37D633B846F1}">
+                <asvg:svgBlip xmlns:asvg="http://schemas.microsoft.com/office/drawing/2016/SVG/main" r:embed="rId5"/>
+              </a:ext>
+            </a:extLst>
+          </a:blip>
+          <a:stretch>
+            <a:fillRect/>
+          </a:stretch>
+        </p:blipFill>
+        <p:spPr>
+          <a:xfrm>
+            <a:off x="3352800" y="5409182"/>
             <a:ext cx="200660" cy="200660"/>
           </a:xfrm>
           <a:prstGeom prst="rect">
@@ -11590,9 +11169,6 @@
   <p:clrMapOvr>
     <a:masterClrMapping/>
   </p:clrMapOvr>
-  <p:transition>
-    <p:blinds/>
-  </p:transition>
 </p:sld>
 </file>
 
@@ -11904,9 +11480,6 @@
   <p:clrMapOvr>
     <a:masterClrMapping/>
   </p:clrMapOvr>
-  <p:transition>
-    <p:blinds/>
-  </p:transition>
 </p:sld>
 </file>
 
@@ -12610,9 +12183,6 @@
   <p:clrMapOvr>
     <a:masterClrMapping/>
   </p:clrMapOvr>
-  <p:transition>
-    <p:blinds/>
-  </p:transition>
 </p:sld>
 </file>
 
@@ -12917,7 +12487,7 @@
         </p:nvSpPr>
         <p:spPr>
           <a:xfrm>
-            <a:off x="947420" y="681138"/>
+            <a:off x="9888855" y="371030"/>
             <a:ext cx="2122170" cy="307777"/>
           </a:xfrm>
           <a:prstGeom prst="rect">
@@ -13019,7 +12589,7 @@
                 <a:ea typeface="宋体" panose="02010600030101010101" pitchFamily="2" charset="-122"/>
                 <a:cs typeface="Times New Roman" panose="02020603050405020304" pitchFamily="18" charset="0"/>
               </a:rPr>
-              <a:t>算法对问题该问题进行求解，将源数据集转化为，</a:t>
+              <a:t>算法对问题该问题进行求解，将源数据集转化为频繁项集，</a:t>
             </a:r>
             <a:r>
               <a:rPr lang="en-US" altLang="zh-CN" sz="1200" kern="100" dirty="0" err="1">
@@ -13957,9 +13527,6 @@
   <p:clrMapOvr>
     <a:masterClrMapping/>
   </p:clrMapOvr>
-  <p:transition>
-    <p:blinds/>
-  </p:transition>
 </p:sld>
 </file>
 
@@ -14276,9 +13843,6 @@
   <p:clrMapOvr>
     <a:masterClrMapping/>
   </p:clrMapOvr>
-  <p:transition>
-    <p:blinds/>
-  </p:transition>
 </p:sld>
 </file>
 
@@ -14636,20 +14200,20 @@
           <p:nvPr>
             <p:extLst>
               <p:ext uri="{D42A27DB-BD31-4B8C-83A1-F6EECF244321}">
-                <p14:modId xmlns:p14="http://schemas.microsoft.com/office/powerpoint/2010/main" val="608566886"/>
+                <p14:modId xmlns:p14="http://schemas.microsoft.com/office/powerpoint/2010/main" val="1651402190"/>
               </p:ext>
             </p:extLst>
           </p:nvPr>
         </p:nvGraphicFramePr>
         <p:xfrm>
-          <a:off x="8463795" y="837565"/>
+          <a:off x="6531478" y="1148080"/>
           <a:ext cx="2967475" cy="2108835"/>
         </p:xfrm>
         <a:graphic>
           <a:graphicData uri="http://schemas.openxmlformats.org/presentationml/2006/ole">
             <mc:AlternateContent xmlns:mc="http://schemas.openxmlformats.org/markup-compatibility/2006">
               <mc:Choice xmlns:v="urn:schemas-microsoft-com:vml" Requires="v">
-                <p:oleObj spid="_x0000_s3076" name="Visio" r:id="rId5" imgW="2369785" imgH="1683674" progId="Visio.Drawing.15">
+                <p:oleObj spid="_x0000_s3081" name="Visio" r:id="rId5" imgW="2369785" imgH="1683674" progId="Visio.Drawing.15">
                   <p:embed/>
                 </p:oleObj>
               </mc:Choice>
@@ -14665,13 +14229,7 @@
                       <p:nvPr/>
                     </p:nvPicPr>
                     <p:blipFill>
-                      <a:blip r:embed="rId6">
-                        <a:extLst>
-                          <a:ext uri="{28A0092B-C50C-407E-A947-70E740481C1C}">
-                            <a14:useLocalDpi xmlns:a14="http://schemas.microsoft.com/office/drawing/2010/main" val="0"/>
-                          </a:ext>
-                        </a:extLst>
-                      </a:blip>
+                      <a:blip r:embed="rId6"/>
                       <a:srcRect/>
                       <a:stretch>
                         <a:fillRect/>
@@ -14679,7 +14237,7 @@
                     </p:blipFill>
                     <p:spPr bwMode="auto">
                       <a:xfrm>
-                        <a:off x="8463795" y="837565"/>
+                        <a:off x="6531478" y="1148080"/>
                         <a:ext cx="2967475" cy="2108835"/>
                       </a:xfrm>
                       <a:prstGeom prst="rect">
@@ -14808,9 +14366,6 @@
   <p:clrMapOvr>
     <a:masterClrMapping/>
   </p:clrMapOvr>
-  <p:transition>
-    <p:blinds/>
-  </p:transition>
 </p:sld>
 </file>
 
@@ -15187,23 +14742,12 @@
   <p:clrMapOvr>
     <a:masterClrMapping/>
   </p:clrMapOvr>
-  <p:transition>
-    <p:blinds/>
-  </p:transition>
 </p:sld>
 </file>
 
 <file path=ppt/slides/slide9.xml><?xml version="1.0" encoding="utf-8"?>
 <p:sld xmlns:a="http://schemas.openxmlformats.org/drawingml/2006/main" xmlns:r="http://schemas.openxmlformats.org/officeDocument/2006/relationships" xmlns:p="http://schemas.openxmlformats.org/presentationml/2006/main">
   <p:cSld>
-    <p:bg>
-      <p:bgPr>
-        <a:solidFill>
-          <a:schemeClr val="bg1"/>
-        </a:solidFill>
-        <a:effectLst/>
-      </p:bgPr>
-    </p:bg>
     <p:spTree>
       <p:nvGrpSpPr>
         <p:cNvPr id="1" name=""/>
@@ -15218,219 +14762,30 @@
           <a:chExt cx="0" cy="0"/>
         </a:xfrm>
       </p:grpSpPr>
-      <p:cxnSp>
-        <p:nvCxnSpPr>
-          <p:cNvPr id="2" name="直接连接符 1"/>
-          <p:cNvCxnSpPr/>
-          <p:nvPr/>
-        </p:nvCxnSpPr>
-        <p:spPr>
-          <a:xfrm flipH="1">
-            <a:off x="-581660" y="1250950"/>
-            <a:ext cx="2432050" cy="1964690"/>
-          </a:xfrm>
-          <a:prstGeom prst="line">
-            <a:avLst/>
-          </a:prstGeom>
-          <a:ln>
-            <a:solidFill>
-              <a:schemeClr val="tx1">
-                <a:lumMod val="95000"/>
-                <a:lumOff val="5000"/>
-              </a:schemeClr>
-            </a:solidFill>
-          </a:ln>
-        </p:spPr>
-        <p:style>
-          <a:lnRef idx="1">
-            <a:schemeClr val="accent1"/>
-          </a:lnRef>
-          <a:fillRef idx="0">
-            <a:schemeClr val="accent1"/>
-          </a:fillRef>
-          <a:effectRef idx="0">
-            <a:schemeClr val="accent1"/>
-          </a:effectRef>
-          <a:fontRef idx="minor">
-            <a:schemeClr val="tx1"/>
-          </a:fontRef>
-        </p:style>
-      </p:cxnSp>
-      <p:cxnSp>
-        <p:nvCxnSpPr>
-          <p:cNvPr id="3" name="直接连接符 2"/>
-          <p:cNvCxnSpPr/>
-          <p:nvPr/>
-        </p:nvCxnSpPr>
-        <p:spPr>
-          <a:xfrm flipH="1">
-            <a:off x="1334135" y="-1107440"/>
-            <a:ext cx="2432050" cy="1964690"/>
-          </a:xfrm>
-          <a:prstGeom prst="line">
-            <a:avLst/>
-          </a:prstGeom>
-          <a:ln>
-            <a:solidFill>
-              <a:schemeClr val="tx1">
-                <a:lumMod val="95000"/>
-                <a:lumOff val="5000"/>
-              </a:schemeClr>
-            </a:solidFill>
-          </a:ln>
-        </p:spPr>
-        <p:style>
-          <a:lnRef idx="1">
-            <a:schemeClr val="accent1"/>
-          </a:lnRef>
-          <a:fillRef idx="0">
-            <a:schemeClr val="accent1"/>
-          </a:fillRef>
-          <a:effectRef idx="0">
-            <a:schemeClr val="accent1"/>
-          </a:effectRef>
-          <a:fontRef idx="minor">
-            <a:schemeClr val="tx1"/>
-          </a:fontRef>
-        </p:style>
-      </p:cxnSp>
-      <p:cxnSp>
-        <p:nvCxnSpPr>
-          <p:cNvPr id="4" name="直接连接符 3"/>
-          <p:cNvCxnSpPr/>
-          <p:nvPr/>
-        </p:nvCxnSpPr>
-        <p:spPr>
-          <a:xfrm flipH="1">
-            <a:off x="9215755" y="5941060"/>
-            <a:ext cx="2432050" cy="1964690"/>
-          </a:xfrm>
-          <a:prstGeom prst="line">
-            <a:avLst/>
-          </a:prstGeom>
-          <a:ln>
-            <a:solidFill>
-              <a:schemeClr val="tx1">
-                <a:lumMod val="95000"/>
-                <a:lumOff val="5000"/>
-              </a:schemeClr>
-            </a:solidFill>
-          </a:ln>
-        </p:spPr>
-        <p:style>
-          <a:lnRef idx="1">
-            <a:schemeClr val="accent1"/>
-          </a:lnRef>
-          <a:fillRef idx="0">
-            <a:schemeClr val="accent1"/>
-          </a:fillRef>
-          <a:effectRef idx="0">
-            <a:schemeClr val="accent1"/>
-          </a:effectRef>
-          <a:fontRef idx="minor">
-            <a:schemeClr val="tx1"/>
-          </a:fontRef>
-        </p:style>
-      </p:cxnSp>
-      <p:cxnSp>
-        <p:nvCxnSpPr>
-          <p:cNvPr id="5" name="直接连接符 4"/>
-          <p:cNvCxnSpPr/>
-          <p:nvPr/>
-        </p:nvCxnSpPr>
-        <p:spPr>
-          <a:xfrm flipH="1">
-            <a:off x="11131550" y="3582670"/>
-            <a:ext cx="2432050" cy="1964690"/>
-          </a:xfrm>
-          <a:prstGeom prst="line">
-            <a:avLst/>
-          </a:prstGeom>
-          <a:ln w="6350">
-            <a:solidFill>
-              <a:schemeClr val="tx1">
-                <a:lumMod val="95000"/>
-                <a:lumOff val="5000"/>
-              </a:schemeClr>
-            </a:solidFill>
-          </a:ln>
-        </p:spPr>
-        <p:style>
-          <a:lnRef idx="1">
-            <a:schemeClr val="accent1"/>
-          </a:lnRef>
-          <a:fillRef idx="0">
-            <a:schemeClr val="accent1"/>
-          </a:fillRef>
-          <a:effectRef idx="0">
-            <a:schemeClr val="accent1"/>
-          </a:effectRef>
-          <a:fontRef idx="minor">
-            <a:schemeClr val="tx1"/>
-          </a:fontRef>
-        </p:style>
-      </p:cxnSp>
-      <p:sp>
-        <p:nvSpPr>
-          <p:cNvPr id="8" name="文本框 7"/>
-          <p:cNvSpPr txBox="1"/>
-          <p:nvPr/>
-        </p:nvSpPr>
-        <p:spPr>
-          <a:xfrm>
-            <a:off x="3906520" y="2056765"/>
-            <a:ext cx="1264920" cy="1014730"/>
-          </a:xfrm>
-          <a:prstGeom prst="rect">
-            <a:avLst/>
-          </a:prstGeom>
-          <a:noFill/>
-        </p:spPr>
-        <p:txBody>
-          <a:bodyPr wrap="square" rtlCol="0">
-            <a:spAutoFit/>
-          </a:bodyPr>
-          <a:lstStyle/>
-          <a:p>
-            <a:pPr algn="l"/>
-            <a:r>
-              <a:rPr lang="en-US" sz="6000">
-                <a:solidFill>
-                  <a:srgbClr val="FF0000"/>
-                </a:solidFill>
-                <a:latin typeface="思源黑体 Light" panose="020B0300000000000000" charset="-122"/>
-                <a:ea typeface="思源黑体 Light" panose="020B0300000000000000" charset="-122"/>
-                <a:cs typeface="思源黑体 Light" panose="020B0300000000000000" charset="-122"/>
-              </a:rPr>
-              <a:t>03</a:t>
-            </a:r>
-          </a:p>
-        </p:txBody>
-      </p:sp>
       <p:grpSp>
         <p:nvGrpSpPr>
-          <p:cNvPr id="9" name="组合 8"/>
+          <p:cNvPr id="6" name="组合 5"/>
           <p:cNvGrpSpPr/>
           <p:nvPr/>
         </p:nvGrpSpPr>
         <p:grpSpPr>
           <a:xfrm>
-            <a:off x="4000500" y="2339340"/>
-            <a:ext cx="4215765" cy="1164590"/>
-            <a:chOff x="6300" y="3684"/>
-            <a:chExt cx="6639" cy="1834"/>
+            <a:off x="-1484630" y="-1520825"/>
+            <a:ext cx="4347845" cy="4323080"/>
+            <a:chOff x="-916" y="-1744"/>
+            <a:chExt cx="6847" cy="6808"/>
           </a:xfrm>
         </p:grpSpPr>
         <p:cxnSp>
           <p:nvCxnSpPr>
-            <p:cNvPr id="15" name="直接连接符 14"/>
+            <p:cNvPr id="22" name="直接连接符 21"/>
             <p:cNvCxnSpPr/>
             <p:nvPr/>
           </p:nvCxnSpPr>
           <p:spPr>
             <a:xfrm flipH="1">
-              <a:off x="6300" y="3684"/>
-              <a:ext cx="2266" cy="1834"/>
+              <a:off x="-916" y="1970"/>
+              <a:ext cx="3830" cy="3094"/>
             </a:xfrm>
             <a:prstGeom prst="line">
               <a:avLst/>
@@ -15459,56 +14814,338 @@
             </a:fontRef>
           </p:style>
         </p:cxnSp>
-        <p:sp>
-          <p:nvSpPr>
-            <p:cNvPr id="10" name="文本框 9"/>
-            <p:cNvSpPr txBox="1"/>
+        <p:cxnSp>
+          <p:nvCxnSpPr>
+            <p:cNvPr id="7" name="直接连接符 6"/>
+            <p:cNvCxnSpPr/>
             <p:nvPr/>
-          </p:nvSpPr>
+          </p:nvCxnSpPr>
           <p:spPr>
-            <a:xfrm>
-              <a:off x="8144" y="4269"/>
-              <a:ext cx="4795" cy="919"/>
+            <a:xfrm flipH="1">
+              <a:off x="2101" y="-1744"/>
+              <a:ext cx="3830" cy="3094"/>
             </a:xfrm>
-            <a:prstGeom prst="rect">
+            <a:prstGeom prst="line">
               <a:avLst/>
             </a:prstGeom>
+            <a:ln>
+              <a:solidFill>
+                <a:schemeClr val="tx1">
+                  <a:lumMod val="95000"/>
+                  <a:lumOff val="5000"/>
+                </a:schemeClr>
+              </a:solidFill>
+            </a:ln>
+          </p:spPr>
+          <p:style>
+            <a:lnRef idx="1">
+              <a:schemeClr val="accent1"/>
+            </a:lnRef>
+            <a:fillRef idx="0">
+              <a:schemeClr val="accent1"/>
+            </a:fillRef>
+            <a:effectRef idx="0">
+              <a:schemeClr val="accent1"/>
+            </a:effectRef>
+            <a:fontRef idx="minor">
+              <a:schemeClr val="tx1"/>
+            </a:fontRef>
+          </p:style>
+        </p:cxnSp>
+      </p:grpSp>
+      <p:grpSp>
+        <p:nvGrpSpPr>
+          <p:cNvPr id="12" name="组合 11"/>
+          <p:cNvGrpSpPr/>
+          <p:nvPr/>
+        </p:nvGrpSpPr>
+        <p:grpSpPr>
+          <a:xfrm>
+            <a:off x="9578975" y="4159250"/>
+            <a:ext cx="4347845" cy="4323080"/>
+            <a:chOff x="14513" y="5642"/>
+            <a:chExt cx="6847" cy="6808"/>
+          </a:xfrm>
+        </p:grpSpPr>
+        <p:cxnSp>
+          <p:nvCxnSpPr>
+            <p:cNvPr id="13" name="直接连接符 12"/>
+            <p:cNvCxnSpPr/>
+            <p:nvPr/>
+          </p:nvCxnSpPr>
+          <p:spPr>
+            <a:xfrm flipH="1">
+              <a:off x="14513" y="9356"/>
+              <a:ext cx="3830" cy="3094"/>
+            </a:xfrm>
+            <a:prstGeom prst="line">
+              <a:avLst/>
+            </a:prstGeom>
+            <a:ln>
+              <a:solidFill>
+                <a:schemeClr val="tx1">
+                  <a:lumMod val="95000"/>
+                  <a:lumOff val="5000"/>
+                </a:schemeClr>
+              </a:solidFill>
+            </a:ln>
+          </p:spPr>
+          <p:style>
+            <a:lnRef idx="1">
+              <a:schemeClr val="accent1"/>
+            </a:lnRef>
+            <a:fillRef idx="0">
+              <a:schemeClr val="accent1"/>
+            </a:fillRef>
+            <a:effectRef idx="0">
+              <a:schemeClr val="accent1"/>
+            </a:effectRef>
+            <a:fontRef idx="minor">
+              <a:schemeClr val="tx1"/>
+            </a:fontRef>
+          </p:style>
+        </p:cxnSp>
+        <p:cxnSp>
+          <p:nvCxnSpPr>
+            <p:cNvPr id="14" name="直接连接符 13"/>
+            <p:cNvCxnSpPr/>
+            <p:nvPr/>
+          </p:nvCxnSpPr>
+          <p:spPr>
+            <a:xfrm flipH="1">
+              <a:off x="17530" y="5642"/>
+              <a:ext cx="3830" cy="3094"/>
+            </a:xfrm>
+            <a:prstGeom prst="line">
+              <a:avLst/>
+            </a:prstGeom>
+            <a:ln w="6350">
+              <a:solidFill>
+                <a:schemeClr val="tx1">
+                  <a:lumMod val="95000"/>
+                  <a:lumOff val="5000"/>
+                </a:schemeClr>
+              </a:solidFill>
+            </a:ln>
+          </p:spPr>
+          <p:style>
+            <a:lnRef idx="1">
+              <a:schemeClr val="accent1"/>
+            </a:lnRef>
+            <a:fillRef idx="0">
+              <a:schemeClr val="accent1"/>
+            </a:fillRef>
+            <a:effectRef idx="0">
+              <a:schemeClr val="accent1"/>
+            </a:effectRef>
+            <a:fontRef idx="minor">
+              <a:schemeClr val="tx1"/>
+            </a:fontRef>
+          </p:style>
+        </p:cxnSp>
+      </p:grpSp>
+      <p:sp>
+        <p:nvSpPr>
+          <p:cNvPr id="17" name="文本框 16"/>
+          <p:cNvSpPr txBox="1"/>
+          <p:nvPr/>
+        </p:nvSpPr>
+        <p:spPr>
+          <a:xfrm>
+            <a:off x="935990" y="347980"/>
+            <a:ext cx="1657985" cy="306705"/>
+          </a:xfrm>
+          <a:prstGeom prst="rect">
+            <a:avLst/>
+          </a:prstGeom>
+          <a:noFill/>
+        </p:spPr>
+        <p:txBody>
+          <a:bodyPr wrap="square" rtlCol="0">
+            <a:spAutoFit/>
+          </a:bodyPr>
+          <a:lstStyle/>
+          <a:p>
+            <a:r>
+              <a:rPr lang="zh-CN" altLang="en-US" sz="1400" dirty="0">
+                <a:solidFill>
+                  <a:schemeClr val="tx1">
+                    <a:lumMod val="95000"/>
+                    <a:lumOff val="5000"/>
+                  </a:schemeClr>
+                </a:solidFill>
+                <a:latin typeface="思源黑體 ExtraLight" panose="020B0200000000000000" charset="-120"/>
+                <a:ea typeface="思源黑體 ExtraLight" panose="020B0200000000000000" charset="-120"/>
+              </a:rPr>
+              <a:t>算法设计</a:t>
+            </a:r>
+          </a:p>
+        </p:txBody>
+      </p:sp>
+      <p:sp>
+        <p:nvSpPr>
+          <p:cNvPr id="15" name="文本框 14">
+            <a:extLst>
+              <a:ext uri="{FF2B5EF4-FFF2-40B4-BE49-F238E27FC236}">
+                <a16:creationId xmlns:a16="http://schemas.microsoft.com/office/drawing/2014/main" id="{62AC5E8E-ADB8-451F-8766-150846A34826}"/>
+              </a:ext>
+            </a:extLst>
+          </p:cNvPr>
+          <p:cNvSpPr txBox="1"/>
+          <p:nvPr/>
+        </p:nvSpPr>
+        <p:spPr>
+          <a:xfrm>
+            <a:off x="9917765" y="401638"/>
+            <a:ext cx="2122170" cy="307777"/>
+          </a:xfrm>
+          <a:prstGeom prst="rect">
+            <a:avLst/>
+          </a:prstGeom>
+          <a:noFill/>
+        </p:spPr>
+        <p:txBody>
+          <a:bodyPr wrap="square" rtlCol="0">
+            <a:spAutoFit/>
+          </a:bodyPr>
+          <a:lstStyle/>
+          <a:p>
+            <a:pPr algn="l"/>
+            <a:r>
+              <a:rPr lang="zh-CN" altLang="en-US" sz="1400" dirty="0">
+                <a:solidFill>
+                  <a:schemeClr val="tx1">
+                    <a:lumMod val="95000"/>
+                    <a:lumOff val="5000"/>
+                  </a:schemeClr>
+                </a:solidFill>
+                <a:latin typeface="思源黑體 ExtraLight" panose="020B0200000000000000" charset="-120"/>
+                <a:ea typeface="思源黑体 Light" panose="020B0300000000000000" charset="-122"/>
+                <a:sym typeface="+mn-ea"/>
+              </a:rPr>
+              <a:t>序列模式挖掘问题</a:t>
+            </a:r>
+            <a:endParaRPr lang="zh-CN" altLang="en-US" sz="1400" dirty="0">
+              <a:solidFill>
+                <a:schemeClr val="tx1">
+                  <a:lumMod val="95000"/>
+                  <a:lumOff val="5000"/>
+                </a:schemeClr>
+              </a:solidFill>
+              <a:latin typeface="思源黑體 ExtraLight" panose="020B0200000000000000" charset="-120"/>
+              <a:ea typeface="思源黑體 ExtraLight" panose="020B0200000000000000" charset="-120"/>
+            </a:endParaRPr>
+          </a:p>
+        </p:txBody>
+      </p:sp>
+      <p:pic>
+        <p:nvPicPr>
+          <p:cNvPr id="4098" name="图片 1">
+            <a:extLst>
+              <a:ext uri="{FF2B5EF4-FFF2-40B4-BE49-F238E27FC236}">
+                <a16:creationId xmlns:a16="http://schemas.microsoft.com/office/drawing/2014/main" id="{945FEA08-E18A-48A5-8D00-8BD868F7F834}"/>
+              </a:ext>
+            </a:extLst>
+          </p:cNvPr>
+          <p:cNvPicPr>
+            <a:picLocks noChangeAspect="1" noChangeArrowheads="1"/>
+          </p:cNvPicPr>
+          <p:nvPr/>
+        </p:nvPicPr>
+        <p:blipFill>
+          <a:blip r:embed="rId4">
+            <a:extLst>
+              <a:ext uri="{28A0092B-C50C-407E-A947-70E740481C1C}">
+                <a14:useLocalDpi xmlns:a14="http://schemas.microsoft.com/office/drawing/2010/main" val="0"/>
+              </a:ext>
+            </a:extLst>
+          </a:blip>
+          <a:srcRect b="1192"/>
+          <a:stretch>
+            <a:fillRect/>
+          </a:stretch>
+        </p:blipFill>
+        <p:spPr bwMode="auto">
+          <a:xfrm>
+            <a:off x="4903320" y="-96838"/>
+            <a:ext cx="2705100" cy="7051676"/>
+          </a:xfrm>
+          <a:prstGeom prst="rect">
+            <a:avLst/>
+          </a:prstGeom>
+          <a:noFill/>
+          <a:ln>
             <a:noFill/>
-          </p:spPr>
-          <p:txBody>
-            <a:bodyPr wrap="square" rtlCol="0">
-              <a:spAutoFit/>
-            </a:bodyPr>
-            <a:lstStyle/>
-            <a:p>
-              <a:pPr algn="l"/>
-              <a:r>
-                <a:rPr lang="zh-CN" altLang="en-US" sz="3200" dirty="0">
-                  <a:solidFill>
-                    <a:schemeClr val="tx1"/>
-                  </a:solidFill>
-                  <a:latin typeface="思源黑体 Light" panose="020B0300000000000000" charset="-122"/>
-                  <a:ea typeface="思源黑体 Light" panose="020B0300000000000000" charset="-122"/>
-                  <a:cs typeface="思源黑体 Light" panose="020B0300000000000000" charset="-122"/>
-                  <a:sym typeface="+mn-ea"/>
-                </a:rPr>
-                <a:t>具体实现思路</a:t>
-              </a:r>
-            </a:p>
-          </p:txBody>
-        </p:sp>
-      </p:grpSp>
+          </a:ln>
+          <a:extLst>
+            <a:ext uri="{909E8E84-426E-40DD-AFC4-6F175D3DCCD1}">
+              <a14:hiddenFill xmlns:a14="http://schemas.microsoft.com/office/drawing/2010/main">
+                <a:solidFill>
+                  <a:srgbClr val="FFFFFF"/>
+                </a:solidFill>
+              </a14:hiddenFill>
+            </a:ext>
+            <a:ext uri="{91240B29-F687-4F45-9708-019B960494DF}">
+              <a14:hiddenLine xmlns:a14="http://schemas.microsoft.com/office/drawing/2010/main" w="9525">
+                <a:solidFill>
+                  <a:srgbClr val="000000"/>
+                </a:solidFill>
+                <a:miter lim="800000"/>
+                <a:headEnd/>
+                <a:tailEnd/>
+              </a14:hiddenLine>
+            </a:ext>
+          </a:extLst>
+        </p:spPr>
+      </p:pic>
+      <p:sp>
+        <p:nvSpPr>
+          <p:cNvPr id="2" name="文本框 1">
+            <a:extLst>
+              <a:ext uri="{FF2B5EF4-FFF2-40B4-BE49-F238E27FC236}">
+                <a16:creationId xmlns:a16="http://schemas.microsoft.com/office/drawing/2014/main" id="{F152780A-901C-4FBC-B152-E8A4308381DB}"/>
+              </a:ext>
+            </a:extLst>
+          </p:cNvPr>
+          <p:cNvSpPr txBox="1"/>
+          <p:nvPr/>
+        </p:nvSpPr>
+        <p:spPr>
+          <a:xfrm>
+            <a:off x="845389" y="1500996"/>
+            <a:ext cx="3433313" cy="646331"/>
+          </a:xfrm>
+          <a:prstGeom prst="rect">
+            <a:avLst/>
+          </a:prstGeom>
+          <a:noFill/>
+        </p:spPr>
+        <p:txBody>
+          <a:bodyPr wrap="square" rtlCol="0">
+            <a:spAutoFit/>
+          </a:bodyPr>
+          <a:lstStyle/>
+          <a:p>
+            <a:r>
+              <a:rPr lang="zh-CN" altLang="en-US" dirty="0"/>
+              <a:t>使用字典来存放项集与出现次数的键值对</a:t>
+            </a:r>
+          </a:p>
+        </p:txBody>
+      </p:sp>
     </p:spTree>
     <p:custDataLst>
       <p:tags r:id="rId1"/>
     </p:custDataLst>
+    <p:extLst>
+      <p:ext uri="{BB962C8B-B14F-4D97-AF65-F5344CB8AC3E}">
+        <p14:creationId xmlns:p14="http://schemas.microsoft.com/office/powerpoint/2010/main" val="2299366874"/>
+      </p:ext>
+    </p:extLst>
   </p:cSld>
   <p:clrMapOvr>
     <a:masterClrMapping/>
   </p:clrMapOvr>
-  <p:transition>
-    <p:blinds/>
-  </p:transition>
 </p:sld>
 </file>
 
@@ -16585,6 +16222,44 @@
 </p:tagLst>
 </file>
 
+<file path=ppt/tags/tag78.xml><?xml version="1.0" encoding="utf-8"?>
+<p:tagLst xmlns:a="http://schemas.openxmlformats.org/drawingml/2006/main" xmlns:r="http://schemas.openxmlformats.org/officeDocument/2006/relationships" xmlns:p="http://schemas.openxmlformats.org/presentationml/2006/main">
+  <p:tag name="KSO_WM_TEMPLATE_THUMBS_INDEX" val="1"/>
+  <p:tag name="KSO_WM_SLIDE_ID" val="custom20187308_1"/>
+  <p:tag name="KSO_WM_TEMPLATE_SUBCATEGORY" val="0"/>
+  <p:tag name="KSO_WM_SLIDE_TYPE" val="title"/>
+  <p:tag name="KSO_WM_SLIDE_SUBTYPE" val="defaultBlank"/>
+  <p:tag name="KSO_WM_SLIDE_ITEM_CNT" val="0"/>
+  <p:tag name="KSO_WM_SLIDE_INDEX" val="1"/>
+  <p:tag name="KSO_WM_TAG_VERSION" val="1.0"/>
+  <p:tag name="KSO_WM_BEAUTIFY_FLAG" val="#wm#"/>
+  <p:tag name="KSO_WM_TEMPLATE_CATEGORY" val="custom"/>
+  <p:tag name="KSO_WM_TEMPLATE_INDEX" val="20187308"/>
+  <p:tag name="KSO_WM_SLIDE_LAYOUT" val="a_b"/>
+  <p:tag name="KSO_WM_SLIDE_LAYOUT_CNT" val="1_1"/>
+  <p:tag name="KSO_WM_SLIDE_MODEL_TYPE" val="cover"/>
+</p:tagLst>
+</file>
+
+<file path=ppt/tags/tag79.xml><?xml version="1.0" encoding="utf-8"?>
+<p:tagLst xmlns:a="http://schemas.openxmlformats.org/drawingml/2006/main" xmlns:r="http://schemas.openxmlformats.org/officeDocument/2006/relationships" xmlns:p="http://schemas.openxmlformats.org/presentationml/2006/main">
+  <p:tag name="KSO_WM_TEMPLATE_THUMBS_INDEX" val="1"/>
+  <p:tag name="KSO_WM_SLIDE_ID" val="custom20187308_1"/>
+  <p:tag name="KSO_WM_TEMPLATE_SUBCATEGORY" val="0"/>
+  <p:tag name="KSO_WM_SLIDE_TYPE" val="title"/>
+  <p:tag name="KSO_WM_SLIDE_SUBTYPE" val="defaultBlank"/>
+  <p:tag name="KSO_WM_SLIDE_ITEM_CNT" val="0"/>
+  <p:tag name="KSO_WM_SLIDE_INDEX" val="1"/>
+  <p:tag name="KSO_WM_TAG_VERSION" val="1.0"/>
+  <p:tag name="KSO_WM_BEAUTIFY_FLAG" val="#wm#"/>
+  <p:tag name="KSO_WM_TEMPLATE_CATEGORY" val="custom"/>
+  <p:tag name="KSO_WM_TEMPLATE_INDEX" val="20187308"/>
+  <p:tag name="KSO_WM_SLIDE_LAYOUT" val="a_b"/>
+  <p:tag name="KSO_WM_SLIDE_LAYOUT_CNT" val="1_1"/>
+  <p:tag name="KSO_WM_SLIDE_MODEL_TYPE" val="cover"/>
+</p:tagLst>
+</file>
+
 <file path=ppt/tags/tag8.xml><?xml version="1.0" encoding="utf-8"?>
 <p:tagLst xmlns:a="http://schemas.openxmlformats.org/drawingml/2006/main" xmlns:r="http://schemas.openxmlformats.org/officeDocument/2006/relationships" xmlns:p="http://schemas.openxmlformats.org/presentationml/2006/main">
   <p:tag name="KSO_WM_UNIT_HIGHLIGHT" val="0"/>
